--- a/Requisitos Polimorfismo (1).pptx
+++ b/Requisitos Polimorfismo (1).pptx
@@ -2,25 +2,26 @@
 <file path=ppt/presentation.xml><?xml version="1.0" encoding="utf-8"?>
 <p:presentation xmlns:a="http://schemas.openxmlformats.org/drawingml/2006/main" xmlns:r="http://schemas.openxmlformats.org/officeDocument/2006/relationships" xmlns:p="http://schemas.openxmlformats.org/presentationml/2006/main" saveSubsetFonts="1">
   <p:sldMasterIdLst>
-    <p:sldMasterId id="2147483648" r:id="rId1"/>
+    <p:sldMasterId id="2147483702" r:id="rId1"/>
+    <p:sldMasterId id="2147483726" r:id="rId2"/>
   </p:sldMasterIdLst>
   <p:sldIdLst>
-    <p:sldId id="256" r:id="rId2"/>
-    <p:sldId id="257" r:id="rId3"/>
-    <p:sldId id="261" r:id="rId4"/>
-    <p:sldId id="268" r:id="rId5"/>
-    <p:sldId id="269" r:id="rId6"/>
-    <p:sldId id="270" r:id="rId7"/>
-    <p:sldId id="258" r:id="rId8"/>
-    <p:sldId id="259" r:id="rId9"/>
-    <p:sldId id="260" r:id="rId10"/>
-    <p:sldId id="262" r:id="rId11"/>
-    <p:sldId id="263" r:id="rId12"/>
-    <p:sldId id="264" r:id="rId13"/>
-    <p:sldId id="265" r:id="rId14"/>
-    <p:sldId id="266" r:id="rId15"/>
-    <p:sldId id="267" r:id="rId16"/>
-    <p:sldId id="271" r:id="rId17"/>
+    <p:sldId id="256" r:id="rId3"/>
+    <p:sldId id="257" r:id="rId4"/>
+    <p:sldId id="261" r:id="rId5"/>
+    <p:sldId id="268" r:id="rId6"/>
+    <p:sldId id="269" r:id="rId7"/>
+    <p:sldId id="270" r:id="rId8"/>
+    <p:sldId id="258" r:id="rId9"/>
+    <p:sldId id="274" r:id="rId10"/>
+    <p:sldId id="278" r:id="rId11"/>
+    <p:sldId id="277" r:id="rId12"/>
+    <p:sldId id="276" r:id="rId13"/>
+    <p:sldId id="267" r:id="rId14"/>
+    <p:sldId id="275" r:id="rId15"/>
+    <p:sldId id="271" r:id="rId16"/>
+    <p:sldId id="272" r:id="rId17"/>
+    <p:sldId id="273" r:id="rId18"/>
   </p:sldIdLst>
   <p:sldSz cx="12192000" cy="6858000"/>
   <p:notesSz cx="6858000" cy="9144000"/>
@@ -121,7 +122,18 @@
   </p:defaultTextStyle>
   <p:extLst>
     <p:ext uri="{EFAFB233-063F-42B5-8137-9DF3F51BA10A}">
-      <p15:sldGuideLst xmlns:p15="http://schemas.microsoft.com/office/powerpoint/2012/main"/>
+      <p15:sldGuideLst xmlns:p15="http://schemas.microsoft.com/office/powerpoint/2012/main">
+        <p15:guide id="1" orient="horz" pos="2160">
+          <p15:clr>
+            <a:srgbClr val="A4A3A4"/>
+          </p15:clr>
+        </p15:guide>
+        <p15:guide id="2" pos="3840">
+          <p15:clr>
+            <a:srgbClr val="A4A3A4"/>
+          </p15:clr>
+        </p15:guide>
+      </p15:sldGuideLst>
     </p:ext>
   </p:extLst>
 </p:presentation>
@@ -129,7 +141,7 @@
 
 <file path=ppt/slideLayouts/slideLayout1.xml><?xml version="1.0" encoding="utf-8"?>
 <p:sldLayout xmlns:a="http://schemas.openxmlformats.org/drawingml/2006/main" xmlns:r="http://schemas.openxmlformats.org/officeDocument/2006/relationships" xmlns:p="http://schemas.openxmlformats.org/presentationml/2006/main" type="title" preserve="1">
-  <p:cSld name="Slide de Título">
+  <p:cSld name="Slide de título">
     <p:spTree>
       <p:nvGrpSpPr>
         <p:cNvPr id="1" name=""/>
@@ -146,7 +158,7 @@
       </p:grpSpPr>
       <p:sp>
         <p:nvSpPr>
-          <p:cNvPr id="2" name="Título 1"/>
+          <p:cNvPr id="2" name="Title 1"/>
           <p:cNvSpPr>
             <a:spLocks noGrp="1"/>
           </p:cNvSpPr>
@@ -156,12 +168,14 @@
         </p:nvSpPr>
         <p:spPr>
           <a:xfrm>
-            <a:off x="1524000" y="1122363"/>
+            <a:off x="1524000" y="1124530"/>
             <a:ext cx="9144000" cy="2387600"/>
           </a:xfrm>
         </p:spPr>
         <p:txBody>
-          <a:bodyPr anchor="b"/>
+          <a:bodyPr anchor="b">
+            <a:normAutofit/>
+          </a:bodyPr>
           <a:lstStyle>
             <a:lvl1pPr algn="ctr">
               <a:defRPr sz="6000"/>
@@ -169,15 +183,16 @@
           </a:lstStyle>
           <a:p>
             <a:r>
-              <a:rPr lang="pt-BR"/>
+              <a:rPr lang="pt-BR" smtClean="0"/>
               <a:t>Clique para editar o título mestre</a:t>
             </a:r>
-          </a:p>
-        </p:txBody>
-      </p:sp>
-      <p:sp>
-        <p:nvSpPr>
-          <p:cNvPr id="3" name="Subtítulo 2"/>
+            <a:endParaRPr lang="en-US" dirty="0"/>
+          </a:p>
+        </p:txBody>
+      </p:sp>
+      <p:sp>
+        <p:nvSpPr>
+          <p:cNvPr id="3" name="Subtitle 2"/>
           <p:cNvSpPr>
             <a:spLocks noGrp="1"/>
           </p:cNvSpPr>
@@ -192,56 +207,66 @@
           </a:xfrm>
         </p:spPr>
         <p:txBody>
-          <a:bodyPr/>
+          <a:bodyPr>
+            <a:normAutofit/>
+          </a:bodyPr>
           <a:lstStyle>
             <a:lvl1pPr marL="0" indent="0" algn="ctr">
               <a:buNone/>
-              <a:defRPr sz="2400"/>
+              <a:defRPr sz="2400">
+                <a:solidFill>
+                  <a:schemeClr val="tx1">
+                    <a:lumMod val="75000"/>
+                    <a:lumOff val="25000"/>
+                  </a:schemeClr>
+                </a:solidFill>
+              </a:defRPr>
             </a:lvl1pPr>
             <a:lvl2pPr marL="457200" indent="0" algn="ctr">
               <a:buNone/>
-              <a:defRPr sz="2000"/>
+              <a:defRPr sz="2800"/>
             </a:lvl2pPr>
             <a:lvl3pPr marL="914400" indent="0" algn="ctr">
               <a:buNone/>
-              <a:defRPr sz="1800"/>
+              <a:defRPr sz="2400"/>
             </a:lvl3pPr>
             <a:lvl4pPr marL="1371600" indent="0" algn="ctr">
               <a:buNone/>
-              <a:defRPr sz="1600"/>
+              <a:defRPr sz="2000"/>
             </a:lvl4pPr>
             <a:lvl5pPr marL="1828800" indent="0" algn="ctr">
               <a:buNone/>
-              <a:defRPr sz="1600"/>
+              <a:defRPr sz="2000"/>
             </a:lvl5pPr>
             <a:lvl6pPr marL="2286000" indent="0" algn="ctr">
               <a:buNone/>
-              <a:defRPr sz="1600"/>
+              <a:defRPr sz="2000"/>
             </a:lvl6pPr>
             <a:lvl7pPr marL="2743200" indent="0" algn="ctr">
               <a:buNone/>
-              <a:defRPr sz="1600"/>
+              <a:defRPr sz="2000"/>
             </a:lvl7pPr>
             <a:lvl8pPr marL="3200400" indent="0" algn="ctr">
               <a:buNone/>
-              <a:defRPr sz="1600"/>
+              <a:defRPr sz="2000"/>
             </a:lvl8pPr>
             <a:lvl9pPr marL="3657600" indent="0" algn="ctr">
               <a:buNone/>
-              <a:defRPr sz="1600"/>
+              <a:defRPr sz="2000"/>
             </a:lvl9pPr>
           </a:lstStyle>
           <a:p>
             <a:r>
-              <a:rPr lang="pt-BR"/>
-              <a:t>Clique para editar o estilo do subtítulo Mestre</a:t>
-            </a:r>
-          </a:p>
-        </p:txBody>
-      </p:sp>
-      <p:sp>
-        <p:nvSpPr>
-          <p:cNvPr id="4" name="Espaço Reservado para Data 3"/>
+              <a:rPr lang="pt-BR" smtClean="0"/>
+              <a:t>Clique para editar o estilo do subtítulo mestre</a:t>
+            </a:r>
+            <a:endParaRPr lang="en-US" dirty="0"/>
+          </a:p>
+        </p:txBody>
+      </p:sp>
+      <p:sp>
+        <p:nvSpPr>
+          <p:cNvPr id="4" name="Date Placeholder 3"/>
           <p:cNvSpPr>
             <a:spLocks noGrp="1"/>
           </p:cNvSpPr>
@@ -256,7 +281,8 @@
           <a:p>
             <a:fld id="{1AAF2263-F9CA-460F-9828-4E79DFE3F165}" type="datetimeFigureOut">
               <a:rPr lang="pt-BR" smtClean="0"/>
-              <a:t>08/03/2017</a:t>
+              <a:pPr/>
+              <a:t>08/07/2019</a:t>
             </a:fld>
             <a:endParaRPr lang="pt-BR"/>
           </a:p>
@@ -264,7 +290,7 @@
       </p:sp>
       <p:sp>
         <p:nvSpPr>
-          <p:cNvPr id="5" name="Espaço Reservado para Rodapé 4"/>
+          <p:cNvPr id="5" name="Footer Placeholder 4"/>
           <p:cNvSpPr>
             <a:spLocks noGrp="1"/>
           </p:cNvSpPr>
@@ -283,7 +309,7 @@
       </p:sp>
       <p:sp>
         <p:nvSpPr>
-          <p:cNvPr id="6" name="Espaço Reservado para Número de Slide 5"/>
+          <p:cNvPr id="6" name="Slide Number Placeholder 5"/>
           <p:cNvSpPr>
             <a:spLocks noGrp="1"/>
           </p:cNvSpPr>
@@ -298,6 +324,7 @@
           <a:p>
             <a:fld id="{FAD15547-99B3-4101-AECC-00E7F2964613}" type="slidenum">
               <a:rPr lang="pt-BR" smtClean="0"/>
+              <a:pPr/>
               <a:t>‹nº›</a:t>
             </a:fld>
             <a:endParaRPr lang="pt-BR"/>
@@ -307,7 +334,7 @@
     </p:spTree>
     <p:extLst>
       <p:ext uri="{BB962C8B-B14F-4D97-AF65-F5344CB8AC3E}">
-        <p14:creationId xmlns:p14="http://schemas.microsoft.com/office/powerpoint/2010/main" val="1122681875"/>
+        <p14:creationId xmlns:p14="http://schemas.microsoft.com/office/powerpoint/2010/main" val="524060669"/>
       </p:ext>
     </p:extLst>
   </p:cSld>
@@ -319,7 +346,7 @@
 
 <file path=ppt/slideLayouts/slideLayout10.xml><?xml version="1.0" encoding="utf-8"?>
 <p:sldLayout xmlns:a="http://schemas.openxmlformats.org/drawingml/2006/main" xmlns:r="http://schemas.openxmlformats.org/officeDocument/2006/relationships" xmlns:p="http://schemas.openxmlformats.org/presentationml/2006/main" type="vertTx" preserve="1">
-  <p:cSld name="Título e Texto Vertical">
+  <p:cSld name="Título e texto vertical">
     <p:spTree>
       <p:nvGrpSpPr>
         <p:cNvPr id="1" name=""/>
@@ -336,7 +363,7 @@
       </p:grpSpPr>
       <p:sp>
         <p:nvSpPr>
-          <p:cNvPr id="2" name="Título 1"/>
+          <p:cNvPr id="2" name="Title 1"/>
           <p:cNvSpPr>
             <a:spLocks noGrp="1"/>
           </p:cNvSpPr>
@@ -350,15 +377,16 @@
           <a:lstStyle/>
           <a:p>
             <a:r>
-              <a:rPr lang="pt-BR"/>
+              <a:rPr lang="pt-BR" smtClean="0"/>
               <a:t>Clique para editar o título mestre</a:t>
             </a:r>
-          </a:p>
-        </p:txBody>
-      </p:sp>
-      <p:sp>
-        <p:nvSpPr>
-          <p:cNvPr id="3" name="Espaço Reservado para Texto Vertical 2"/>
+            <a:endParaRPr lang="en-US"/>
+          </a:p>
+        </p:txBody>
+      </p:sp>
+      <p:sp>
+        <p:nvSpPr>
+          <p:cNvPr id="3" name="Vertical Text Placeholder 2"/>
           <p:cNvSpPr>
             <a:spLocks noGrp="1"/>
           </p:cNvSpPr>
@@ -373,43 +401,44 @@
           <a:p>
             <a:pPr lvl="0"/>
             <a:r>
-              <a:rPr lang="pt-BR"/>
-              <a:t>Editar estilos de texto Mestre</a:t>
+              <a:rPr lang="pt-BR" smtClean="0"/>
+              <a:t>Clique para editar o texto mestre</a:t>
             </a:r>
           </a:p>
           <a:p>
             <a:pPr lvl="1"/>
             <a:r>
-              <a:rPr lang="pt-BR"/>
+              <a:rPr lang="pt-BR" smtClean="0"/>
               <a:t>Segundo nível</a:t>
             </a:r>
           </a:p>
           <a:p>
             <a:pPr lvl="2"/>
             <a:r>
-              <a:rPr lang="pt-BR"/>
+              <a:rPr lang="pt-BR" smtClean="0"/>
               <a:t>Terceiro nível</a:t>
             </a:r>
           </a:p>
           <a:p>
             <a:pPr lvl="3"/>
             <a:r>
-              <a:rPr lang="pt-BR"/>
+              <a:rPr lang="pt-BR" smtClean="0"/>
               <a:t>Quarto nível</a:t>
             </a:r>
           </a:p>
           <a:p>
             <a:pPr lvl="4"/>
             <a:r>
-              <a:rPr lang="pt-BR"/>
+              <a:rPr lang="pt-BR" smtClean="0"/>
               <a:t>Quinto nível</a:t>
             </a:r>
-          </a:p>
-        </p:txBody>
-      </p:sp>
-      <p:sp>
-        <p:nvSpPr>
-          <p:cNvPr id="4" name="Espaço Reservado para Data 3"/>
+            <a:endParaRPr lang="en-US" dirty="0"/>
+          </a:p>
+        </p:txBody>
+      </p:sp>
+      <p:sp>
+        <p:nvSpPr>
+          <p:cNvPr id="4" name="Date Placeholder 3"/>
           <p:cNvSpPr>
             <a:spLocks noGrp="1"/>
           </p:cNvSpPr>
@@ -424,7 +453,8 @@
           <a:p>
             <a:fld id="{1AAF2263-F9CA-460F-9828-4E79DFE3F165}" type="datetimeFigureOut">
               <a:rPr lang="pt-BR" smtClean="0"/>
-              <a:t>08/03/2017</a:t>
+              <a:pPr/>
+              <a:t>08/07/2019</a:t>
             </a:fld>
             <a:endParaRPr lang="pt-BR"/>
           </a:p>
@@ -432,7 +462,7 @@
       </p:sp>
       <p:sp>
         <p:nvSpPr>
-          <p:cNvPr id="5" name="Espaço Reservado para Rodapé 4"/>
+          <p:cNvPr id="5" name="Footer Placeholder 4"/>
           <p:cNvSpPr>
             <a:spLocks noGrp="1"/>
           </p:cNvSpPr>
@@ -451,7 +481,7 @@
       </p:sp>
       <p:sp>
         <p:nvSpPr>
-          <p:cNvPr id="6" name="Espaço Reservado para Número de Slide 5"/>
+          <p:cNvPr id="6" name="Slide Number Placeholder 5"/>
           <p:cNvSpPr>
             <a:spLocks noGrp="1"/>
           </p:cNvSpPr>
@@ -466,6 +496,7 @@
           <a:p>
             <a:fld id="{FAD15547-99B3-4101-AECC-00E7F2964613}" type="slidenum">
               <a:rPr lang="pt-BR" smtClean="0"/>
+              <a:pPr/>
               <a:t>‹nº›</a:t>
             </a:fld>
             <a:endParaRPr lang="pt-BR"/>
@@ -475,7 +506,7 @@
     </p:spTree>
     <p:extLst>
       <p:ext uri="{BB962C8B-B14F-4D97-AF65-F5344CB8AC3E}">
-        <p14:creationId xmlns:p14="http://schemas.microsoft.com/office/powerpoint/2010/main" val="186722114"/>
+        <p14:creationId xmlns:p14="http://schemas.microsoft.com/office/powerpoint/2010/main" val="3653206965"/>
       </p:ext>
     </p:extLst>
   </p:cSld>
@@ -487,7 +518,7 @@
 
 <file path=ppt/slideLayouts/slideLayout11.xml><?xml version="1.0" encoding="utf-8"?>
 <p:sldLayout xmlns:a="http://schemas.openxmlformats.org/drawingml/2006/main" xmlns:r="http://schemas.openxmlformats.org/officeDocument/2006/relationships" xmlns:p="http://schemas.openxmlformats.org/presentationml/2006/main" type="vertTitleAndTx" preserve="1">
-  <p:cSld name="Texto e Título Vertical">
+  <p:cSld name="Título e texto verticais">
     <p:spTree>
       <p:nvGrpSpPr>
         <p:cNvPr id="1" name=""/>
@@ -504,7 +535,7 @@
       </p:grpSpPr>
       <p:sp>
         <p:nvSpPr>
-          <p:cNvPr id="2" name="Título Vertical 1"/>
+          <p:cNvPr id="2" name="Vertical Title 1"/>
           <p:cNvSpPr>
             <a:spLocks noGrp="1"/>
           </p:cNvSpPr>
@@ -514,7 +545,7 @@
         </p:nvSpPr>
         <p:spPr>
           <a:xfrm>
-            <a:off x="8724900" y="365125"/>
+            <a:off x="8724900" y="360362"/>
             <a:ext cx="2628900" cy="5811838"/>
           </a:xfrm>
         </p:spPr>
@@ -523,15 +554,16 @@
           <a:lstStyle/>
           <a:p>
             <a:r>
-              <a:rPr lang="pt-BR"/>
+              <a:rPr lang="pt-BR" smtClean="0"/>
               <a:t>Clique para editar o título mestre</a:t>
             </a:r>
-          </a:p>
-        </p:txBody>
-      </p:sp>
-      <p:sp>
-        <p:nvSpPr>
-          <p:cNvPr id="3" name="Espaço Reservado para Texto Vertical 2"/>
+            <a:endParaRPr lang="en-US"/>
+          </a:p>
+        </p:txBody>
+      </p:sp>
+      <p:sp>
+        <p:nvSpPr>
+          <p:cNvPr id="3" name="Vertical Text Placeholder 2"/>
           <p:cNvSpPr>
             <a:spLocks noGrp="1"/>
           </p:cNvSpPr>
@@ -541,8 +573,8 @@
         </p:nvSpPr>
         <p:spPr>
           <a:xfrm>
-            <a:off x="838200" y="365125"/>
-            <a:ext cx="7734300" cy="5811838"/>
+            <a:off x="838200" y="360362"/>
+            <a:ext cx="7734300" cy="5811837"/>
           </a:xfrm>
         </p:spPr>
         <p:txBody>
@@ -551,43 +583,44 @@
           <a:p>
             <a:pPr lvl="0"/>
             <a:r>
-              <a:rPr lang="pt-BR"/>
-              <a:t>Editar estilos de texto Mestre</a:t>
+              <a:rPr lang="pt-BR" smtClean="0"/>
+              <a:t>Clique para editar o texto mestre</a:t>
             </a:r>
           </a:p>
           <a:p>
             <a:pPr lvl="1"/>
             <a:r>
-              <a:rPr lang="pt-BR"/>
+              <a:rPr lang="pt-BR" smtClean="0"/>
               <a:t>Segundo nível</a:t>
             </a:r>
           </a:p>
           <a:p>
             <a:pPr lvl="2"/>
             <a:r>
-              <a:rPr lang="pt-BR"/>
+              <a:rPr lang="pt-BR" smtClean="0"/>
               <a:t>Terceiro nível</a:t>
             </a:r>
           </a:p>
           <a:p>
             <a:pPr lvl="3"/>
             <a:r>
-              <a:rPr lang="pt-BR"/>
+              <a:rPr lang="pt-BR" smtClean="0"/>
               <a:t>Quarto nível</a:t>
             </a:r>
           </a:p>
           <a:p>
             <a:pPr lvl="4"/>
             <a:r>
-              <a:rPr lang="pt-BR"/>
+              <a:rPr lang="pt-BR" smtClean="0"/>
               <a:t>Quinto nível</a:t>
             </a:r>
-          </a:p>
-        </p:txBody>
-      </p:sp>
-      <p:sp>
-        <p:nvSpPr>
-          <p:cNvPr id="4" name="Espaço Reservado para Data 3"/>
+            <a:endParaRPr lang="en-US"/>
+          </a:p>
+        </p:txBody>
+      </p:sp>
+      <p:sp>
+        <p:nvSpPr>
+          <p:cNvPr id="4" name="Date Placeholder 3"/>
           <p:cNvSpPr>
             <a:spLocks noGrp="1"/>
           </p:cNvSpPr>
@@ -602,7 +635,8 @@
           <a:p>
             <a:fld id="{1AAF2263-F9CA-460F-9828-4E79DFE3F165}" type="datetimeFigureOut">
               <a:rPr lang="pt-BR" smtClean="0"/>
-              <a:t>08/03/2017</a:t>
+              <a:pPr/>
+              <a:t>08/07/2019</a:t>
             </a:fld>
             <a:endParaRPr lang="pt-BR"/>
           </a:p>
@@ -610,7 +644,7 @@
       </p:sp>
       <p:sp>
         <p:nvSpPr>
-          <p:cNvPr id="5" name="Espaço Reservado para Rodapé 4"/>
+          <p:cNvPr id="5" name="Footer Placeholder 4"/>
           <p:cNvSpPr>
             <a:spLocks noGrp="1"/>
           </p:cNvSpPr>
@@ -629,7 +663,7 @@
       </p:sp>
       <p:sp>
         <p:nvSpPr>
-          <p:cNvPr id="6" name="Espaço Reservado para Número de Slide 5"/>
+          <p:cNvPr id="6" name="Slide Number Placeholder 5"/>
           <p:cNvSpPr>
             <a:spLocks noGrp="1"/>
           </p:cNvSpPr>
@@ -644,6 +678,7 @@
           <a:p>
             <a:fld id="{FAD15547-99B3-4101-AECC-00E7F2964613}" type="slidenum">
               <a:rPr lang="pt-BR" smtClean="0"/>
+              <a:pPr/>
               <a:t>‹nº›</a:t>
             </a:fld>
             <a:endParaRPr lang="pt-BR"/>
@@ -653,7 +688,7 @@
     </p:spTree>
     <p:extLst>
       <p:ext uri="{BB962C8B-B14F-4D97-AF65-F5344CB8AC3E}">
-        <p14:creationId xmlns:p14="http://schemas.microsoft.com/office/powerpoint/2010/main" val="4001638009"/>
+        <p14:creationId xmlns:p14="http://schemas.microsoft.com/office/powerpoint/2010/main" val="530630098"/>
       </p:ext>
     </p:extLst>
   </p:cSld>
@@ -663,9 +698,9 @@
 </p:sldLayout>
 </file>
 
-<file path=ppt/slideLayouts/slideLayout2.xml><?xml version="1.0" encoding="utf-8"?>
-<p:sldLayout xmlns:a="http://schemas.openxmlformats.org/drawingml/2006/main" xmlns:r="http://schemas.openxmlformats.org/officeDocument/2006/relationships" xmlns:p="http://schemas.openxmlformats.org/presentationml/2006/main" type="obj" preserve="1">
-  <p:cSld name="Título e Conteúdo">
+<file path=ppt/slideLayouts/slideLayout12.xml><?xml version="1.0" encoding="utf-8"?>
+<p:sldLayout xmlns:a="http://schemas.openxmlformats.org/drawingml/2006/main" xmlns:r="http://schemas.openxmlformats.org/officeDocument/2006/relationships" xmlns:p="http://schemas.openxmlformats.org/presentationml/2006/main" showMasterSp="0" type="title" preserve="1">
+  <p:cSld name="Slide de título">
     <p:spTree>
       <p:nvGrpSpPr>
         <p:cNvPr id="1" name=""/>
@@ -682,12 +717,204 @@
       </p:grpSpPr>
       <p:sp>
         <p:nvSpPr>
-          <p:cNvPr id="2" name="Título 1"/>
-          <p:cNvSpPr>
-            <a:spLocks noGrp="1"/>
-          </p:cNvSpPr>
-          <p:nvPr>
-            <p:ph type="title"/>
+          <p:cNvPr id="7" name="Rectangle 6"/>
+          <p:cNvSpPr/>
+          <p:nvPr/>
+        </p:nvSpPr>
+        <p:spPr>
+          <a:xfrm>
+            <a:off x="3175" y="6400800"/>
+            <a:ext cx="12188825" cy="457200"/>
+          </a:xfrm>
+          <a:prstGeom prst="rect">
+            <a:avLst/>
+          </a:prstGeom>
+          <a:solidFill>
+            <a:schemeClr val="accent2"/>
+          </a:solidFill>
+          <a:ln>
+            <a:noFill/>
+          </a:ln>
+        </p:spPr>
+        <p:style>
+          <a:lnRef idx="2">
+            <a:schemeClr val="accent1">
+              <a:shade val="50000"/>
+            </a:schemeClr>
+          </a:lnRef>
+          <a:fillRef idx="1">
+            <a:schemeClr val="accent1"/>
+          </a:fillRef>
+          <a:effectRef idx="0">
+            <a:schemeClr val="accent1"/>
+          </a:effectRef>
+          <a:fontRef idx="minor">
+            <a:schemeClr val="lt1"/>
+          </a:fontRef>
+        </p:style>
+      </p:sp>
+      <p:sp>
+        <p:nvSpPr>
+          <p:cNvPr id="8" name="Rectangle 7"/>
+          <p:cNvSpPr/>
+          <p:nvPr/>
+        </p:nvSpPr>
+        <p:spPr>
+          <a:xfrm>
+            <a:off x="15" y="6334316"/>
+            <a:ext cx="12188825" cy="64008"/>
+          </a:xfrm>
+          <a:prstGeom prst="rect">
+            <a:avLst/>
+          </a:prstGeom>
+          <a:solidFill>
+            <a:schemeClr val="accent1"/>
+          </a:solidFill>
+          <a:ln>
+            <a:noFill/>
+          </a:ln>
+        </p:spPr>
+        <p:style>
+          <a:lnRef idx="2">
+            <a:schemeClr val="accent1">
+              <a:shade val="50000"/>
+            </a:schemeClr>
+          </a:lnRef>
+          <a:fillRef idx="1">
+            <a:schemeClr val="accent1"/>
+          </a:fillRef>
+          <a:effectRef idx="0">
+            <a:schemeClr val="accent1"/>
+          </a:effectRef>
+          <a:fontRef idx="minor">
+            <a:schemeClr val="lt1"/>
+          </a:fontRef>
+        </p:style>
+      </p:sp>
+      <p:sp>
+        <p:nvSpPr>
+          <p:cNvPr id="2" name="Title 1"/>
+          <p:cNvSpPr>
+            <a:spLocks noGrp="1"/>
+          </p:cNvSpPr>
+          <p:nvPr>
+            <p:ph type="ctrTitle"/>
+          </p:nvPr>
+        </p:nvSpPr>
+        <p:spPr>
+          <a:xfrm>
+            <a:off x="1097280" y="758952"/>
+            <a:ext cx="10058400" cy="3566160"/>
+          </a:xfrm>
+        </p:spPr>
+        <p:txBody>
+          <a:bodyPr anchor="b">
+            <a:normAutofit/>
+          </a:bodyPr>
+          <a:lstStyle>
+            <a:lvl1pPr algn="l">
+              <a:lnSpc>
+                <a:spcPct val="85000"/>
+              </a:lnSpc>
+              <a:defRPr sz="8000" spc="-50" baseline="0">
+                <a:solidFill>
+                  <a:schemeClr val="tx1">
+                    <a:lumMod val="85000"/>
+                    <a:lumOff val="15000"/>
+                  </a:schemeClr>
+                </a:solidFill>
+              </a:defRPr>
+            </a:lvl1pPr>
+          </a:lstStyle>
+          <a:p>
+            <a:r>
+              <a:rPr lang="pt-BR" smtClean="0"/>
+              <a:t>Clique para editar o título mestre</a:t>
+            </a:r>
+            <a:endParaRPr lang="en-US" dirty="0"/>
+          </a:p>
+        </p:txBody>
+      </p:sp>
+      <p:sp>
+        <p:nvSpPr>
+          <p:cNvPr id="3" name="Subtitle 2"/>
+          <p:cNvSpPr>
+            <a:spLocks noGrp="1"/>
+          </p:cNvSpPr>
+          <p:nvPr>
+            <p:ph type="subTitle" idx="1"/>
+          </p:nvPr>
+        </p:nvSpPr>
+        <p:spPr>
+          <a:xfrm>
+            <a:off x="1100051" y="4455620"/>
+            <a:ext cx="10058400" cy="1143000"/>
+          </a:xfrm>
+        </p:spPr>
+        <p:txBody>
+          <a:bodyPr lIns="91440" rIns="91440">
+            <a:normAutofit/>
+          </a:bodyPr>
+          <a:lstStyle>
+            <a:lvl1pPr marL="0" indent="0" algn="l">
+              <a:buNone/>
+              <a:defRPr sz="2400" cap="all" spc="200" baseline="0">
+                <a:solidFill>
+                  <a:schemeClr val="tx2"/>
+                </a:solidFill>
+                <a:latin typeface="+mj-lt"/>
+              </a:defRPr>
+            </a:lvl1pPr>
+            <a:lvl2pPr marL="457200" indent="0" algn="ctr">
+              <a:buNone/>
+              <a:defRPr sz="2400"/>
+            </a:lvl2pPr>
+            <a:lvl3pPr marL="914400" indent="0" algn="ctr">
+              <a:buNone/>
+              <a:defRPr sz="2400"/>
+            </a:lvl3pPr>
+            <a:lvl4pPr marL="1371600" indent="0" algn="ctr">
+              <a:buNone/>
+              <a:defRPr sz="2000"/>
+            </a:lvl4pPr>
+            <a:lvl5pPr marL="1828800" indent="0" algn="ctr">
+              <a:buNone/>
+              <a:defRPr sz="2000"/>
+            </a:lvl5pPr>
+            <a:lvl6pPr marL="2286000" indent="0" algn="ctr">
+              <a:buNone/>
+              <a:defRPr sz="2000"/>
+            </a:lvl6pPr>
+            <a:lvl7pPr marL="2743200" indent="0" algn="ctr">
+              <a:buNone/>
+              <a:defRPr sz="2000"/>
+            </a:lvl7pPr>
+            <a:lvl8pPr marL="3200400" indent="0" algn="ctr">
+              <a:buNone/>
+              <a:defRPr sz="2000"/>
+            </a:lvl8pPr>
+            <a:lvl9pPr marL="3657600" indent="0" algn="ctr">
+              <a:buNone/>
+              <a:defRPr sz="2000"/>
+            </a:lvl9pPr>
+          </a:lstStyle>
+          <a:p>
+            <a:r>
+              <a:rPr lang="pt-BR" smtClean="0"/>
+              <a:t>Clique para editar o estilo do subtítulo mestre</a:t>
+            </a:r>
+            <a:endParaRPr lang="en-US" dirty="0"/>
+          </a:p>
+        </p:txBody>
+      </p:sp>
+      <p:sp>
+        <p:nvSpPr>
+          <p:cNvPr id="4" name="Date Placeholder 3"/>
+          <p:cNvSpPr>
+            <a:spLocks noGrp="1"/>
+          </p:cNvSpPr>
+          <p:nvPr>
+            <p:ph type="dt" sz="half" idx="10"/>
           </p:nvPr>
         </p:nvSpPr>
         <p:spPr/>
@@ -695,82 +922,10 @@
           <a:bodyPr/>
           <a:lstStyle/>
           <a:p>
-            <a:r>
-              <a:rPr lang="pt-BR"/>
-              <a:t>Clique para editar o título mestre</a:t>
-            </a:r>
-          </a:p>
-        </p:txBody>
-      </p:sp>
-      <p:sp>
-        <p:nvSpPr>
-          <p:cNvPr id="3" name="Espaço Reservado para Conteúdo 2"/>
-          <p:cNvSpPr>
-            <a:spLocks noGrp="1"/>
-          </p:cNvSpPr>
-          <p:nvPr>
-            <p:ph idx="1"/>
-          </p:nvPr>
-        </p:nvSpPr>
-        <p:spPr/>
-        <p:txBody>
-          <a:bodyPr/>
-          <a:lstStyle/>
-          <a:p>
-            <a:pPr lvl="0"/>
-            <a:r>
-              <a:rPr lang="pt-BR"/>
-              <a:t>Editar estilos de texto Mestre</a:t>
-            </a:r>
-          </a:p>
-          <a:p>
-            <a:pPr lvl="1"/>
-            <a:r>
-              <a:rPr lang="pt-BR"/>
-              <a:t>Segundo nível</a:t>
-            </a:r>
-          </a:p>
-          <a:p>
-            <a:pPr lvl="2"/>
-            <a:r>
-              <a:rPr lang="pt-BR"/>
-              <a:t>Terceiro nível</a:t>
-            </a:r>
-          </a:p>
-          <a:p>
-            <a:pPr lvl="3"/>
-            <a:r>
-              <a:rPr lang="pt-BR"/>
-              <a:t>Quarto nível</a:t>
-            </a:r>
-          </a:p>
-          <a:p>
-            <a:pPr lvl="4"/>
-            <a:r>
-              <a:rPr lang="pt-BR"/>
-              <a:t>Quinto nível</a:t>
-            </a:r>
-          </a:p>
-        </p:txBody>
-      </p:sp>
-      <p:sp>
-        <p:nvSpPr>
-          <p:cNvPr id="4" name="Espaço Reservado para Data 3"/>
-          <p:cNvSpPr>
-            <a:spLocks noGrp="1"/>
-          </p:cNvSpPr>
-          <p:nvPr>
-            <p:ph type="dt" sz="half" idx="10"/>
-          </p:nvPr>
-        </p:nvSpPr>
-        <p:spPr/>
-        <p:txBody>
-          <a:bodyPr/>
-          <a:lstStyle/>
-          <a:p>
             <a:fld id="{1AAF2263-F9CA-460F-9828-4E79DFE3F165}" type="datetimeFigureOut">
               <a:rPr lang="pt-BR" smtClean="0"/>
-              <a:t>08/03/2017</a:t>
+              <a:pPr/>
+              <a:t>08/07/2019</a:t>
             </a:fld>
             <a:endParaRPr lang="pt-BR"/>
           </a:p>
@@ -778,7 +933,7 @@
       </p:sp>
       <p:sp>
         <p:nvSpPr>
-          <p:cNvPr id="5" name="Espaço Reservado para Rodapé 4"/>
+          <p:cNvPr id="5" name="Footer Placeholder 4"/>
           <p:cNvSpPr>
             <a:spLocks noGrp="1"/>
           </p:cNvSpPr>
@@ -797,7 +952,7 @@
       </p:sp>
       <p:sp>
         <p:nvSpPr>
-          <p:cNvPr id="6" name="Espaço Reservado para Número de Slide 5"/>
+          <p:cNvPr id="6" name="Slide Number Placeholder 5"/>
           <p:cNvSpPr>
             <a:spLocks noGrp="1"/>
           </p:cNvSpPr>
@@ -812,16 +967,2869 @@
           <a:p>
             <a:fld id="{FAD15547-99B3-4101-AECC-00E7F2964613}" type="slidenum">
               <a:rPr lang="pt-BR" smtClean="0"/>
+              <a:pPr/>
               <a:t>‹nº›</a:t>
             </a:fld>
             <a:endParaRPr lang="pt-BR"/>
           </a:p>
         </p:txBody>
       </p:sp>
+      <p:cxnSp>
+        <p:nvCxnSpPr>
+          <p:cNvPr id="9" name="Straight Connector 8"/>
+          <p:cNvCxnSpPr/>
+          <p:nvPr/>
+        </p:nvCxnSpPr>
+        <p:spPr>
+          <a:xfrm>
+            <a:off x="1207658" y="4343400"/>
+            <a:ext cx="9875520" cy="0"/>
+          </a:xfrm>
+          <a:prstGeom prst="line">
+            <a:avLst/>
+          </a:prstGeom>
+          <a:ln w="6350">
+            <a:solidFill>
+              <a:schemeClr val="tx1">
+                <a:lumMod val="50000"/>
+                <a:lumOff val="50000"/>
+              </a:schemeClr>
+            </a:solidFill>
+          </a:ln>
+        </p:spPr>
+        <p:style>
+          <a:lnRef idx="1">
+            <a:schemeClr val="accent1"/>
+          </a:lnRef>
+          <a:fillRef idx="0">
+            <a:schemeClr val="accent1"/>
+          </a:fillRef>
+          <a:effectRef idx="0">
+            <a:schemeClr val="accent1"/>
+          </a:effectRef>
+          <a:fontRef idx="minor">
+            <a:schemeClr val="tx1"/>
+          </a:fontRef>
+        </p:style>
+      </p:cxnSp>
     </p:spTree>
     <p:extLst>
       <p:ext uri="{BB962C8B-B14F-4D97-AF65-F5344CB8AC3E}">
-        <p14:creationId xmlns:p14="http://schemas.microsoft.com/office/powerpoint/2010/main" val="3467137080"/>
+        <p14:creationId xmlns:p14="http://schemas.microsoft.com/office/powerpoint/2010/main" val="3786175381"/>
+      </p:ext>
+    </p:extLst>
+  </p:cSld>
+  <p:clrMapOvr>
+    <a:masterClrMapping/>
+  </p:clrMapOvr>
+</p:sldLayout>
+</file>
+
+<file path=ppt/slideLayouts/slideLayout13.xml><?xml version="1.0" encoding="utf-8"?>
+<p:sldLayout xmlns:a="http://schemas.openxmlformats.org/drawingml/2006/main" xmlns:r="http://schemas.openxmlformats.org/officeDocument/2006/relationships" xmlns:p="http://schemas.openxmlformats.org/presentationml/2006/main" type="obj" preserve="1">
+  <p:cSld name="Título e conteúdo">
+    <p:spTree>
+      <p:nvGrpSpPr>
+        <p:cNvPr id="1" name=""/>
+        <p:cNvGrpSpPr/>
+        <p:nvPr/>
+      </p:nvGrpSpPr>
+      <p:grpSpPr>
+        <a:xfrm>
+          <a:off x="0" y="0"/>
+          <a:ext cx="0" cy="0"/>
+          <a:chOff x="0" y="0"/>
+          <a:chExt cx="0" cy="0"/>
+        </a:xfrm>
+      </p:grpSpPr>
+      <p:sp>
+        <p:nvSpPr>
+          <p:cNvPr id="2" name="Title 1"/>
+          <p:cNvSpPr>
+            <a:spLocks noGrp="1"/>
+          </p:cNvSpPr>
+          <p:nvPr>
+            <p:ph type="title"/>
+          </p:nvPr>
+        </p:nvSpPr>
+        <p:spPr/>
+        <p:txBody>
+          <a:bodyPr/>
+          <a:lstStyle>
+            <a:lvl1pPr marL="0">
+              <a:defRPr/>
+            </a:lvl1pPr>
+          </a:lstStyle>
+          <a:p>
+            <a:r>
+              <a:rPr lang="pt-BR" smtClean="0"/>
+              <a:t>Clique para editar o título mestre</a:t>
+            </a:r>
+            <a:endParaRPr lang="en-US" dirty="0"/>
+          </a:p>
+        </p:txBody>
+      </p:sp>
+      <p:sp>
+        <p:nvSpPr>
+          <p:cNvPr id="3" name="Content Placeholder 2"/>
+          <p:cNvSpPr>
+            <a:spLocks noGrp="1"/>
+          </p:cNvSpPr>
+          <p:nvPr>
+            <p:ph idx="1"/>
+          </p:nvPr>
+        </p:nvSpPr>
+        <p:spPr/>
+        <p:txBody>
+          <a:bodyPr/>
+          <a:lstStyle/>
+          <a:p>
+            <a:pPr lvl="0"/>
+            <a:r>
+              <a:rPr lang="pt-BR" smtClean="0"/>
+              <a:t>Clique para editar o texto mestre</a:t>
+            </a:r>
+          </a:p>
+          <a:p>
+            <a:pPr lvl="1"/>
+            <a:r>
+              <a:rPr lang="pt-BR" smtClean="0"/>
+              <a:t>Segundo nível</a:t>
+            </a:r>
+          </a:p>
+          <a:p>
+            <a:pPr lvl="2"/>
+            <a:r>
+              <a:rPr lang="pt-BR" smtClean="0"/>
+              <a:t>Terceiro nível</a:t>
+            </a:r>
+          </a:p>
+          <a:p>
+            <a:pPr lvl="3"/>
+            <a:r>
+              <a:rPr lang="pt-BR" smtClean="0"/>
+              <a:t>Quarto nível</a:t>
+            </a:r>
+          </a:p>
+          <a:p>
+            <a:pPr lvl="4"/>
+            <a:r>
+              <a:rPr lang="pt-BR" smtClean="0"/>
+              <a:t>Quinto nível</a:t>
+            </a:r>
+            <a:endParaRPr lang="en-US" dirty="0"/>
+          </a:p>
+        </p:txBody>
+      </p:sp>
+      <p:sp>
+        <p:nvSpPr>
+          <p:cNvPr id="4" name="Date Placeholder 3"/>
+          <p:cNvSpPr>
+            <a:spLocks noGrp="1"/>
+          </p:cNvSpPr>
+          <p:nvPr>
+            <p:ph type="dt" sz="half" idx="10"/>
+          </p:nvPr>
+        </p:nvSpPr>
+        <p:spPr/>
+        <p:txBody>
+          <a:bodyPr/>
+          <a:lstStyle/>
+          <a:p>
+            <a:fld id="{1AAF2263-F9CA-460F-9828-4E79DFE3F165}" type="datetimeFigureOut">
+              <a:rPr lang="pt-BR" smtClean="0"/>
+              <a:pPr/>
+              <a:t>08/07/2019</a:t>
+            </a:fld>
+            <a:endParaRPr lang="pt-BR"/>
+          </a:p>
+        </p:txBody>
+      </p:sp>
+      <p:sp>
+        <p:nvSpPr>
+          <p:cNvPr id="5" name="Footer Placeholder 4"/>
+          <p:cNvSpPr>
+            <a:spLocks noGrp="1"/>
+          </p:cNvSpPr>
+          <p:nvPr>
+            <p:ph type="ftr" sz="quarter" idx="11"/>
+          </p:nvPr>
+        </p:nvSpPr>
+        <p:spPr/>
+        <p:txBody>
+          <a:bodyPr/>
+          <a:lstStyle/>
+          <a:p>
+            <a:endParaRPr lang="pt-BR"/>
+          </a:p>
+        </p:txBody>
+      </p:sp>
+      <p:sp>
+        <p:nvSpPr>
+          <p:cNvPr id="6" name="Slide Number Placeholder 5"/>
+          <p:cNvSpPr>
+            <a:spLocks noGrp="1"/>
+          </p:cNvSpPr>
+          <p:nvPr>
+            <p:ph type="sldNum" sz="quarter" idx="12"/>
+          </p:nvPr>
+        </p:nvSpPr>
+        <p:spPr/>
+        <p:txBody>
+          <a:bodyPr/>
+          <a:lstStyle/>
+          <a:p>
+            <a:fld id="{FAD15547-99B3-4101-AECC-00E7F2964613}" type="slidenum">
+              <a:rPr lang="pt-BR" smtClean="0"/>
+              <a:pPr/>
+              <a:t>‹nº›</a:t>
+            </a:fld>
+            <a:endParaRPr lang="pt-BR"/>
+          </a:p>
+        </p:txBody>
+      </p:sp>
+    </p:spTree>
+    <p:extLst>
+      <p:ext uri="{BB962C8B-B14F-4D97-AF65-F5344CB8AC3E}">
+        <p14:creationId xmlns:p14="http://schemas.microsoft.com/office/powerpoint/2010/main" val="2703360961"/>
+      </p:ext>
+    </p:extLst>
+  </p:cSld>
+  <p:clrMapOvr>
+    <a:masterClrMapping/>
+  </p:clrMapOvr>
+</p:sldLayout>
+</file>
+
+<file path=ppt/slideLayouts/slideLayout14.xml><?xml version="1.0" encoding="utf-8"?>
+<p:sldLayout xmlns:a="http://schemas.openxmlformats.org/drawingml/2006/main" xmlns:r="http://schemas.openxmlformats.org/officeDocument/2006/relationships" xmlns:p="http://schemas.openxmlformats.org/presentationml/2006/main" showMasterSp="0" type="secHead" preserve="1">
+  <p:cSld name="Cabeçalho da Seção">
+    <p:bg>
+      <p:bgPr>
+        <a:solidFill>
+          <a:schemeClr val="bg1"/>
+        </a:solidFill>
+        <a:effectLst/>
+      </p:bgPr>
+    </p:bg>
+    <p:spTree>
+      <p:nvGrpSpPr>
+        <p:cNvPr id="1" name=""/>
+        <p:cNvGrpSpPr/>
+        <p:nvPr/>
+      </p:nvGrpSpPr>
+      <p:grpSpPr>
+        <a:xfrm>
+          <a:off x="0" y="0"/>
+          <a:ext cx="0" cy="0"/>
+          <a:chOff x="0" y="0"/>
+          <a:chExt cx="0" cy="0"/>
+        </a:xfrm>
+      </p:grpSpPr>
+      <p:sp>
+        <p:nvSpPr>
+          <p:cNvPr id="7" name="Rectangle 6"/>
+          <p:cNvSpPr/>
+          <p:nvPr/>
+        </p:nvSpPr>
+        <p:spPr>
+          <a:xfrm>
+            <a:off x="3175" y="6400800"/>
+            <a:ext cx="12188825" cy="457200"/>
+          </a:xfrm>
+          <a:prstGeom prst="rect">
+            <a:avLst/>
+          </a:prstGeom>
+          <a:solidFill>
+            <a:schemeClr val="accent2"/>
+          </a:solidFill>
+          <a:ln>
+            <a:noFill/>
+          </a:ln>
+        </p:spPr>
+        <p:style>
+          <a:lnRef idx="2">
+            <a:schemeClr val="accent1">
+              <a:shade val="50000"/>
+            </a:schemeClr>
+          </a:lnRef>
+          <a:fillRef idx="1">
+            <a:schemeClr val="accent1"/>
+          </a:fillRef>
+          <a:effectRef idx="0">
+            <a:schemeClr val="accent1"/>
+          </a:effectRef>
+          <a:fontRef idx="minor">
+            <a:schemeClr val="lt1"/>
+          </a:fontRef>
+        </p:style>
+      </p:sp>
+      <p:sp>
+        <p:nvSpPr>
+          <p:cNvPr id="8" name="Rectangle 7"/>
+          <p:cNvSpPr/>
+          <p:nvPr/>
+        </p:nvSpPr>
+        <p:spPr>
+          <a:xfrm>
+            <a:off x="15" y="6334316"/>
+            <a:ext cx="12188825" cy="64008"/>
+          </a:xfrm>
+          <a:prstGeom prst="rect">
+            <a:avLst/>
+          </a:prstGeom>
+          <a:solidFill>
+            <a:schemeClr val="accent1"/>
+          </a:solidFill>
+          <a:ln>
+            <a:noFill/>
+          </a:ln>
+        </p:spPr>
+        <p:style>
+          <a:lnRef idx="2">
+            <a:schemeClr val="accent1">
+              <a:shade val="50000"/>
+            </a:schemeClr>
+          </a:lnRef>
+          <a:fillRef idx="1">
+            <a:schemeClr val="accent1"/>
+          </a:fillRef>
+          <a:effectRef idx="0">
+            <a:schemeClr val="accent1"/>
+          </a:effectRef>
+          <a:fontRef idx="minor">
+            <a:schemeClr val="lt1"/>
+          </a:fontRef>
+        </p:style>
+      </p:sp>
+      <p:sp>
+        <p:nvSpPr>
+          <p:cNvPr id="2" name="Title 1"/>
+          <p:cNvSpPr>
+            <a:spLocks noGrp="1"/>
+          </p:cNvSpPr>
+          <p:nvPr>
+            <p:ph type="title"/>
+          </p:nvPr>
+        </p:nvSpPr>
+        <p:spPr>
+          <a:xfrm>
+            <a:off x="1097280" y="758952"/>
+            <a:ext cx="10058400" cy="3566160"/>
+          </a:xfrm>
+        </p:spPr>
+        <p:txBody>
+          <a:bodyPr anchor="b" anchorCtr="0">
+            <a:normAutofit/>
+          </a:bodyPr>
+          <a:lstStyle>
+            <a:lvl1pPr>
+              <a:lnSpc>
+                <a:spcPct val="85000"/>
+              </a:lnSpc>
+              <a:defRPr sz="8000" b="0">
+                <a:solidFill>
+                  <a:schemeClr val="tx1">
+                    <a:lumMod val="85000"/>
+                    <a:lumOff val="15000"/>
+                  </a:schemeClr>
+                </a:solidFill>
+              </a:defRPr>
+            </a:lvl1pPr>
+          </a:lstStyle>
+          <a:p>
+            <a:r>
+              <a:rPr lang="pt-BR" smtClean="0"/>
+              <a:t>Clique para editar o título mestre</a:t>
+            </a:r>
+            <a:endParaRPr lang="en-US" dirty="0"/>
+          </a:p>
+        </p:txBody>
+      </p:sp>
+      <p:sp>
+        <p:nvSpPr>
+          <p:cNvPr id="3" name="Text Placeholder 2"/>
+          <p:cNvSpPr>
+            <a:spLocks noGrp="1"/>
+          </p:cNvSpPr>
+          <p:nvPr>
+            <p:ph type="body" idx="1"/>
+          </p:nvPr>
+        </p:nvSpPr>
+        <p:spPr>
+          <a:xfrm>
+            <a:off x="1097280" y="4453128"/>
+            <a:ext cx="10058400" cy="1143000"/>
+          </a:xfrm>
+        </p:spPr>
+        <p:txBody>
+          <a:bodyPr lIns="91440" rIns="91440" anchor="t" anchorCtr="0">
+            <a:normAutofit/>
+          </a:bodyPr>
+          <a:lstStyle>
+            <a:lvl1pPr marL="0" indent="0">
+              <a:buNone/>
+              <a:defRPr sz="2400" cap="all" spc="200" baseline="0">
+                <a:solidFill>
+                  <a:schemeClr val="tx2"/>
+                </a:solidFill>
+                <a:latin typeface="+mj-lt"/>
+              </a:defRPr>
+            </a:lvl1pPr>
+            <a:lvl2pPr marL="457200" indent="0">
+              <a:buNone/>
+              <a:defRPr sz="1800">
+                <a:solidFill>
+                  <a:schemeClr val="tx1">
+                    <a:tint val="75000"/>
+                  </a:schemeClr>
+                </a:solidFill>
+              </a:defRPr>
+            </a:lvl2pPr>
+            <a:lvl3pPr marL="914400" indent="0">
+              <a:buNone/>
+              <a:defRPr sz="1600">
+                <a:solidFill>
+                  <a:schemeClr val="tx1">
+                    <a:tint val="75000"/>
+                  </a:schemeClr>
+                </a:solidFill>
+              </a:defRPr>
+            </a:lvl3pPr>
+            <a:lvl4pPr marL="1371600" indent="0">
+              <a:buNone/>
+              <a:defRPr sz="1400">
+                <a:solidFill>
+                  <a:schemeClr val="tx1">
+                    <a:tint val="75000"/>
+                  </a:schemeClr>
+                </a:solidFill>
+              </a:defRPr>
+            </a:lvl4pPr>
+            <a:lvl5pPr marL="1828800" indent="0">
+              <a:buNone/>
+              <a:defRPr sz="1400">
+                <a:solidFill>
+                  <a:schemeClr val="tx1">
+                    <a:tint val="75000"/>
+                  </a:schemeClr>
+                </a:solidFill>
+              </a:defRPr>
+            </a:lvl5pPr>
+            <a:lvl6pPr marL="2286000" indent="0">
+              <a:buNone/>
+              <a:defRPr sz="1400">
+                <a:solidFill>
+                  <a:schemeClr val="tx1">
+                    <a:tint val="75000"/>
+                  </a:schemeClr>
+                </a:solidFill>
+              </a:defRPr>
+            </a:lvl6pPr>
+            <a:lvl7pPr marL="2743200" indent="0">
+              <a:buNone/>
+              <a:defRPr sz="1400">
+                <a:solidFill>
+                  <a:schemeClr val="tx1">
+                    <a:tint val="75000"/>
+                  </a:schemeClr>
+                </a:solidFill>
+              </a:defRPr>
+            </a:lvl7pPr>
+            <a:lvl8pPr marL="3200400" indent="0">
+              <a:buNone/>
+              <a:defRPr sz="1400">
+                <a:solidFill>
+                  <a:schemeClr val="tx1">
+                    <a:tint val="75000"/>
+                  </a:schemeClr>
+                </a:solidFill>
+              </a:defRPr>
+            </a:lvl8pPr>
+            <a:lvl9pPr marL="3657600" indent="0">
+              <a:buNone/>
+              <a:defRPr sz="1400">
+                <a:solidFill>
+                  <a:schemeClr val="tx1">
+                    <a:tint val="75000"/>
+                  </a:schemeClr>
+                </a:solidFill>
+              </a:defRPr>
+            </a:lvl9pPr>
+          </a:lstStyle>
+          <a:p>
+            <a:pPr lvl="0"/>
+            <a:r>
+              <a:rPr lang="pt-BR" smtClean="0"/>
+              <a:t>Clique para editar o texto mestre</a:t>
+            </a:r>
+          </a:p>
+        </p:txBody>
+      </p:sp>
+      <p:sp>
+        <p:nvSpPr>
+          <p:cNvPr id="4" name="Date Placeholder 3"/>
+          <p:cNvSpPr>
+            <a:spLocks noGrp="1"/>
+          </p:cNvSpPr>
+          <p:nvPr>
+            <p:ph type="dt" sz="half" idx="10"/>
+          </p:nvPr>
+        </p:nvSpPr>
+        <p:spPr/>
+        <p:txBody>
+          <a:bodyPr/>
+          <a:lstStyle/>
+          <a:p>
+            <a:fld id="{1AAF2263-F9CA-460F-9828-4E79DFE3F165}" type="datetimeFigureOut">
+              <a:rPr lang="pt-BR" smtClean="0"/>
+              <a:pPr/>
+              <a:t>08/07/2019</a:t>
+            </a:fld>
+            <a:endParaRPr lang="pt-BR"/>
+          </a:p>
+        </p:txBody>
+      </p:sp>
+      <p:sp>
+        <p:nvSpPr>
+          <p:cNvPr id="5" name="Footer Placeholder 4"/>
+          <p:cNvSpPr>
+            <a:spLocks noGrp="1"/>
+          </p:cNvSpPr>
+          <p:nvPr>
+            <p:ph type="ftr" sz="quarter" idx="11"/>
+          </p:nvPr>
+        </p:nvSpPr>
+        <p:spPr/>
+        <p:txBody>
+          <a:bodyPr/>
+          <a:lstStyle/>
+          <a:p>
+            <a:endParaRPr lang="pt-BR"/>
+          </a:p>
+        </p:txBody>
+      </p:sp>
+      <p:sp>
+        <p:nvSpPr>
+          <p:cNvPr id="6" name="Slide Number Placeholder 5"/>
+          <p:cNvSpPr>
+            <a:spLocks noGrp="1"/>
+          </p:cNvSpPr>
+          <p:nvPr>
+            <p:ph type="sldNum" sz="quarter" idx="12"/>
+          </p:nvPr>
+        </p:nvSpPr>
+        <p:spPr/>
+        <p:txBody>
+          <a:bodyPr/>
+          <a:lstStyle/>
+          <a:p>
+            <a:fld id="{FAD15547-99B3-4101-AECC-00E7F2964613}" type="slidenum">
+              <a:rPr lang="pt-BR" smtClean="0"/>
+              <a:pPr/>
+              <a:t>‹nº›</a:t>
+            </a:fld>
+            <a:endParaRPr lang="pt-BR"/>
+          </a:p>
+        </p:txBody>
+      </p:sp>
+      <p:cxnSp>
+        <p:nvCxnSpPr>
+          <p:cNvPr id="9" name="Straight Connector 8"/>
+          <p:cNvCxnSpPr/>
+          <p:nvPr/>
+        </p:nvCxnSpPr>
+        <p:spPr>
+          <a:xfrm>
+            <a:off x="1207658" y="4343400"/>
+            <a:ext cx="9875520" cy="0"/>
+          </a:xfrm>
+          <a:prstGeom prst="line">
+            <a:avLst/>
+          </a:prstGeom>
+          <a:ln w="6350">
+            <a:solidFill>
+              <a:schemeClr val="tx1">
+                <a:lumMod val="50000"/>
+                <a:lumOff val="50000"/>
+              </a:schemeClr>
+            </a:solidFill>
+          </a:ln>
+        </p:spPr>
+        <p:style>
+          <a:lnRef idx="1">
+            <a:schemeClr val="accent1"/>
+          </a:lnRef>
+          <a:fillRef idx="0">
+            <a:schemeClr val="accent1"/>
+          </a:fillRef>
+          <a:effectRef idx="0">
+            <a:schemeClr val="accent1"/>
+          </a:effectRef>
+          <a:fontRef idx="minor">
+            <a:schemeClr val="tx1"/>
+          </a:fontRef>
+        </p:style>
+      </p:cxnSp>
+    </p:spTree>
+    <p:extLst>
+      <p:ext uri="{BB962C8B-B14F-4D97-AF65-F5344CB8AC3E}">
+        <p14:creationId xmlns:p14="http://schemas.microsoft.com/office/powerpoint/2010/main" val="1040761004"/>
+      </p:ext>
+    </p:extLst>
+  </p:cSld>
+  <p:clrMapOvr>
+    <a:masterClrMapping/>
+  </p:clrMapOvr>
+</p:sldLayout>
+</file>
+
+<file path=ppt/slideLayouts/slideLayout15.xml><?xml version="1.0" encoding="utf-8"?>
+<p:sldLayout xmlns:a="http://schemas.openxmlformats.org/drawingml/2006/main" xmlns:r="http://schemas.openxmlformats.org/officeDocument/2006/relationships" xmlns:p="http://schemas.openxmlformats.org/presentationml/2006/main" type="twoObj" preserve="1">
+  <p:cSld name="Duas Partes de Conteúdo">
+    <p:spTree>
+      <p:nvGrpSpPr>
+        <p:cNvPr id="1" name=""/>
+        <p:cNvGrpSpPr/>
+        <p:nvPr/>
+      </p:nvGrpSpPr>
+      <p:grpSpPr>
+        <a:xfrm>
+          <a:off x="0" y="0"/>
+          <a:ext cx="0" cy="0"/>
+          <a:chOff x="0" y="0"/>
+          <a:chExt cx="0" cy="0"/>
+        </a:xfrm>
+      </p:grpSpPr>
+      <p:sp>
+        <p:nvSpPr>
+          <p:cNvPr id="8" name="Title 7"/>
+          <p:cNvSpPr>
+            <a:spLocks noGrp="1"/>
+          </p:cNvSpPr>
+          <p:nvPr>
+            <p:ph type="title"/>
+          </p:nvPr>
+        </p:nvSpPr>
+        <p:spPr>
+          <a:xfrm>
+            <a:off x="1097280" y="286603"/>
+            <a:ext cx="10058400" cy="1450757"/>
+          </a:xfrm>
+        </p:spPr>
+        <p:txBody>
+          <a:bodyPr/>
+          <a:lstStyle/>
+          <a:p>
+            <a:r>
+              <a:rPr lang="pt-BR" smtClean="0"/>
+              <a:t>Clique para editar o título mestre</a:t>
+            </a:r>
+            <a:endParaRPr lang="en-US" dirty="0"/>
+          </a:p>
+        </p:txBody>
+      </p:sp>
+      <p:sp>
+        <p:nvSpPr>
+          <p:cNvPr id="3" name="Content Placeholder 2"/>
+          <p:cNvSpPr>
+            <a:spLocks noGrp="1"/>
+          </p:cNvSpPr>
+          <p:nvPr>
+            <p:ph sz="half" idx="1"/>
+          </p:nvPr>
+        </p:nvSpPr>
+        <p:spPr>
+          <a:xfrm>
+            <a:off x="1097279" y="1845734"/>
+            <a:ext cx="4937760" cy="4023360"/>
+          </a:xfrm>
+        </p:spPr>
+        <p:txBody>
+          <a:bodyPr/>
+          <a:lstStyle/>
+          <a:p>
+            <a:pPr lvl="0"/>
+            <a:r>
+              <a:rPr lang="pt-BR" smtClean="0"/>
+              <a:t>Clique para editar o texto mestre</a:t>
+            </a:r>
+          </a:p>
+          <a:p>
+            <a:pPr lvl="1"/>
+            <a:r>
+              <a:rPr lang="pt-BR" smtClean="0"/>
+              <a:t>Segundo nível</a:t>
+            </a:r>
+          </a:p>
+          <a:p>
+            <a:pPr lvl="2"/>
+            <a:r>
+              <a:rPr lang="pt-BR" smtClean="0"/>
+              <a:t>Terceiro nível</a:t>
+            </a:r>
+          </a:p>
+          <a:p>
+            <a:pPr lvl="3"/>
+            <a:r>
+              <a:rPr lang="pt-BR" smtClean="0"/>
+              <a:t>Quarto nível</a:t>
+            </a:r>
+          </a:p>
+          <a:p>
+            <a:pPr lvl="4"/>
+            <a:r>
+              <a:rPr lang="pt-BR" smtClean="0"/>
+              <a:t>Quinto nível</a:t>
+            </a:r>
+            <a:endParaRPr lang="en-US" dirty="0"/>
+          </a:p>
+        </p:txBody>
+      </p:sp>
+      <p:sp>
+        <p:nvSpPr>
+          <p:cNvPr id="4" name="Content Placeholder 3"/>
+          <p:cNvSpPr>
+            <a:spLocks noGrp="1"/>
+          </p:cNvSpPr>
+          <p:nvPr>
+            <p:ph sz="half" idx="2"/>
+          </p:nvPr>
+        </p:nvSpPr>
+        <p:spPr>
+          <a:xfrm>
+            <a:off x="6217920" y="1845735"/>
+            <a:ext cx="4937760" cy="4023360"/>
+          </a:xfrm>
+        </p:spPr>
+        <p:txBody>
+          <a:bodyPr/>
+          <a:lstStyle/>
+          <a:p>
+            <a:pPr lvl="0"/>
+            <a:r>
+              <a:rPr lang="pt-BR" smtClean="0"/>
+              <a:t>Clique para editar o texto mestre</a:t>
+            </a:r>
+          </a:p>
+          <a:p>
+            <a:pPr lvl="1"/>
+            <a:r>
+              <a:rPr lang="pt-BR" smtClean="0"/>
+              <a:t>Segundo nível</a:t>
+            </a:r>
+          </a:p>
+          <a:p>
+            <a:pPr lvl="2"/>
+            <a:r>
+              <a:rPr lang="pt-BR" smtClean="0"/>
+              <a:t>Terceiro nível</a:t>
+            </a:r>
+          </a:p>
+          <a:p>
+            <a:pPr lvl="3"/>
+            <a:r>
+              <a:rPr lang="pt-BR" smtClean="0"/>
+              <a:t>Quarto nível</a:t>
+            </a:r>
+          </a:p>
+          <a:p>
+            <a:pPr lvl="4"/>
+            <a:r>
+              <a:rPr lang="pt-BR" smtClean="0"/>
+              <a:t>Quinto nível</a:t>
+            </a:r>
+            <a:endParaRPr lang="en-US" dirty="0"/>
+          </a:p>
+        </p:txBody>
+      </p:sp>
+      <p:sp>
+        <p:nvSpPr>
+          <p:cNvPr id="5" name="Date Placeholder 4"/>
+          <p:cNvSpPr>
+            <a:spLocks noGrp="1"/>
+          </p:cNvSpPr>
+          <p:nvPr>
+            <p:ph type="dt" sz="half" idx="10"/>
+          </p:nvPr>
+        </p:nvSpPr>
+        <p:spPr/>
+        <p:txBody>
+          <a:bodyPr/>
+          <a:lstStyle/>
+          <a:p>
+            <a:fld id="{1AAF2263-F9CA-460F-9828-4E79DFE3F165}" type="datetimeFigureOut">
+              <a:rPr lang="pt-BR" smtClean="0"/>
+              <a:pPr/>
+              <a:t>08/07/2019</a:t>
+            </a:fld>
+            <a:endParaRPr lang="pt-BR"/>
+          </a:p>
+        </p:txBody>
+      </p:sp>
+      <p:sp>
+        <p:nvSpPr>
+          <p:cNvPr id="6" name="Footer Placeholder 5"/>
+          <p:cNvSpPr>
+            <a:spLocks noGrp="1"/>
+          </p:cNvSpPr>
+          <p:nvPr>
+            <p:ph type="ftr" sz="quarter" idx="11"/>
+          </p:nvPr>
+        </p:nvSpPr>
+        <p:spPr/>
+        <p:txBody>
+          <a:bodyPr/>
+          <a:lstStyle/>
+          <a:p>
+            <a:endParaRPr lang="pt-BR"/>
+          </a:p>
+        </p:txBody>
+      </p:sp>
+      <p:sp>
+        <p:nvSpPr>
+          <p:cNvPr id="7" name="Slide Number Placeholder 6"/>
+          <p:cNvSpPr>
+            <a:spLocks noGrp="1"/>
+          </p:cNvSpPr>
+          <p:nvPr>
+            <p:ph type="sldNum" sz="quarter" idx="12"/>
+          </p:nvPr>
+        </p:nvSpPr>
+        <p:spPr/>
+        <p:txBody>
+          <a:bodyPr/>
+          <a:lstStyle/>
+          <a:p>
+            <a:fld id="{FAD15547-99B3-4101-AECC-00E7F2964613}" type="slidenum">
+              <a:rPr lang="pt-BR" smtClean="0"/>
+              <a:pPr/>
+              <a:t>‹nº›</a:t>
+            </a:fld>
+            <a:endParaRPr lang="pt-BR"/>
+          </a:p>
+        </p:txBody>
+      </p:sp>
+    </p:spTree>
+    <p:extLst>
+      <p:ext uri="{BB962C8B-B14F-4D97-AF65-F5344CB8AC3E}">
+        <p14:creationId xmlns:p14="http://schemas.microsoft.com/office/powerpoint/2010/main" val="1373366573"/>
+      </p:ext>
+    </p:extLst>
+  </p:cSld>
+  <p:clrMapOvr>
+    <a:masterClrMapping/>
+  </p:clrMapOvr>
+</p:sldLayout>
+</file>
+
+<file path=ppt/slideLayouts/slideLayout16.xml><?xml version="1.0" encoding="utf-8"?>
+<p:sldLayout xmlns:a="http://schemas.openxmlformats.org/drawingml/2006/main" xmlns:r="http://schemas.openxmlformats.org/officeDocument/2006/relationships" xmlns:p="http://schemas.openxmlformats.org/presentationml/2006/main" type="twoTxTwoObj" preserve="1">
+  <p:cSld name="Comparação">
+    <p:spTree>
+      <p:nvGrpSpPr>
+        <p:cNvPr id="1" name=""/>
+        <p:cNvGrpSpPr/>
+        <p:nvPr/>
+      </p:nvGrpSpPr>
+      <p:grpSpPr>
+        <a:xfrm>
+          <a:off x="0" y="0"/>
+          <a:ext cx="0" cy="0"/>
+          <a:chOff x="0" y="0"/>
+          <a:chExt cx="0" cy="0"/>
+        </a:xfrm>
+      </p:grpSpPr>
+      <p:sp>
+        <p:nvSpPr>
+          <p:cNvPr id="10" name="Title 9"/>
+          <p:cNvSpPr>
+            <a:spLocks noGrp="1"/>
+          </p:cNvSpPr>
+          <p:nvPr>
+            <p:ph type="title"/>
+          </p:nvPr>
+        </p:nvSpPr>
+        <p:spPr>
+          <a:xfrm>
+            <a:off x="1097280" y="286603"/>
+            <a:ext cx="10058400" cy="1450757"/>
+          </a:xfrm>
+        </p:spPr>
+        <p:txBody>
+          <a:bodyPr/>
+          <a:lstStyle/>
+          <a:p>
+            <a:r>
+              <a:rPr lang="pt-BR" smtClean="0"/>
+              <a:t>Clique para editar o título mestre</a:t>
+            </a:r>
+            <a:endParaRPr lang="en-US" dirty="0"/>
+          </a:p>
+        </p:txBody>
+      </p:sp>
+      <p:sp>
+        <p:nvSpPr>
+          <p:cNvPr id="3" name="Text Placeholder 2"/>
+          <p:cNvSpPr>
+            <a:spLocks noGrp="1"/>
+          </p:cNvSpPr>
+          <p:nvPr>
+            <p:ph type="body" idx="1"/>
+          </p:nvPr>
+        </p:nvSpPr>
+        <p:spPr>
+          <a:xfrm>
+            <a:off x="1097280" y="1846052"/>
+            <a:ext cx="4937760" cy="736282"/>
+          </a:xfrm>
+        </p:spPr>
+        <p:txBody>
+          <a:bodyPr lIns="91440" rIns="91440" anchor="ctr">
+            <a:normAutofit/>
+          </a:bodyPr>
+          <a:lstStyle>
+            <a:lvl1pPr marL="0" indent="0">
+              <a:buNone/>
+              <a:defRPr sz="2000" b="0" cap="all" baseline="0">
+                <a:solidFill>
+                  <a:schemeClr val="tx2"/>
+                </a:solidFill>
+              </a:defRPr>
+            </a:lvl1pPr>
+            <a:lvl2pPr marL="457200" indent="0">
+              <a:buNone/>
+              <a:defRPr sz="2000" b="1"/>
+            </a:lvl2pPr>
+            <a:lvl3pPr marL="914400" indent="0">
+              <a:buNone/>
+              <a:defRPr sz="1800" b="1"/>
+            </a:lvl3pPr>
+            <a:lvl4pPr marL="1371600" indent="0">
+              <a:buNone/>
+              <a:defRPr sz="1600" b="1"/>
+            </a:lvl4pPr>
+            <a:lvl5pPr marL="1828800" indent="0">
+              <a:buNone/>
+              <a:defRPr sz="1600" b="1"/>
+            </a:lvl5pPr>
+            <a:lvl6pPr marL="2286000" indent="0">
+              <a:buNone/>
+              <a:defRPr sz="1600" b="1"/>
+            </a:lvl6pPr>
+            <a:lvl7pPr marL="2743200" indent="0">
+              <a:buNone/>
+              <a:defRPr sz="1600" b="1"/>
+            </a:lvl7pPr>
+            <a:lvl8pPr marL="3200400" indent="0">
+              <a:buNone/>
+              <a:defRPr sz="1600" b="1"/>
+            </a:lvl8pPr>
+            <a:lvl9pPr marL="3657600" indent="0">
+              <a:buNone/>
+              <a:defRPr sz="1600" b="1"/>
+            </a:lvl9pPr>
+          </a:lstStyle>
+          <a:p>
+            <a:pPr lvl="0"/>
+            <a:r>
+              <a:rPr lang="pt-BR" smtClean="0"/>
+              <a:t>Clique para editar o texto mestre</a:t>
+            </a:r>
+          </a:p>
+        </p:txBody>
+      </p:sp>
+      <p:sp>
+        <p:nvSpPr>
+          <p:cNvPr id="4" name="Content Placeholder 3"/>
+          <p:cNvSpPr>
+            <a:spLocks noGrp="1"/>
+          </p:cNvSpPr>
+          <p:nvPr>
+            <p:ph sz="half" idx="2"/>
+          </p:nvPr>
+        </p:nvSpPr>
+        <p:spPr>
+          <a:xfrm>
+            <a:off x="1097280" y="2582334"/>
+            <a:ext cx="4937760" cy="3378200"/>
+          </a:xfrm>
+        </p:spPr>
+        <p:txBody>
+          <a:bodyPr/>
+          <a:lstStyle/>
+          <a:p>
+            <a:pPr lvl="0"/>
+            <a:r>
+              <a:rPr lang="pt-BR" smtClean="0"/>
+              <a:t>Clique para editar o texto mestre</a:t>
+            </a:r>
+          </a:p>
+          <a:p>
+            <a:pPr lvl="1"/>
+            <a:r>
+              <a:rPr lang="pt-BR" smtClean="0"/>
+              <a:t>Segundo nível</a:t>
+            </a:r>
+          </a:p>
+          <a:p>
+            <a:pPr lvl="2"/>
+            <a:r>
+              <a:rPr lang="pt-BR" smtClean="0"/>
+              <a:t>Terceiro nível</a:t>
+            </a:r>
+          </a:p>
+          <a:p>
+            <a:pPr lvl="3"/>
+            <a:r>
+              <a:rPr lang="pt-BR" smtClean="0"/>
+              <a:t>Quarto nível</a:t>
+            </a:r>
+          </a:p>
+          <a:p>
+            <a:pPr lvl="4"/>
+            <a:r>
+              <a:rPr lang="pt-BR" smtClean="0"/>
+              <a:t>Quinto nível</a:t>
+            </a:r>
+            <a:endParaRPr lang="en-US" dirty="0"/>
+          </a:p>
+        </p:txBody>
+      </p:sp>
+      <p:sp>
+        <p:nvSpPr>
+          <p:cNvPr id="5" name="Text Placeholder 4"/>
+          <p:cNvSpPr>
+            <a:spLocks noGrp="1"/>
+          </p:cNvSpPr>
+          <p:nvPr>
+            <p:ph type="body" sz="quarter" idx="3"/>
+          </p:nvPr>
+        </p:nvSpPr>
+        <p:spPr>
+          <a:xfrm>
+            <a:off x="6217920" y="1846052"/>
+            <a:ext cx="4937760" cy="736282"/>
+          </a:xfrm>
+        </p:spPr>
+        <p:txBody>
+          <a:bodyPr lIns="91440" rIns="91440" anchor="ctr">
+            <a:normAutofit/>
+          </a:bodyPr>
+          <a:lstStyle>
+            <a:lvl1pPr marL="0" indent="0">
+              <a:buNone/>
+              <a:defRPr sz="2000" b="0" cap="all" baseline="0">
+                <a:solidFill>
+                  <a:schemeClr val="tx2"/>
+                </a:solidFill>
+              </a:defRPr>
+            </a:lvl1pPr>
+            <a:lvl2pPr marL="457200" indent="0">
+              <a:buNone/>
+              <a:defRPr sz="2000" b="1"/>
+            </a:lvl2pPr>
+            <a:lvl3pPr marL="914400" indent="0">
+              <a:buNone/>
+              <a:defRPr sz="1800" b="1"/>
+            </a:lvl3pPr>
+            <a:lvl4pPr marL="1371600" indent="0">
+              <a:buNone/>
+              <a:defRPr sz="1600" b="1"/>
+            </a:lvl4pPr>
+            <a:lvl5pPr marL="1828800" indent="0">
+              <a:buNone/>
+              <a:defRPr sz="1600" b="1"/>
+            </a:lvl5pPr>
+            <a:lvl6pPr marL="2286000" indent="0">
+              <a:buNone/>
+              <a:defRPr sz="1600" b="1"/>
+            </a:lvl6pPr>
+            <a:lvl7pPr marL="2743200" indent="0">
+              <a:buNone/>
+              <a:defRPr sz="1600" b="1"/>
+            </a:lvl7pPr>
+            <a:lvl8pPr marL="3200400" indent="0">
+              <a:buNone/>
+              <a:defRPr sz="1600" b="1"/>
+            </a:lvl8pPr>
+            <a:lvl9pPr marL="3657600" indent="0">
+              <a:buNone/>
+              <a:defRPr sz="1600" b="1"/>
+            </a:lvl9pPr>
+          </a:lstStyle>
+          <a:p>
+            <a:pPr lvl="0"/>
+            <a:r>
+              <a:rPr lang="pt-BR" smtClean="0"/>
+              <a:t>Clique para editar o texto mestre</a:t>
+            </a:r>
+          </a:p>
+        </p:txBody>
+      </p:sp>
+      <p:sp>
+        <p:nvSpPr>
+          <p:cNvPr id="6" name="Content Placeholder 5"/>
+          <p:cNvSpPr>
+            <a:spLocks noGrp="1"/>
+          </p:cNvSpPr>
+          <p:nvPr>
+            <p:ph sz="quarter" idx="4"/>
+          </p:nvPr>
+        </p:nvSpPr>
+        <p:spPr>
+          <a:xfrm>
+            <a:off x="6217920" y="2582334"/>
+            <a:ext cx="4937760" cy="3378200"/>
+          </a:xfrm>
+        </p:spPr>
+        <p:txBody>
+          <a:bodyPr/>
+          <a:lstStyle/>
+          <a:p>
+            <a:pPr lvl="0"/>
+            <a:r>
+              <a:rPr lang="pt-BR" smtClean="0"/>
+              <a:t>Clique para editar o texto mestre</a:t>
+            </a:r>
+          </a:p>
+          <a:p>
+            <a:pPr lvl="1"/>
+            <a:r>
+              <a:rPr lang="pt-BR" smtClean="0"/>
+              <a:t>Segundo nível</a:t>
+            </a:r>
+          </a:p>
+          <a:p>
+            <a:pPr lvl="2"/>
+            <a:r>
+              <a:rPr lang="pt-BR" smtClean="0"/>
+              <a:t>Terceiro nível</a:t>
+            </a:r>
+          </a:p>
+          <a:p>
+            <a:pPr lvl="3"/>
+            <a:r>
+              <a:rPr lang="pt-BR" smtClean="0"/>
+              <a:t>Quarto nível</a:t>
+            </a:r>
+          </a:p>
+          <a:p>
+            <a:pPr lvl="4"/>
+            <a:r>
+              <a:rPr lang="pt-BR" smtClean="0"/>
+              <a:t>Quinto nível</a:t>
+            </a:r>
+            <a:endParaRPr lang="en-US" dirty="0"/>
+          </a:p>
+        </p:txBody>
+      </p:sp>
+      <p:sp>
+        <p:nvSpPr>
+          <p:cNvPr id="7" name="Date Placeholder 6"/>
+          <p:cNvSpPr>
+            <a:spLocks noGrp="1"/>
+          </p:cNvSpPr>
+          <p:nvPr>
+            <p:ph type="dt" sz="half" idx="10"/>
+          </p:nvPr>
+        </p:nvSpPr>
+        <p:spPr/>
+        <p:txBody>
+          <a:bodyPr/>
+          <a:lstStyle/>
+          <a:p>
+            <a:fld id="{1AAF2263-F9CA-460F-9828-4E79DFE3F165}" type="datetimeFigureOut">
+              <a:rPr lang="pt-BR" smtClean="0"/>
+              <a:pPr/>
+              <a:t>08/07/2019</a:t>
+            </a:fld>
+            <a:endParaRPr lang="pt-BR"/>
+          </a:p>
+        </p:txBody>
+      </p:sp>
+      <p:sp>
+        <p:nvSpPr>
+          <p:cNvPr id="8" name="Footer Placeholder 7"/>
+          <p:cNvSpPr>
+            <a:spLocks noGrp="1"/>
+          </p:cNvSpPr>
+          <p:nvPr>
+            <p:ph type="ftr" sz="quarter" idx="11"/>
+          </p:nvPr>
+        </p:nvSpPr>
+        <p:spPr/>
+        <p:txBody>
+          <a:bodyPr/>
+          <a:lstStyle/>
+          <a:p>
+            <a:endParaRPr lang="pt-BR"/>
+          </a:p>
+        </p:txBody>
+      </p:sp>
+      <p:sp>
+        <p:nvSpPr>
+          <p:cNvPr id="9" name="Slide Number Placeholder 8"/>
+          <p:cNvSpPr>
+            <a:spLocks noGrp="1"/>
+          </p:cNvSpPr>
+          <p:nvPr>
+            <p:ph type="sldNum" sz="quarter" idx="12"/>
+          </p:nvPr>
+        </p:nvSpPr>
+        <p:spPr/>
+        <p:txBody>
+          <a:bodyPr/>
+          <a:lstStyle/>
+          <a:p>
+            <a:fld id="{FAD15547-99B3-4101-AECC-00E7F2964613}" type="slidenum">
+              <a:rPr lang="pt-BR" smtClean="0"/>
+              <a:pPr/>
+              <a:t>‹nº›</a:t>
+            </a:fld>
+            <a:endParaRPr lang="pt-BR"/>
+          </a:p>
+        </p:txBody>
+      </p:sp>
+    </p:spTree>
+    <p:extLst>
+      <p:ext uri="{BB962C8B-B14F-4D97-AF65-F5344CB8AC3E}">
+        <p14:creationId xmlns:p14="http://schemas.microsoft.com/office/powerpoint/2010/main" val="2007998495"/>
+      </p:ext>
+    </p:extLst>
+  </p:cSld>
+  <p:clrMapOvr>
+    <a:masterClrMapping/>
+  </p:clrMapOvr>
+</p:sldLayout>
+</file>
+
+<file path=ppt/slideLayouts/slideLayout17.xml><?xml version="1.0" encoding="utf-8"?>
+<p:sldLayout xmlns:a="http://schemas.openxmlformats.org/drawingml/2006/main" xmlns:r="http://schemas.openxmlformats.org/officeDocument/2006/relationships" xmlns:p="http://schemas.openxmlformats.org/presentationml/2006/main" type="titleOnly" preserve="1">
+  <p:cSld name="Somente título">
+    <p:spTree>
+      <p:nvGrpSpPr>
+        <p:cNvPr id="1" name=""/>
+        <p:cNvGrpSpPr/>
+        <p:nvPr/>
+      </p:nvGrpSpPr>
+      <p:grpSpPr>
+        <a:xfrm>
+          <a:off x="0" y="0"/>
+          <a:ext cx="0" cy="0"/>
+          <a:chOff x="0" y="0"/>
+          <a:chExt cx="0" cy="0"/>
+        </a:xfrm>
+      </p:grpSpPr>
+      <p:sp>
+        <p:nvSpPr>
+          <p:cNvPr id="2" name="Title 1"/>
+          <p:cNvSpPr>
+            <a:spLocks noGrp="1"/>
+          </p:cNvSpPr>
+          <p:nvPr>
+            <p:ph type="title"/>
+          </p:nvPr>
+        </p:nvSpPr>
+        <p:spPr/>
+        <p:txBody>
+          <a:bodyPr/>
+          <a:lstStyle/>
+          <a:p>
+            <a:r>
+              <a:rPr lang="pt-BR" smtClean="0"/>
+              <a:t>Clique para editar o título mestre</a:t>
+            </a:r>
+            <a:endParaRPr lang="en-US" dirty="0"/>
+          </a:p>
+        </p:txBody>
+      </p:sp>
+      <p:sp>
+        <p:nvSpPr>
+          <p:cNvPr id="3" name="Date Placeholder 2"/>
+          <p:cNvSpPr>
+            <a:spLocks noGrp="1"/>
+          </p:cNvSpPr>
+          <p:nvPr>
+            <p:ph type="dt" sz="half" idx="10"/>
+          </p:nvPr>
+        </p:nvSpPr>
+        <p:spPr/>
+        <p:txBody>
+          <a:bodyPr/>
+          <a:lstStyle/>
+          <a:p>
+            <a:fld id="{1AAF2263-F9CA-460F-9828-4E79DFE3F165}" type="datetimeFigureOut">
+              <a:rPr lang="pt-BR" smtClean="0"/>
+              <a:pPr/>
+              <a:t>08/07/2019</a:t>
+            </a:fld>
+            <a:endParaRPr lang="pt-BR"/>
+          </a:p>
+        </p:txBody>
+      </p:sp>
+      <p:sp>
+        <p:nvSpPr>
+          <p:cNvPr id="4" name="Footer Placeholder 3"/>
+          <p:cNvSpPr>
+            <a:spLocks noGrp="1"/>
+          </p:cNvSpPr>
+          <p:nvPr>
+            <p:ph type="ftr" sz="quarter" idx="11"/>
+          </p:nvPr>
+        </p:nvSpPr>
+        <p:spPr/>
+        <p:txBody>
+          <a:bodyPr/>
+          <a:lstStyle/>
+          <a:p>
+            <a:endParaRPr lang="pt-BR"/>
+          </a:p>
+        </p:txBody>
+      </p:sp>
+      <p:sp>
+        <p:nvSpPr>
+          <p:cNvPr id="5" name="Slide Number Placeholder 4"/>
+          <p:cNvSpPr>
+            <a:spLocks noGrp="1"/>
+          </p:cNvSpPr>
+          <p:nvPr>
+            <p:ph type="sldNum" sz="quarter" idx="12"/>
+          </p:nvPr>
+        </p:nvSpPr>
+        <p:spPr/>
+        <p:txBody>
+          <a:bodyPr/>
+          <a:lstStyle/>
+          <a:p>
+            <a:fld id="{FAD15547-99B3-4101-AECC-00E7F2964613}" type="slidenum">
+              <a:rPr lang="pt-BR" smtClean="0"/>
+              <a:pPr/>
+              <a:t>‹nº›</a:t>
+            </a:fld>
+            <a:endParaRPr lang="pt-BR"/>
+          </a:p>
+        </p:txBody>
+      </p:sp>
+    </p:spTree>
+    <p:extLst>
+      <p:ext uri="{BB962C8B-B14F-4D97-AF65-F5344CB8AC3E}">
+        <p14:creationId xmlns:p14="http://schemas.microsoft.com/office/powerpoint/2010/main" val="2248922827"/>
+      </p:ext>
+    </p:extLst>
+  </p:cSld>
+  <p:clrMapOvr>
+    <a:masterClrMapping/>
+  </p:clrMapOvr>
+</p:sldLayout>
+</file>
+
+<file path=ppt/slideLayouts/slideLayout18.xml><?xml version="1.0" encoding="utf-8"?>
+<p:sldLayout xmlns:a="http://schemas.openxmlformats.org/drawingml/2006/main" xmlns:r="http://schemas.openxmlformats.org/officeDocument/2006/relationships" xmlns:p="http://schemas.openxmlformats.org/presentationml/2006/main" showMasterSp="0" type="blank" preserve="1">
+  <p:cSld name="Em branco">
+    <p:spTree>
+      <p:nvGrpSpPr>
+        <p:cNvPr id="1" name=""/>
+        <p:cNvGrpSpPr/>
+        <p:nvPr/>
+      </p:nvGrpSpPr>
+      <p:grpSpPr>
+        <a:xfrm>
+          <a:off x="0" y="0"/>
+          <a:ext cx="0" cy="0"/>
+          <a:chOff x="0" y="0"/>
+          <a:chExt cx="0" cy="0"/>
+        </a:xfrm>
+      </p:grpSpPr>
+      <p:sp>
+        <p:nvSpPr>
+          <p:cNvPr id="5" name="Rectangle 4"/>
+          <p:cNvSpPr/>
+          <p:nvPr/>
+        </p:nvSpPr>
+        <p:spPr>
+          <a:xfrm>
+            <a:off x="3175" y="6400800"/>
+            <a:ext cx="12188825" cy="457200"/>
+          </a:xfrm>
+          <a:prstGeom prst="rect">
+            <a:avLst/>
+          </a:prstGeom>
+          <a:solidFill>
+            <a:schemeClr val="accent2"/>
+          </a:solidFill>
+          <a:ln>
+            <a:noFill/>
+          </a:ln>
+        </p:spPr>
+        <p:style>
+          <a:lnRef idx="2">
+            <a:schemeClr val="accent1">
+              <a:shade val="50000"/>
+            </a:schemeClr>
+          </a:lnRef>
+          <a:fillRef idx="1">
+            <a:schemeClr val="accent1"/>
+          </a:fillRef>
+          <a:effectRef idx="0">
+            <a:schemeClr val="accent1"/>
+          </a:effectRef>
+          <a:fontRef idx="minor">
+            <a:schemeClr val="lt1"/>
+          </a:fontRef>
+        </p:style>
+      </p:sp>
+      <p:sp>
+        <p:nvSpPr>
+          <p:cNvPr id="6" name="Rectangle 5"/>
+          <p:cNvSpPr/>
+          <p:nvPr/>
+        </p:nvSpPr>
+        <p:spPr>
+          <a:xfrm>
+            <a:off x="15" y="6334316"/>
+            <a:ext cx="12188825" cy="64008"/>
+          </a:xfrm>
+          <a:prstGeom prst="rect">
+            <a:avLst/>
+          </a:prstGeom>
+          <a:solidFill>
+            <a:schemeClr val="accent1"/>
+          </a:solidFill>
+          <a:ln>
+            <a:noFill/>
+          </a:ln>
+        </p:spPr>
+        <p:style>
+          <a:lnRef idx="2">
+            <a:schemeClr val="accent1">
+              <a:shade val="50000"/>
+            </a:schemeClr>
+          </a:lnRef>
+          <a:fillRef idx="1">
+            <a:schemeClr val="accent1"/>
+          </a:fillRef>
+          <a:effectRef idx="0">
+            <a:schemeClr val="accent1"/>
+          </a:effectRef>
+          <a:fontRef idx="minor">
+            <a:schemeClr val="lt1"/>
+          </a:fontRef>
+        </p:style>
+      </p:sp>
+      <p:sp>
+        <p:nvSpPr>
+          <p:cNvPr id="7" name="Date Placeholder 6"/>
+          <p:cNvSpPr>
+            <a:spLocks noGrp="1"/>
+          </p:cNvSpPr>
+          <p:nvPr>
+            <p:ph type="dt" sz="half" idx="10"/>
+          </p:nvPr>
+        </p:nvSpPr>
+        <p:spPr/>
+        <p:txBody>
+          <a:bodyPr/>
+          <a:lstStyle/>
+          <a:p>
+            <a:fld id="{1AAF2263-F9CA-460F-9828-4E79DFE3F165}" type="datetimeFigureOut">
+              <a:rPr lang="pt-BR" smtClean="0"/>
+              <a:pPr/>
+              <a:t>08/07/2019</a:t>
+            </a:fld>
+            <a:endParaRPr lang="pt-BR"/>
+          </a:p>
+        </p:txBody>
+      </p:sp>
+      <p:sp>
+        <p:nvSpPr>
+          <p:cNvPr id="8" name="Footer Placeholder 7"/>
+          <p:cNvSpPr>
+            <a:spLocks noGrp="1"/>
+          </p:cNvSpPr>
+          <p:nvPr>
+            <p:ph type="ftr" sz="quarter" idx="11"/>
+          </p:nvPr>
+        </p:nvSpPr>
+        <p:spPr/>
+        <p:txBody>
+          <a:bodyPr/>
+          <a:lstStyle>
+            <a:lvl1pPr>
+              <a:defRPr>
+                <a:solidFill>
+                  <a:srgbClr val="FFFFFF"/>
+                </a:solidFill>
+              </a:defRPr>
+            </a:lvl1pPr>
+          </a:lstStyle>
+          <a:p>
+            <a:endParaRPr lang="pt-BR"/>
+          </a:p>
+        </p:txBody>
+      </p:sp>
+      <p:sp>
+        <p:nvSpPr>
+          <p:cNvPr id="9" name="Slide Number Placeholder 8"/>
+          <p:cNvSpPr>
+            <a:spLocks noGrp="1"/>
+          </p:cNvSpPr>
+          <p:nvPr>
+            <p:ph type="sldNum" sz="quarter" idx="12"/>
+          </p:nvPr>
+        </p:nvSpPr>
+        <p:spPr/>
+        <p:txBody>
+          <a:bodyPr/>
+          <a:lstStyle/>
+          <a:p>
+            <a:fld id="{FAD15547-99B3-4101-AECC-00E7F2964613}" type="slidenum">
+              <a:rPr lang="pt-BR" smtClean="0"/>
+              <a:pPr/>
+              <a:t>‹nº›</a:t>
+            </a:fld>
+            <a:endParaRPr lang="pt-BR"/>
+          </a:p>
+        </p:txBody>
+      </p:sp>
+    </p:spTree>
+    <p:extLst>
+      <p:ext uri="{BB962C8B-B14F-4D97-AF65-F5344CB8AC3E}">
+        <p14:creationId xmlns:p14="http://schemas.microsoft.com/office/powerpoint/2010/main" val="755645444"/>
+      </p:ext>
+    </p:extLst>
+  </p:cSld>
+  <p:clrMapOvr>
+    <a:masterClrMapping/>
+  </p:clrMapOvr>
+</p:sldLayout>
+</file>
+
+<file path=ppt/slideLayouts/slideLayout19.xml><?xml version="1.0" encoding="utf-8"?>
+<p:sldLayout xmlns:a="http://schemas.openxmlformats.org/drawingml/2006/main" xmlns:r="http://schemas.openxmlformats.org/officeDocument/2006/relationships" xmlns:p="http://schemas.openxmlformats.org/presentationml/2006/main" showMasterSp="0" type="objTx" preserve="1">
+  <p:cSld name="Conteúdo com Legenda">
+    <p:spTree>
+      <p:nvGrpSpPr>
+        <p:cNvPr id="1" name=""/>
+        <p:cNvGrpSpPr/>
+        <p:nvPr/>
+      </p:nvGrpSpPr>
+      <p:grpSpPr>
+        <a:xfrm>
+          <a:off x="0" y="0"/>
+          <a:ext cx="0" cy="0"/>
+          <a:chOff x="0" y="0"/>
+          <a:chExt cx="0" cy="0"/>
+        </a:xfrm>
+      </p:grpSpPr>
+      <p:sp>
+        <p:nvSpPr>
+          <p:cNvPr id="8" name="Rectangle 7"/>
+          <p:cNvSpPr/>
+          <p:nvPr/>
+        </p:nvSpPr>
+        <p:spPr>
+          <a:xfrm>
+            <a:off x="16" y="0"/>
+            <a:ext cx="4050791" cy="6858000"/>
+          </a:xfrm>
+          <a:prstGeom prst="rect">
+            <a:avLst/>
+          </a:prstGeom>
+          <a:solidFill>
+            <a:schemeClr val="accent2"/>
+          </a:solidFill>
+          <a:ln>
+            <a:noFill/>
+          </a:ln>
+        </p:spPr>
+        <p:style>
+          <a:lnRef idx="2">
+            <a:schemeClr val="accent1">
+              <a:shade val="50000"/>
+            </a:schemeClr>
+          </a:lnRef>
+          <a:fillRef idx="1">
+            <a:schemeClr val="accent1"/>
+          </a:fillRef>
+          <a:effectRef idx="0">
+            <a:schemeClr val="accent1"/>
+          </a:effectRef>
+          <a:fontRef idx="minor">
+            <a:schemeClr val="lt1"/>
+          </a:fontRef>
+        </p:style>
+      </p:sp>
+      <p:sp>
+        <p:nvSpPr>
+          <p:cNvPr id="9" name="Rectangle 8"/>
+          <p:cNvSpPr/>
+          <p:nvPr/>
+        </p:nvSpPr>
+        <p:spPr>
+          <a:xfrm>
+            <a:off x="4040071" y="0"/>
+            <a:ext cx="64008" cy="6858000"/>
+          </a:xfrm>
+          <a:prstGeom prst="rect">
+            <a:avLst/>
+          </a:prstGeom>
+          <a:solidFill>
+            <a:schemeClr val="accent1"/>
+          </a:solidFill>
+          <a:ln>
+            <a:noFill/>
+          </a:ln>
+        </p:spPr>
+        <p:style>
+          <a:lnRef idx="2">
+            <a:schemeClr val="accent1">
+              <a:shade val="50000"/>
+            </a:schemeClr>
+          </a:lnRef>
+          <a:fillRef idx="1">
+            <a:schemeClr val="accent1"/>
+          </a:fillRef>
+          <a:effectRef idx="0">
+            <a:schemeClr val="accent1"/>
+          </a:effectRef>
+          <a:fontRef idx="minor">
+            <a:schemeClr val="lt1"/>
+          </a:fontRef>
+        </p:style>
+      </p:sp>
+      <p:sp>
+        <p:nvSpPr>
+          <p:cNvPr id="2" name="Title 1"/>
+          <p:cNvSpPr>
+            <a:spLocks noGrp="1"/>
+          </p:cNvSpPr>
+          <p:nvPr>
+            <p:ph type="title"/>
+          </p:nvPr>
+        </p:nvSpPr>
+        <p:spPr>
+          <a:xfrm>
+            <a:off x="457200" y="594359"/>
+            <a:ext cx="3200400" cy="2286000"/>
+          </a:xfrm>
+        </p:spPr>
+        <p:txBody>
+          <a:bodyPr anchor="b">
+            <a:normAutofit/>
+          </a:bodyPr>
+          <a:lstStyle>
+            <a:lvl1pPr>
+              <a:defRPr sz="3600" b="0">
+                <a:solidFill>
+                  <a:srgbClr val="FFFFFF"/>
+                </a:solidFill>
+              </a:defRPr>
+            </a:lvl1pPr>
+          </a:lstStyle>
+          <a:p>
+            <a:r>
+              <a:rPr lang="pt-BR" smtClean="0"/>
+              <a:t>Clique para editar o título mestre</a:t>
+            </a:r>
+            <a:endParaRPr lang="en-US" dirty="0"/>
+          </a:p>
+        </p:txBody>
+      </p:sp>
+      <p:sp>
+        <p:nvSpPr>
+          <p:cNvPr id="3" name="Content Placeholder 2"/>
+          <p:cNvSpPr>
+            <a:spLocks noGrp="1"/>
+          </p:cNvSpPr>
+          <p:nvPr>
+            <p:ph idx="1"/>
+          </p:nvPr>
+        </p:nvSpPr>
+        <p:spPr>
+          <a:xfrm>
+            <a:off x="4800600" y="731520"/>
+            <a:ext cx="6492240" cy="5257800"/>
+          </a:xfrm>
+        </p:spPr>
+        <p:txBody>
+          <a:bodyPr/>
+          <a:lstStyle/>
+          <a:p>
+            <a:pPr lvl="0"/>
+            <a:r>
+              <a:rPr lang="pt-BR" smtClean="0"/>
+              <a:t>Clique para editar o texto mestre</a:t>
+            </a:r>
+          </a:p>
+          <a:p>
+            <a:pPr lvl="1"/>
+            <a:r>
+              <a:rPr lang="pt-BR" smtClean="0"/>
+              <a:t>Segundo nível</a:t>
+            </a:r>
+          </a:p>
+          <a:p>
+            <a:pPr lvl="2"/>
+            <a:r>
+              <a:rPr lang="pt-BR" smtClean="0"/>
+              <a:t>Terceiro nível</a:t>
+            </a:r>
+          </a:p>
+          <a:p>
+            <a:pPr lvl="3"/>
+            <a:r>
+              <a:rPr lang="pt-BR" smtClean="0"/>
+              <a:t>Quarto nível</a:t>
+            </a:r>
+          </a:p>
+          <a:p>
+            <a:pPr lvl="4"/>
+            <a:r>
+              <a:rPr lang="pt-BR" smtClean="0"/>
+              <a:t>Quinto nível</a:t>
+            </a:r>
+            <a:endParaRPr lang="en-US" dirty="0"/>
+          </a:p>
+        </p:txBody>
+      </p:sp>
+      <p:sp>
+        <p:nvSpPr>
+          <p:cNvPr id="4" name="Text Placeholder 3"/>
+          <p:cNvSpPr>
+            <a:spLocks noGrp="1"/>
+          </p:cNvSpPr>
+          <p:nvPr>
+            <p:ph type="body" sz="half" idx="2"/>
+          </p:nvPr>
+        </p:nvSpPr>
+        <p:spPr>
+          <a:xfrm>
+            <a:off x="457200" y="2926080"/>
+            <a:ext cx="3200400" cy="3379124"/>
+          </a:xfrm>
+        </p:spPr>
+        <p:txBody>
+          <a:bodyPr lIns="91440" rIns="91440">
+            <a:normAutofit/>
+          </a:bodyPr>
+          <a:lstStyle>
+            <a:lvl1pPr marL="0" indent="0">
+              <a:buNone/>
+              <a:defRPr sz="1500">
+                <a:solidFill>
+                  <a:srgbClr val="FFFFFF"/>
+                </a:solidFill>
+              </a:defRPr>
+            </a:lvl1pPr>
+            <a:lvl2pPr marL="457200" indent="0">
+              <a:buNone/>
+              <a:defRPr sz="1200"/>
+            </a:lvl2pPr>
+            <a:lvl3pPr marL="914400" indent="0">
+              <a:buNone/>
+              <a:defRPr sz="1000"/>
+            </a:lvl3pPr>
+            <a:lvl4pPr marL="1371600" indent="0">
+              <a:buNone/>
+              <a:defRPr sz="900"/>
+            </a:lvl4pPr>
+            <a:lvl5pPr marL="1828800" indent="0">
+              <a:buNone/>
+              <a:defRPr sz="900"/>
+            </a:lvl5pPr>
+            <a:lvl6pPr marL="2286000" indent="0">
+              <a:buNone/>
+              <a:defRPr sz="900"/>
+            </a:lvl6pPr>
+            <a:lvl7pPr marL="2743200" indent="0">
+              <a:buNone/>
+              <a:defRPr sz="900"/>
+            </a:lvl7pPr>
+            <a:lvl8pPr marL="3200400" indent="0">
+              <a:buNone/>
+              <a:defRPr sz="900"/>
+            </a:lvl8pPr>
+            <a:lvl9pPr marL="3657600" indent="0">
+              <a:buNone/>
+              <a:defRPr sz="900"/>
+            </a:lvl9pPr>
+          </a:lstStyle>
+          <a:p>
+            <a:pPr lvl="0"/>
+            <a:r>
+              <a:rPr lang="pt-BR" smtClean="0"/>
+              <a:t>Clique para editar o texto mestre</a:t>
+            </a:r>
+          </a:p>
+        </p:txBody>
+      </p:sp>
+      <p:sp>
+        <p:nvSpPr>
+          <p:cNvPr id="5" name="Date Placeholder 4"/>
+          <p:cNvSpPr>
+            <a:spLocks noGrp="1"/>
+          </p:cNvSpPr>
+          <p:nvPr>
+            <p:ph type="dt" sz="half" idx="10"/>
+          </p:nvPr>
+        </p:nvSpPr>
+        <p:spPr>
+          <a:xfrm>
+            <a:off x="465512" y="6459785"/>
+            <a:ext cx="2618510" cy="365125"/>
+          </a:xfrm>
+        </p:spPr>
+        <p:txBody>
+          <a:bodyPr/>
+          <a:lstStyle>
+            <a:lvl1pPr algn="l">
+              <a:defRPr/>
+            </a:lvl1pPr>
+          </a:lstStyle>
+          <a:p>
+            <a:fld id="{1AAF2263-F9CA-460F-9828-4E79DFE3F165}" type="datetimeFigureOut">
+              <a:rPr lang="pt-BR" smtClean="0"/>
+              <a:pPr/>
+              <a:t>08/07/2019</a:t>
+            </a:fld>
+            <a:endParaRPr lang="pt-BR"/>
+          </a:p>
+        </p:txBody>
+      </p:sp>
+      <p:sp>
+        <p:nvSpPr>
+          <p:cNvPr id="6" name="Footer Placeholder 5"/>
+          <p:cNvSpPr>
+            <a:spLocks noGrp="1"/>
+          </p:cNvSpPr>
+          <p:nvPr>
+            <p:ph type="ftr" sz="quarter" idx="11"/>
+          </p:nvPr>
+        </p:nvSpPr>
+        <p:spPr>
+          <a:xfrm>
+            <a:off x="4800600" y="6459785"/>
+            <a:ext cx="4648200" cy="365125"/>
+          </a:xfrm>
+        </p:spPr>
+        <p:txBody>
+          <a:bodyPr/>
+          <a:lstStyle>
+            <a:lvl1pPr algn="l">
+              <a:defRPr>
+                <a:solidFill>
+                  <a:schemeClr val="tx2"/>
+                </a:solidFill>
+              </a:defRPr>
+            </a:lvl1pPr>
+          </a:lstStyle>
+          <a:p>
+            <a:endParaRPr lang="pt-BR"/>
+          </a:p>
+        </p:txBody>
+      </p:sp>
+      <p:sp>
+        <p:nvSpPr>
+          <p:cNvPr id="7" name="Slide Number Placeholder 6"/>
+          <p:cNvSpPr>
+            <a:spLocks noGrp="1"/>
+          </p:cNvSpPr>
+          <p:nvPr>
+            <p:ph type="sldNum" sz="quarter" idx="12"/>
+          </p:nvPr>
+        </p:nvSpPr>
+        <p:spPr/>
+        <p:txBody>
+          <a:bodyPr/>
+          <a:lstStyle>
+            <a:lvl1pPr>
+              <a:defRPr>
+                <a:solidFill>
+                  <a:schemeClr val="tx2"/>
+                </a:solidFill>
+              </a:defRPr>
+            </a:lvl1pPr>
+          </a:lstStyle>
+          <a:p>
+            <a:fld id="{FAD15547-99B3-4101-AECC-00E7F2964613}" type="slidenum">
+              <a:rPr lang="pt-BR" smtClean="0"/>
+              <a:pPr/>
+              <a:t>‹nº›</a:t>
+            </a:fld>
+            <a:endParaRPr lang="pt-BR"/>
+          </a:p>
+        </p:txBody>
+      </p:sp>
+    </p:spTree>
+    <p:extLst>
+      <p:ext uri="{BB962C8B-B14F-4D97-AF65-F5344CB8AC3E}">
+        <p14:creationId xmlns:p14="http://schemas.microsoft.com/office/powerpoint/2010/main" val="305469484"/>
+      </p:ext>
+    </p:extLst>
+  </p:cSld>
+  <p:clrMapOvr>
+    <a:masterClrMapping/>
+  </p:clrMapOvr>
+</p:sldLayout>
+</file>
+
+<file path=ppt/slideLayouts/slideLayout2.xml><?xml version="1.0" encoding="utf-8"?>
+<p:sldLayout xmlns:a="http://schemas.openxmlformats.org/drawingml/2006/main" xmlns:r="http://schemas.openxmlformats.org/officeDocument/2006/relationships" xmlns:p="http://schemas.openxmlformats.org/presentationml/2006/main" type="obj" preserve="1">
+  <p:cSld name="Título e conteúdo">
+    <p:spTree>
+      <p:nvGrpSpPr>
+        <p:cNvPr id="1" name=""/>
+        <p:cNvGrpSpPr/>
+        <p:nvPr/>
+      </p:nvGrpSpPr>
+      <p:grpSpPr>
+        <a:xfrm>
+          <a:off x="0" y="0"/>
+          <a:ext cx="0" cy="0"/>
+          <a:chOff x="0" y="0"/>
+          <a:chExt cx="0" cy="0"/>
+        </a:xfrm>
+      </p:grpSpPr>
+      <p:sp>
+        <p:nvSpPr>
+          <p:cNvPr id="2" name="Title 1"/>
+          <p:cNvSpPr>
+            <a:spLocks noGrp="1"/>
+          </p:cNvSpPr>
+          <p:nvPr>
+            <p:ph type="title"/>
+          </p:nvPr>
+        </p:nvSpPr>
+        <p:spPr/>
+        <p:txBody>
+          <a:bodyPr/>
+          <a:lstStyle/>
+          <a:p>
+            <a:r>
+              <a:rPr lang="pt-BR" smtClean="0"/>
+              <a:t>Clique para editar o título mestre</a:t>
+            </a:r>
+            <a:endParaRPr lang="en-US" dirty="0"/>
+          </a:p>
+        </p:txBody>
+      </p:sp>
+      <p:sp>
+        <p:nvSpPr>
+          <p:cNvPr id="3" name="Content Placeholder 2"/>
+          <p:cNvSpPr>
+            <a:spLocks noGrp="1"/>
+          </p:cNvSpPr>
+          <p:nvPr>
+            <p:ph idx="1"/>
+          </p:nvPr>
+        </p:nvSpPr>
+        <p:spPr/>
+        <p:txBody>
+          <a:bodyPr/>
+          <a:lstStyle/>
+          <a:p>
+            <a:pPr lvl="0"/>
+            <a:r>
+              <a:rPr lang="pt-BR" smtClean="0"/>
+              <a:t>Clique para editar o texto mestre</a:t>
+            </a:r>
+          </a:p>
+          <a:p>
+            <a:pPr lvl="1"/>
+            <a:r>
+              <a:rPr lang="pt-BR" smtClean="0"/>
+              <a:t>Segundo nível</a:t>
+            </a:r>
+          </a:p>
+          <a:p>
+            <a:pPr lvl="2"/>
+            <a:r>
+              <a:rPr lang="pt-BR" smtClean="0"/>
+              <a:t>Terceiro nível</a:t>
+            </a:r>
+          </a:p>
+          <a:p>
+            <a:pPr lvl="3"/>
+            <a:r>
+              <a:rPr lang="pt-BR" smtClean="0"/>
+              <a:t>Quarto nível</a:t>
+            </a:r>
+          </a:p>
+          <a:p>
+            <a:pPr lvl="4"/>
+            <a:r>
+              <a:rPr lang="pt-BR" smtClean="0"/>
+              <a:t>Quinto nível</a:t>
+            </a:r>
+            <a:endParaRPr lang="en-US" dirty="0"/>
+          </a:p>
+        </p:txBody>
+      </p:sp>
+      <p:sp>
+        <p:nvSpPr>
+          <p:cNvPr id="4" name="Date Placeholder 3"/>
+          <p:cNvSpPr>
+            <a:spLocks noGrp="1"/>
+          </p:cNvSpPr>
+          <p:nvPr>
+            <p:ph type="dt" sz="half" idx="10"/>
+          </p:nvPr>
+        </p:nvSpPr>
+        <p:spPr/>
+        <p:txBody>
+          <a:bodyPr/>
+          <a:lstStyle/>
+          <a:p>
+            <a:fld id="{1AAF2263-F9CA-460F-9828-4E79DFE3F165}" type="datetimeFigureOut">
+              <a:rPr lang="pt-BR" smtClean="0"/>
+              <a:pPr/>
+              <a:t>08/07/2019</a:t>
+            </a:fld>
+            <a:endParaRPr lang="pt-BR"/>
+          </a:p>
+        </p:txBody>
+      </p:sp>
+      <p:sp>
+        <p:nvSpPr>
+          <p:cNvPr id="5" name="Footer Placeholder 4"/>
+          <p:cNvSpPr>
+            <a:spLocks noGrp="1"/>
+          </p:cNvSpPr>
+          <p:nvPr>
+            <p:ph type="ftr" sz="quarter" idx="11"/>
+          </p:nvPr>
+        </p:nvSpPr>
+        <p:spPr/>
+        <p:txBody>
+          <a:bodyPr/>
+          <a:lstStyle/>
+          <a:p>
+            <a:endParaRPr lang="pt-BR"/>
+          </a:p>
+        </p:txBody>
+      </p:sp>
+      <p:sp>
+        <p:nvSpPr>
+          <p:cNvPr id="6" name="Slide Number Placeholder 5"/>
+          <p:cNvSpPr>
+            <a:spLocks noGrp="1"/>
+          </p:cNvSpPr>
+          <p:nvPr>
+            <p:ph type="sldNum" sz="quarter" idx="12"/>
+          </p:nvPr>
+        </p:nvSpPr>
+        <p:spPr/>
+        <p:txBody>
+          <a:bodyPr/>
+          <a:lstStyle/>
+          <a:p>
+            <a:fld id="{FAD15547-99B3-4101-AECC-00E7F2964613}" type="slidenum">
+              <a:rPr lang="pt-BR" smtClean="0"/>
+              <a:pPr/>
+              <a:t>‹nº›</a:t>
+            </a:fld>
+            <a:endParaRPr lang="pt-BR"/>
+          </a:p>
+        </p:txBody>
+      </p:sp>
+    </p:spTree>
+    <p:extLst>
+      <p:ext uri="{BB962C8B-B14F-4D97-AF65-F5344CB8AC3E}">
+        <p14:creationId xmlns:p14="http://schemas.microsoft.com/office/powerpoint/2010/main" val="2421823781"/>
+      </p:ext>
+    </p:extLst>
+  </p:cSld>
+  <p:clrMapOvr>
+    <a:masterClrMapping/>
+  </p:clrMapOvr>
+</p:sldLayout>
+</file>
+
+<file path=ppt/slideLayouts/slideLayout20.xml><?xml version="1.0" encoding="utf-8"?>
+<p:sldLayout xmlns:a="http://schemas.openxmlformats.org/drawingml/2006/main" xmlns:r="http://schemas.openxmlformats.org/officeDocument/2006/relationships" xmlns:p="http://schemas.openxmlformats.org/presentationml/2006/main" showMasterSp="0" type="picTx" preserve="1">
+  <p:cSld name="Imagem com Legenda">
+    <p:spTree>
+      <p:nvGrpSpPr>
+        <p:cNvPr id="1" name=""/>
+        <p:cNvGrpSpPr/>
+        <p:nvPr/>
+      </p:nvGrpSpPr>
+      <p:grpSpPr>
+        <a:xfrm>
+          <a:off x="0" y="0"/>
+          <a:ext cx="0" cy="0"/>
+          <a:chOff x="0" y="0"/>
+          <a:chExt cx="0" cy="0"/>
+        </a:xfrm>
+      </p:grpSpPr>
+      <p:sp>
+        <p:nvSpPr>
+          <p:cNvPr id="8" name="Rectangle 7"/>
+          <p:cNvSpPr/>
+          <p:nvPr/>
+        </p:nvSpPr>
+        <p:spPr>
+          <a:xfrm>
+            <a:off x="0" y="4953000"/>
+            <a:ext cx="12188825" cy="1905000"/>
+          </a:xfrm>
+          <a:prstGeom prst="rect">
+            <a:avLst/>
+          </a:prstGeom>
+          <a:solidFill>
+            <a:schemeClr val="accent2"/>
+          </a:solidFill>
+          <a:ln>
+            <a:noFill/>
+          </a:ln>
+        </p:spPr>
+        <p:style>
+          <a:lnRef idx="2">
+            <a:schemeClr val="accent1">
+              <a:shade val="50000"/>
+            </a:schemeClr>
+          </a:lnRef>
+          <a:fillRef idx="1">
+            <a:schemeClr val="accent1"/>
+          </a:fillRef>
+          <a:effectRef idx="0">
+            <a:schemeClr val="accent1"/>
+          </a:effectRef>
+          <a:fontRef idx="minor">
+            <a:schemeClr val="lt1"/>
+          </a:fontRef>
+        </p:style>
+      </p:sp>
+      <p:sp>
+        <p:nvSpPr>
+          <p:cNvPr id="9" name="Rectangle 8"/>
+          <p:cNvSpPr/>
+          <p:nvPr/>
+        </p:nvSpPr>
+        <p:spPr>
+          <a:xfrm>
+            <a:off x="15" y="4915076"/>
+            <a:ext cx="12188825" cy="64008"/>
+          </a:xfrm>
+          <a:prstGeom prst="rect">
+            <a:avLst/>
+          </a:prstGeom>
+          <a:solidFill>
+            <a:schemeClr val="accent1"/>
+          </a:solidFill>
+          <a:ln>
+            <a:noFill/>
+          </a:ln>
+        </p:spPr>
+        <p:style>
+          <a:lnRef idx="2">
+            <a:schemeClr val="accent1">
+              <a:shade val="50000"/>
+            </a:schemeClr>
+          </a:lnRef>
+          <a:fillRef idx="1">
+            <a:schemeClr val="accent1"/>
+          </a:fillRef>
+          <a:effectRef idx="0">
+            <a:schemeClr val="accent1"/>
+          </a:effectRef>
+          <a:fontRef idx="minor">
+            <a:schemeClr val="lt1"/>
+          </a:fontRef>
+        </p:style>
+      </p:sp>
+      <p:sp>
+        <p:nvSpPr>
+          <p:cNvPr id="2" name="Title 1"/>
+          <p:cNvSpPr>
+            <a:spLocks noGrp="1"/>
+          </p:cNvSpPr>
+          <p:nvPr>
+            <p:ph type="title"/>
+          </p:nvPr>
+        </p:nvSpPr>
+        <p:spPr>
+          <a:xfrm>
+            <a:off x="1097280" y="5074920"/>
+            <a:ext cx="10113264" cy="822960"/>
+          </a:xfrm>
+        </p:spPr>
+        <p:txBody>
+          <a:bodyPr lIns="91440" tIns="0" rIns="91440" bIns="0" anchor="b">
+            <a:noAutofit/>
+          </a:bodyPr>
+          <a:lstStyle>
+            <a:lvl1pPr>
+              <a:defRPr sz="3600" b="0">
+                <a:solidFill>
+                  <a:srgbClr val="FFFFFF"/>
+                </a:solidFill>
+              </a:defRPr>
+            </a:lvl1pPr>
+          </a:lstStyle>
+          <a:p>
+            <a:r>
+              <a:rPr lang="pt-BR" smtClean="0"/>
+              <a:t>Clique para editar o título mestre</a:t>
+            </a:r>
+            <a:endParaRPr lang="en-US" dirty="0"/>
+          </a:p>
+        </p:txBody>
+      </p:sp>
+      <p:sp>
+        <p:nvSpPr>
+          <p:cNvPr id="3" name="Picture Placeholder 2"/>
+          <p:cNvSpPr>
+            <a:spLocks noGrp="1" noChangeAspect="1"/>
+          </p:cNvSpPr>
+          <p:nvPr>
+            <p:ph type="pic" idx="1"/>
+          </p:nvPr>
+        </p:nvSpPr>
+        <p:spPr>
+          <a:xfrm>
+            <a:off x="15" y="0"/>
+            <a:ext cx="12191985" cy="4915076"/>
+          </a:xfrm>
+          <a:blipFill>
+            <a:blip r:embed="rId2"/>
+            <a:stretch>
+              <a:fillRect/>
+            </a:stretch>
+          </a:blipFill>
+        </p:spPr>
+        <p:txBody>
+          <a:bodyPr lIns="457200" tIns="457200" anchor="t"/>
+          <a:lstStyle>
+            <a:lvl1pPr marL="0" indent="0">
+              <a:buNone/>
+              <a:defRPr sz="3200">
+                <a:solidFill>
+                  <a:schemeClr val="bg1"/>
+                </a:solidFill>
+              </a:defRPr>
+            </a:lvl1pPr>
+            <a:lvl2pPr marL="457200" indent="0">
+              <a:buNone/>
+              <a:defRPr sz="2800"/>
+            </a:lvl2pPr>
+            <a:lvl3pPr marL="914400" indent="0">
+              <a:buNone/>
+              <a:defRPr sz="2400"/>
+            </a:lvl3pPr>
+            <a:lvl4pPr marL="1371600" indent="0">
+              <a:buNone/>
+              <a:defRPr sz="2000"/>
+            </a:lvl4pPr>
+            <a:lvl5pPr marL="1828800" indent="0">
+              <a:buNone/>
+              <a:defRPr sz="2000"/>
+            </a:lvl5pPr>
+            <a:lvl6pPr marL="2286000" indent="0">
+              <a:buNone/>
+              <a:defRPr sz="2000"/>
+            </a:lvl6pPr>
+            <a:lvl7pPr marL="2743200" indent="0">
+              <a:buNone/>
+              <a:defRPr sz="2000"/>
+            </a:lvl7pPr>
+            <a:lvl8pPr marL="3200400" indent="0">
+              <a:buNone/>
+              <a:defRPr sz="2000"/>
+            </a:lvl8pPr>
+            <a:lvl9pPr marL="3657600" indent="0">
+              <a:buNone/>
+              <a:defRPr sz="2000"/>
+            </a:lvl9pPr>
+          </a:lstStyle>
+          <a:p>
+            <a:r>
+              <a:rPr lang="pt-BR" smtClean="0"/>
+              <a:t>Clique no ícone para adicionar uma imagem</a:t>
+            </a:r>
+            <a:endParaRPr lang="en-US" dirty="0"/>
+          </a:p>
+        </p:txBody>
+      </p:sp>
+      <p:sp>
+        <p:nvSpPr>
+          <p:cNvPr id="4" name="Text Placeholder 3"/>
+          <p:cNvSpPr>
+            <a:spLocks noGrp="1"/>
+          </p:cNvSpPr>
+          <p:nvPr>
+            <p:ph type="body" sz="half" idx="2"/>
+          </p:nvPr>
+        </p:nvSpPr>
+        <p:spPr>
+          <a:xfrm>
+            <a:off x="1097280" y="5907023"/>
+            <a:ext cx="10113264" cy="594360"/>
+          </a:xfrm>
+        </p:spPr>
+        <p:txBody>
+          <a:bodyPr lIns="91440" tIns="0" rIns="91440" bIns="0">
+            <a:normAutofit/>
+          </a:bodyPr>
+          <a:lstStyle>
+            <a:lvl1pPr marL="0" indent="0">
+              <a:spcBef>
+                <a:spcPts val="0"/>
+              </a:spcBef>
+              <a:spcAft>
+                <a:spcPts val="600"/>
+              </a:spcAft>
+              <a:buNone/>
+              <a:defRPr sz="1500">
+                <a:solidFill>
+                  <a:srgbClr val="FFFFFF"/>
+                </a:solidFill>
+              </a:defRPr>
+            </a:lvl1pPr>
+            <a:lvl2pPr marL="457200" indent="0">
+              <a:buNone/>
+              <a:defRPr sz="1200"/>
+            </a:lvl2pPr>
+            <a:lvl3pPr marL="914400" indent="0">
+              <a:buNone/>
+              <a:defRPr sz="1000"/>
+            </a:lvl3pPr>
+            <a:lvl4pPr marL="1371600" indent="0">
+              <a:buNone/>
+              <a:defRPr sz="900"/>
+            </a:lvl4pPr>
+            <a:lvl5pPr marL="1828800" indent="0">
+              <a:buNone/>
+              <a:defRPr sz="900"/>
+            </a:lvl5pPr>
+            <a:lvl6pPr marL="2286000" indent="0">
+              <a:buNone/>
+              <a:defRPr sz="900"/>
+            </a:lvl6pPr>
+            <a:lvl7pPr marL="2743200" indent="0">
+              <a:buNone/>
+              <a:defRPr sz="900"/>
+            </a:lvl7pPr>
+            <a:lvl8pPr marL="3200400" indent="0">
+              <a:buNone/>
+              <a:defRPr sz="900"/>
+            </a:lvl8pPr>
+            <a:lvl9pPr marL="3657600" indent="0">
+              <a:buNone/>
+              <a:defRPr sz="900"/>
+            </a:lvl9pPr>
+          </a:lstStyle>
+          <a:p>
+            <a:pPr lvl="0"/>
+            <a:r>
+              <a:rPr lang="pt-BR" smtClean="0"/>
+              <a:t>Clique para editar o texto mestre</a:t>
+            </a:r>
+          </a:p>
+        </p:txBody>
+      </p:sp>
+      <p:sp>
+        <p:nvSpPr>
+          <p:cNvPr id="5" name="Date Placeholder 4"/>
+          <p:cNvSpPr>
+            <a:spLocks noGrp="1"/>
+          </p:cNvSpPr>
+          <p:nvPr>
+            <p:ph type="dt" sz="half" idx="10"/>
+          </p:nvPr>
+        </p:nvSpPr>
+        <p:spPr/>
+        <p:txBody>
+          <a:bodyPr/>
+          <a:lstStyle/>
+          <a:p>
+            <a:fld id="{1AAF2263-F9CA-460F-9828-4E79DFE3F165}" type="datetimeFigureOut">
+              <a:rPr lang="pt-BR" smtClean="0"/>
+              <a:pPr/>
+              <a:t>08/07/2019</a:t>
+            </a:fld>
+            <a:endParaRPr lang="pt-BR"/>
+          </a:p>
+        </p:txBody>
+      </p:sp>
+      <p:sp>
+        <p:nvSpPr>
+          <p:cNvPr id="6" name="Footer Placeholder 5"/>
+          <p:cNvSpPr>
+            <a:spLocks noGrp="1"/>
+          </p:cNvSpPr>
+          <p:nvPr>
+            <p:ph type="ftr" sz="quarter" idx="11"/>
+          </p:nvPr>
+        </p:nvSpPr>
+        <p:spPr/>
+        <p:txBody>
+          <a:bodyPr/>
+          <a:lstStyle/>
+          <a:p>
+            <a:endParaRPr lang="pt-BR"/>
+          </a:p>
+        </p:txBody>
+      </p:sp>
+      <p:sp>
+        <p:nvSpPr>
+          <p:cNvPr id="7" name="Slide Number Placeholder 6"/>
+          <p:cNvSpPr>
+            <a:spLocks noGrp="1"/>
+          </p:cNvSpPr>
+          <p:nvPr>
+            <p:ph type="sldNum" sz="quarter" idx="12"/>
+          </p:nvPr>
+        </p:nvSpPr>
+        <p:spPr/>
+        <p:txBody>
+          <a:bodyPr/>
+          <a:lstStyle/>
+          <a:p>
+            <a:fld id="{FAD15547-99B3-4101-AECC-00E7F2964613}" type="slidenum">
+              <a:rPr lang="pt-BR" smtClean="0"/>
+              <a:pPr/>
+              <a:t>‹nº›</a:t>
+            </a:fld>
+            <a:endParaRPr lang="pt-BR"/>
+          </a:p>
+        </p:txBody>
+      </p:sp>
+    </p:spTree>
+    <p:extLst>
+      <p:ext uri="{BB962C8B-B14F-4D97-AF65-F5344CB8AC3E}">
+        <p14:creationId xmlns:p14="http://schemas.microsoft.com/office/powerpoint/2010/main" val="1336110355"/>
+      </p:ext>
+    </p:extLst>
+  </p:cSld>
+  <p:clrMapOvr>
+    <a:masterClrMapping/>
+  </p:clrMapOvr>
+</p:sldLayout>
+</file>
+
+<file path=ppt/slideLayouts/slideLayout21.xml><?xml version="1.0" encoding="utf-8"?>
+<p:sldLayout xmlns:a="http://schemas.openxmlformats.org/drawingml/2006/main" xmlns:r="http://schemas.openxmlformats.org/officeDocument/2006/relationships" xmlns:p="http://schemas.openxmlformats.org/presentationml/2006/main" type="vertTx" preserve="1">
+  <p:cSld name="Título e texto vertical">
+    <p:spTree>
+      <p:nvGrpSpPr>
+        <p:cNvPr id="1" name=""/>
+        <p:cNvGrpSpPr/>
+        <p:nvPr/>
+      </p:nvGrpSpPr>
+      <p:grpSpPr>
+        <a:xfrm>
+          <a:off x="0" y="0"/>
+          <a:ext cx="0" cy="0"/>
+          <a:chOff x="0" y="0"/>
+          <a:chExt cx="0" cy="0"/>
+        </a:xfrm>
+      </p:grpSpPr>
+      <p:sp>
+        <p:nvSpPr>
+          <p:cNvPr id="2" name="Title 1"/>
+          <p:cNvSpPr>
+            <a:spLocks noGrp="1"/>
+          </p:cNvSpPr>
+          <p:nvPr>
+            <p:ph type="title"/>
+          </p:nvPr>
+        </p:nvSpPr>
+        <p:spPr/>
+        <p:txBody>
+          <a:bodyPr/>
+          <a:lstStyle/>
+          <a:p>
+            <a:r>
+              <a:rPr lang="pt-BR" smtClean="0"/>
+              <a:t>Clique para editar o título mestre</a:t>
+            </a:r>
+            <a:endParaRPr lang="en-US" dirty="0"/>
+          </a:p>
+        </p:txBody>
+      </p:sp>
+      <p:sp>
+        <p:nvSpPr>
+          <p:cNvPr id="3" name="Vertical Text Placeholder 2"/>
+          <p:cNvSpPr>
+            <a:spLocks noGrp="1"/>
+          </p:cNvSpPr>
+          <p:nvPr>
+            <p:ph type="body" orient="vert" idx="1"/>
+          </p:nvPr>
+        </p:nvSpPr>
+        <p:spPr/>
+        <p:txBody>
+          <a:bodyPr vert="eaVert" lIns="45720" tIns="0" rIns="45720" bIns="0"/>
+          <a:lstStyle/>
+          <a:p>
+            <a:pPr lvl="0"/>
+            <a:r>
+              <a:rPr lang="pt-BR" smtClean="0"/>
+              <a:t>Clique para editar o texto mestre</a:t>
+            </a:r>
+          </a:p>
+          <a:p>
+            <a:pPr lvl="1"/>
+            <a:r>
+              <a:rPr lang="pt-BR" smtClean="0"/>
+              <a:t>Segundo nível</a:t>
+            </a:r>
+          </a:p>
+          <a:p>
+            <a:pPr lvl="2"/>
+            <a:r>
+              <a:rPr lang="pt-BR" smtClean="0"/>
+              <a:t>Terceiro nível</a:t>
+            </a:r>
+          </a:p>
+          <a:p>
+            <a:pPr lvl="3"/>
+            <a:r>
+              <a:rPr lang="pt-BR" smtClean="0"/>
+              <a:t>Quarto nível</a:t>
+            </a:r>
+          </a:p>
+          <a:p>
+            <a:pPr lvl="4"/>
+            <a:r>
+              <a:rPr lang="pt-BR" smtClean="0"/>
+              <a:t>Quinto nível</a:t>
+            </a:r>
+            <a:endParaRPr lang="en-US" dirty="0"/>
+          </a:p>
+        </p:txBody>
+      </p:sp>
+      <p:sp>
+        <p:nvSpPr>
+          <p:cNvPr id="4" name="Date Placeholder 3"/>
+          <p:cNvSpPr>
+            <a:spLocks noGrp="1"/>
+          </p:cNvSpPr>
+          <p:nvPr>
+            <p:ph type="dt" sz="half" idx="10"/>
+          </p:nvPr>
+        </p:nvSpPr>
+        <p:spPr/>
+        <p:txBody>
+          <a:bodyPr/>
+          <a:lstStyle/>
+          <a:p>
+            <a:fld id="{1AAF2263-F9CA-460F-9828-4E79DFE3F165}" type="datetimeFigureOut">
+              <a:rPr lang="pt-BR" smtClean="0"/>
+              <a:pPr/>
+              <a:t>08/07/2019</a:t>
+            </a:fld>
+            <a:endParaRPr lang="pt-BR"/>
+          </a:p>
+        </p:txBody>
+      </p:sp>
+      <p:sp>
+        <p:nvSpPr>
+          <p:cNvPr id="5" name="Footer Placeholder 4"/>
+          <p:cNvSpPr>
+            <a:spLocks noGrp="1"/>
+          </p:cNvSpPr>
+          <p:nvPr>
+            <p:ph type="ftr" sz="quarter" idx="11"/>
+          </p:nvPr>
+        </p:nvSpPr>
+        <p:spPr/>
+        <p:txBody>
+          <a:bodyPr/>
+          <a:lstStyle/>
+          <a:p>
+            <a:endParaRPr lang="pt-BR"/>
+          </a:p>
+        </p:txBody>
+      </p:sp>
+      <p:sp>
+        <p:nvSpPr>
+          <p:cNvPr id="6" name="Slide Number Placeholder 5"/>
+          <p:cNvSpPr>
+            <a:spLocks noGrp="1"/>
+          </p:cNvSpPr>
+          <p:nvPr>
+            <p:ph type="sldNum" sz="quarter" idx="12"/>
+          </p:nvPr>
+        </p:nvSpPr>
+        <p:spPr/>
+        <p:txBody>
+          <a:bodyPr/>
+          <a:lstStyle/>
+          <a:p>
+            <a:fld id="{FAD15547-99B3-4101-AECC-00E7F2964613}" type="slidenum">
+              <a:rPr lang="pt-BR" smtClean="0"/>
+              <a:pPr/>
+              <a:t>‹nº›</a:t>
+            </a:fld>
+            <a:endParaRPr lang="pt-BR"/>
+          </a:p>
+        </p:txBody>
+      </p:sp>
+    </p:spTree>
+    <p:extLst>
+      <p:ext uri="{BB962C8B-B14F-4D97-AF65-F5344CB8AC3E}">
+        <p14:creationId xmlns:p14="http://schemas.microsoft.com/office/powerpoint/2010/main" val="3841596412"/>
+      </p:ext>
+    </p:extLst>
+  </p:cSld>
+  <p:clrMapOvr>
+    <a:masterClrMapping/>
+  </p:clrMapOvr>
+</p:sldLayout>
+</file>
+
+<file path=ppt/slideLayouts/slideLayout22.xml><?xml version="1.0" encoding="utf-8"?>
+<p:sldLayout xmlns:a="http://schemas.openxmlformats.org/drawingml/2006/main" xmlns:r="http://schemas.openxmlformats.org/officeDocument/2006/relationships" xmlns:p="http://schemas.openxmlformats.org/presentationml/2006/main" showMasterSp="0" type="vertTitleAndTx" preserve="1">
+  <p:cSld name="Título e texto verticais">
+    <p:spTree>
+      <p:nvGrpSpPr>
+        <p:cNvPr id="1" name=""/>
+        <p:cNvGrpSpPr/>
+        <p:nvPr/>
+      </p:nvGrpSpPr>
+      <p:grpSpPr>
+        <a:xfrm>
+          <a:off x="0" y="0"/>
+          <a:ext cx="0" cy="0"/>
+          <a:chOff x="0" y="0"/>
+          <a:chExt cx="0" cy="0"/>
+        </a:xfrm>
+      </p:grpSpPr>
+      <p:sp>
+        <p:nvSpPr>
+          <p:cNvPr id="7" name="Rectangle 6"/>
+          <p:cNvSpPr/>
+          <p:nvPr/>
+        </p:nvSpPr>
+        <p:spPr>
+          <a:xfrm>
+            <a:off x="3175" y="6400800"/>
+            <a:ext cx="12188825" cy="457200"/>
+          </a:xfrm>
+          <a:prstGeom prst="rect">
+            <a:avLst/>
+          </a:prstGeom>
+          <a:solidFill>
+            <a:schemeClr val="accent2"/>
+          </a:solidFill>
+          <a:ln>
+            <a:noFill/>
+          </a:ln>
+        </p:spPr>
+        <p:style>
+          <a:lnRef idx="2">
+            <a:schemeClr val="accent1">
+              <a:shade val="50000"/>
+            </a:schemeClr>
+          </a:lnRef>
+          <a:fillRef idx="1">
+            <a:schemeClr val="accent1"/>
+          </a:fillRef>
+          <a:effectRef idx="0">
+            <a:schemeClr val="accent1"/>
+          </a:effectRef>
+          <a:fontRef idx="minor">
+            <a:schemeClr val="lt1"/>
+          </a:fontRef>
+        </p:style>
+      </p:sp>
+      <p:sp>
+        <p:nvSpPr>
+          <p:cNvPr id="8" name="Rectangle 7"/>
+          <p:cNvSpPr/>
+          <p:nvPr/>
+        </p:nvSpPr>
+        <p:spPr>
+          <a:xfrm>
+            <a:off x="15" y="6334316"/>
+            <a:ext cx="12188825" cy="64008"/>
+          </a:xfrm>
+          <a:prstGeom prst="rect">
+            <a:avLst/>
+          </a:prstGeom>
+          <a:solidFill>
+            <a:schemeClr val="accent1"/>
+          </a:solidFill>
+          <a:ln>
+            <a:noFill/>
+          </a:ln>
+        </p:spPr>
+        <p:style>
+          <a:lnRef idx="2">
+            <a:schemeClr val="accent1">
+              <a:shade val="50000"/>
+            </a:schemeClr>
+          </a:lnRef>
+          <a:fillRef idx="1">
+            <a:schemeClr val="accent1"/>
+          </a:fillRef>
+          <a:effectRef idx="0">
+            <a:schemeClr val="accent1"/>
+          </a:effectRef>
+          <a:fontRef idx="minor">
+            <a:schemeClr val="lt1"/>
+          </a:fontRef>
+        </p:style>
+      </p:sp>
+      <p:sp>
+        <p:nvSpPr>
+          <p:cNvPr id="2" name="Vertical Title 1"/>
+          <p:cNvSpPr>
+            <a:spLocks noGrp="1"/>
+          </p:cNvSpPr>
+          <p:nvPr>
+            <p:ph type="title" orient="vert"/>
+          </p:nvPr>
+        </p:nvSpPr>
+        <p:spPr>
+          <a:xfrm>
+            <a:off x="8724900" y="414778"/>
+            <a:ext cx="2628900" cy="5757421"/>
+          </a:xfrm>
+        </p:spPr>
+        <p:txBody>
+          <a:bodyPr vert="eaVert"/>
+          <a:lstStyle/>
+          <a:p>
+            <a:r>
+              <a:rPr lang="pt-BR" smtClean="0"/>
+              <a:t>Clique para editar o título mestre</a:t>
+            </a:r>
+            <a:endParaRPr lang="en-US" dirty="0"/>
+          </a:p>
+        </p:txBody>
+      </p:sp>
+      <p:sp>
+        <p:nvSpPr>
+          <p:cNvPr id="3" name="Vertical Text Placeholder 2"/>
+          <p:cNvSpPr>
+            <a:spLocks noGrp="1"/>
+          </p:cNvSpPr>
+          <p:nvPr>
+            <p:ph type="body" orient="vert" idx="1"/>
+          </p:nvPr>
+        </p:nvSpPr>
+        <p:spPr>
+          <a:xfrm>
+            <a:off x="838200" y="414778"/>
+            <a:ext cx="7734300" cy="5757422"/>
+          </a:xfrm>
+        </p:spPr>
+        <p:txBody>
+          <a:bodyPr vert="eaVert" lIns="45720" tIns="0" rIns="45720" bIns="0"/>
+          <a:lstStyle/>
+          <a:p>
+            <a:pPr lvl="0"/>
+            <a:r>
+              <a:rPr lang="pt-BR" smtClean="0"/>
+              <a:t>Clique para editar o texto mestre</a:t>
+            </a:r>
+          </a:p>
+          <a:p>
+            <a:pPr lvl="1"/>
+            <a:r>
+              <a:rPr lang="pt-BR" smtClean="0"/>
+              <a:t>Segundo nível</a:t>
+            </a:r>
+          </a:p>
+          <a:p>
+            <a:pPr lvl="2"/>
+            <a:r>
+              <a:rPr lang="pt-BR" smtClean="0"/>
+              <a:t>Terceiro nível</a:t>
+            </a:r>
+          </a:p>
+          <a:p>
+            <a:pPr lvl="3"/>
+            <a:r>
+              <a:rPr lang="pt-BR" smtClean="0"/>
+              <a:t>Quarto nível</a:t>
+            </a:r>
+          </a:p>
+          <a:p>
+            <a:pPr lvl="4"/>
+            <a:r>
+              <a:rPr lang="pt-BR" smtClean="0"/>
+              <a:t>Quinto nível</a:t>
+            </a:r>
+            <a:endParaRPr lang="en-US" dirty="0"/>
+          </a:p>
+        </p:txBody>
+      </p:sp>
+      <p:sp>
+        <p:nvSpPr>
+          <p:cNvPr id="4" name="Date Placeholder 3"/>
+          <p:cNvSpPr>
+            <a:spLocks noGrp="1"/>
+          </p:cNvSpPr>
+          <p:nvPr>
+            <p:ph type="dt" sz="half" idx="10"/>
+          </p:nvPr>
+        </p:nvSpPr>
+        <p:spPr/>
+        <p:txBody>
+          <a:bodyPr/>
+          <a:lstStyle/>
+          <a:p>
+            <a:fld id="{1AAF2263-F9CA-460F-9828-4E79DFE3F165}" type="datetimeFigureOut">
+              <a:rPr lang="pt-BR" smtClean="0"/>
+              <a:pPr/>
+              <a:t>08/07/2019</a:t>
+            </a:fld>
+            <a:endParaRPr lang="pt-BR"/>
+          </a:p>
+        </p:txBody>
+      </p:sp>
+      <p:sp>
+        <p:nvSpPr>
+          <p:cNvPr id="5" name="Footer Placeholder 4"/>
+          <p:cNvSpPr>
+            <a:spLocks noGrp="1"/>
+          </p:cNvSpPr>
+          <p:nvPr>
+            <p:ph type="ftr" sz="quarter" idx="11"/>
+          </p:nvPr>
+        </p:nvSpPr>
+        <p:spPr/>
+        <p:txBody>
+          <a:bodyPr/>
+          <a:lstStyle/>
+          <a:p>
+            <a:endParaRPr lang="pt-BR"/>
+          </a:p>
+        </p:txBody>
+      </p:sp>
+      <p:sp>
+        <p:nvSpPr>
+          <p:cNvPr id="6" name="Slide Number Placeholder 5"/>
+          <p:cNvSpPr>
+            <a:spLocks noGrp="1"/>
+          </p:cNvSpPr>
+          <p:nvPr>
+            <p:ph type="sldNum" sz="quarter" idx="12"/>
+          </p:nvPr>
+        </p:nvSpPr>
+        <p:spPr/>
+        <p:txBody>
+          <a:bodyPr/>
+          <a:lstStyle/>
+          <a:p>
+            <a:fld id="{FAD15547-99B3-4101-AECC-00E7F2964613}" type="slidenum">
+              <a:rPr lang="pt-BR" smtClean="0"/>
+              <a:pPr/>
+              <a:t>‹nº›</a:t>
+            </a:fld>
+            <a:endParaRPr lang="pt-BR"/>
+          </a:p>
+        </p:txBody>
+      </p:sp>
+    </p:spTree>
+    <p:extLst>
+      <p:ext uri="{BB962C8B-B14F-4D97-AF65-F5344CB8AC3E}">
+        <p14:creationId xmlns:p14="http://schemas.microsoft.com/office/powerpoint/2010/main" val="4066096538"/>
       </p:ext>
     </p:extLst>
   </p:cSld>
@@ -850,7 +3858,7 @@
       </p:grpSpPr>
       <p:sp>
         <p:nvSpPr>
-          <p:cNvPr id="2" name="Título 1"/>
+          <p:cNvPr id="2" name="Title 1"/>
           <p:cNvSpPr>
             <a:spLocks noGrp="1"/>
           </p:cNvSpPr>
@@ -860,28 +3868,31 @@
         </p:nvSpPr>
         <p:spPr>
           <a:xfrm>
-            <a:off x="831850" y="1709738"/>
-            <a:ext cx="10515600" cy="2852737"/>
-          </a:xfrm>
-        </p:spPr>
-        <p:txBody>
-          <a:bodyPr anchor="b"/>
+            <a:off x="831850" y="1712423"/>
+            <a:ext cx="10515600" cy="2851208"/>
+          </a:xfrm>
+        </p:spPr>
+        <p:txBody>
+          <a:bodyPr anchor="b">
+            <a:normAutofit/>
+          </a:bodyPr>
           <a:lstStyle>
             <a:lvl1pPr>
-              <a:defRPr sz="6000"/>
+              <a:defRPr sz="6000" b="0"/>
             </a:lvl1pPr>
           </a:lstStyle>
           <a:p>
             <a:r>
-              <a:rPr lang="pt-BR"/>
+              <a:rPr lang="pt-BR" smtClean="0"/>
               <a:t>Clique para editar o título mestre</a:t>
             </a:r>
-          </a:p>
-        </p:txBody>
-      </p:sp>
-      <p:sp>
-        <p:nvSpPr>
-          <p:cNvPr id="3" name="Espaço Reservado para Texto 2"/>
+            <a:endParaRPr lang="en-US" dirty="0"/>
+          </a:p>
+        </p:txBody>
+      </p:sp>
+      <p:sp>
+        <p:nvSpPr>
+          <p:cNvPr id="3" name="Text Placeholder 2"/>
           <p:cNvSpPr>
             <a:spLocks noGrp="1"/>
           </p:cNvSpPr>
@@ -891,26 +3902,29 @@
         </p:nvSpPr>
         <p:spPr>
           <a:xfrm>
-            <a:off x="831850" y="4589463"/>
+            <a:off x="831850" y="4552633"/>
             <a:ext cx="10515600" cy="1500187"/>
           </a:xfrm>
         </p:spPr>
         <p:txBody>
-          <a:bodyPr/>
+          <a:bodyPr anchor="t">
+            <a:normAutofit/>
+          </a:bodyPr>
           <a:lstStyle>
             <a:lvl1pPr marL="0" indent="0">
               <a:buNone/>
               <a:defRPr sz="2400">
                 <a:solidFill>
                   <a:schemeClr val="tx1">
-                    <a:tint val="75000"/>
+                    <a:lumMod val="75000"/>
+                    <a:lumOff val="25000"/>
                   </a:schemeClr>
                 </a:solidFill>
               </a:defRPr>
             </a:lvl1pPr>
             <a:lvl2pPr marL="457200" indent="0">
               <a:buNone/>
-              <a:defRPr sz="2000">
+              <a:defRPr sz="1800">
                 <a:solidFill>
                   <a:schemeClr val="tx1">
                     <a:tint val="75000"/>
@@ -920,7 +3934,7 @@
             </a:lvl2pPr>
             <a:lvl3pPr marL="914400" indent="0">
               <a:buNone/>
-              <a:defRPr sz="1800">
+              <a:defRPr sz="1600">
                 <a:solidFill>
                   <a:schemeClr val="tx1">
                     <a:tint val="75000"/>
@@ -930,7 +3944,7 @@
             </a:lvl3pPr>
             <a:lvl4pPr marL="1371600" indent="0">
               <a:buNone/>
-              <a:defRPr sz="1600">
+              <a:defRPr sz="1400">
                 <a:solidFill>
                   <a:schemeClr val="tx1">
                     <a:tint val="75000"/>
@@ -940,7 +3954,7 @@
             </a:lvl4pPr>
             <a:lvl5pPr marL="1828800" indent="0">
               <a:buNone/>
-              <a:defRPr sz="1600">
+              <a:defRPr sz="1400">
                 <a:solidFill>
                   <a:schemeClr val="tx1">
                     <a:tint val="75000"/>
@@ -950,7 +3964,7 @@
             </a:lvl5pPr>
             <a:lvl6pPr marL="2286000" indent="0">
               <a:buNone/>
-              <a:defRPr sz="1600">
+              <a:defRPr sz="1400">
                 <a:solidFill>
                   <a:schemeClr val="tx1">
                     <a:tint val="75000"/>
@@ -960,7 +3974,7 @@
             </a:lvl6pPr>
             <a:lvl7pPr marL="2743200" indent="0">
               <a:buNone/>
-              <a:defRPr sz="1600">
+              <a:defRPr sz="1400">
                 <a:solidFill>
                   <a:schemeClr val="tx1">
                     <a:tint val="75000"/>
@@ -970,7 +3984,7 @@
             </a:lvl7pPr>
             <a:lvl8pPr marL="3200400" indent="0">
               <a:buNone/>
-              <a:defRPr sz="1600">
+              <a:defRPr sz="1400">
                 <a:solidFill>
                   <a:schemeClr val="tx1">
                     <a:tint val="75000"/>
@@ -980,7 +3994,7 @@
             </a:lvl8pPr>
             <a:lvl9pPr marL="3657600" indent="0">
               <a:buNone/>
-              <a:defRPr sz="1600">
+              <a:defRPr sz="1400">
                 <a:solidFill>
                   <a:schemeClr val="tx1">
                     <a:tint val="75000"/>
@@ -992,15 +4006,15 @@
           <a:p>
             <a:pPr lvl="0"/>
             <a:r>
-              <a:rPr lang="pt-BR"/>
-              <a:t>Editar estilos de texto Mestre</a:t>
-            </a:r>
-          </a:p>
-        </p:txBody>
-      </p:sp>
-      <p:sp>
-        <p:nvSpPr>
-          <p:cNvPr id="4" name="Espaço Reservado para Data 3"/>
+              <a:rPr lang="pt-BR" smtClean="0"/>
+              <a:t>Clique para editar o texto mestre</a:t>
+            </a:r>
+          </a:p>
+        </p:txBody>
+      </p:sp>
+      <p:sp>
+        <p:nvSpPr>
+          <p:cNvPr id="4" name="Date Placeholder 3"/>
           <p:cNvSpPr>
             <a:spLocks noGrp="1"/>
           </p:cNvSpPr>
@@ -1015,7 +4029,8 @@
           <a:p>
             <a:fld id="{1AAF2263-F9CA-460F-9828-4E79DFE3F165}" type="datetimeFigureOut">
               <a:rPr lang="pt-BR" smtClean="0"/>
-              <a:t>08/03/2017</a:t>
+              <a:pPr/>
+              <a:t>08/07/2019</a:t>
             </a:fld>
             <a:endParaRPr lang="pt-BR"/>
           </a:p>
@@ -1023,7 +4038,7 @@
       </p:sp>
       <p:sp>
         <p:nvSpPr>
-          <p:cNvPr id="5" name="Espaço Reservado para Rodapé 4"/>
+          <p:cNvPr id="5" name="Footer Placeholder 4"/>
           <p:cNvSpPr>
             <a:spLocks noGrp="1"/>
           </p:cNvSpPr>
@@ -1042,7 +4057,7 @@
       </p:sp>
       <p:sp>
         <p:nvSpPr>
-          <p:cNvPr id="6" name="Espaço Reservado para Número de Slide 5"/>
+          <p:cNvPr id="6" name="Slide Number Placeholder 5"/>
           <p:cNvSpPr>
             <a:spLocks noGrp="1"/>
           </p:cNvSpPr>
@@ -1057,6 +4072,7 @@
           <a:p>
             <a:fld id="{FAD15547-99B3-4101-AECC-00E7F2964613}" type="slidenum">
               <a:rPr lang="pt-BR" smtClean="0"/>
+              <a:pPr/>
               <a:t>‹nº›</a:t>
             </a:fld>
             <a:endParaRPr lang="pt-BR"/>
@@ -1066,7 +4082,7 @@
     </p:spTree>
     <p:extLst>
       <p:ext uri="{BB962C8B-B14F-4D97-AF65-F5344CB8AC3E}">
-        <p14:creationId xmlns:p14="http://schemas.microsoft.com/office/powerpoint/2010/main" val="3932835193"/>
+        <p14:creationId xmlns:p14="http://schemas.microsoft.com/office/powerpoint/2010/main" val="3715011741"/>
       </p:ext>
     </p:extLst>
   </p:cSld>
@@ -1095,7 +4111,7 @@
       </p:grpSpPr>
       <p:sp>
         <p:nvSpPr>
-          <p:cNvPr id="2" name="Título 1"/>
+          <p:cNvPr id="2" name="Title 1"/>
           <p:cNvSpPr>
             <a:spLocks noGrp="1"/>
           </p:cNvSpPr>
@@ -1109,15 +4125,16 @@
           <a:lstStyle/>
           <a:p>
             <a:r>
-              <a:rPr lang="pt-BR"/>
+              <a:rPr lang="pt-BR" smtClean="0"/>
               <a:t>Clique para editar o título mestre</a:t>
             </a:r>
-          </a:p>
-        </p:txBody>
-      </p:sp>
-      <p:sp>
-        <p:nvSpPr>
-          <p:cNvPr id="3" name="Espaço Reservado para Conteúdo 2"/>
+            <a:endParaRPr lang="en-US" dirty="0"/>
+          </a:p>
+        </p:txBody>
+      </p:sp>
+      <p:sp>
+        <p:nvSpPr>
+          <p:cNvPr id="3" name="Content Placeholder 2"/>
           <p:cNvSpPr>
             <a:spLocks noGrp="1"/>
           </p:cNvSpPr>
@@ -1127,8 +4144,8 @@
         </p:nvSpPr>
         <p:spPr>
           <a:xfrm>
-            <a:off x="838200" y="1825625"/>
-            <a:ext cx="5181600" cy="4351338"/>
+            <a:off x="845127" y="1828800"/>
+            <a:ext cx="5181600" cy="4351337"/>
           </a:xfrm>
         </p:spPr>
         <p:txBody>
@@ -1137,43 +4154,44 @@
           <a:p>
             <a:pPr lvl="0"/>
             <a:r>
-              <a:rPr lang="pt-BR"/>
-              <a:t>Editar estilos de texto Mestre</a:t>
+              <a:rPr lang="pt-BR" smtClean="0"/>
+              <a:t>Clique para editar o texto mestre</a:t>
             </a:r>
           </a:p>
           <a:p>
             <a:pPr lvl="1"/>
             <a:r>
-              <a:rPr lang="pt-BR"/>
+              <a:rPr lang="pt-BR" smtClean="0"/>
               <a:t>Segundo nível</a:t>
             </a:r>
           </a:p>
           <a:p>
             <a:pPr lvl="2"/>
             <a:r>
-              <a:rPr lang="pt-BR"/>
+              <a:rPr lang="pt-BR" smtClean="0"/>
               <a:t>Terceiro nível</a:t>
             </a:r>
           </a:p>
           <a:p>
             <a:pPr lvl="3"/>
             <a:r>
-              <a:rPr lang="pt-BR"/>
+              <a:rPr lang="pt-BR" smtClean="0"/>
               <a:t>Quarto nível</a:t>
             </a:r>
           </a:p>
           <a:p>
             <a:pPr lvl="4"/>
             <a:r>
-              <a:rPr lang="pt-BR"/>
+              <a:rPr lang="pt-BR" smtClean="0"/>
               <a:t>Quinto nível</a:t>
             </a:r>
-          </a:p>
-        </p:txBody>
-      </p:sp>
-      <p:sp>
-        <p:nvSpPr>
-          <p:cNvPr id="4" name="Espaço Reservado para Conteúdo 3"/>
+            <a:endParaRPr lang="en-US" dirty="0"/>
+          </a:p>
+        </p:txBody>
+      </p:sp>
+      <p:sp>
+        <p:nvSpPr>
+          <p:cNvPr id="4" name="Content Placeholder 3"/>
           <p:cNvSpPr>
             <a:spLocks noGrp="1"/>
           </p:cNvSpPr>
@@ -1183,8 +4201,8 @@
         </p:nvSpPr>
         <p:spPr>
           <a:xfrm>
-            <a:off x="6172200" y="1825625"/>
-            <a:ext cx="5181600" cy="4351338"/>
+            <a:off x="6172200" y="1828800"/>
+            <a:ext cx="5181600" cy="4351337"/>
           </a:xfrm>
         </p:spPr>
         <p:txBody>
@@ -1193,43 +4211,44 @@
           <a:p>
             <a:pPr lvl="0"/>
             <a:r>
-              <a:rPr lang="pt-BR"/>
-              <a:t>Editar estilos de texto Mestre</a:t>
+              <a:rPr lang="pt-BR" smtClean="0"/>
+              <a:t>Clique para editar o texto mestre</a:t>
             </a:r>
           </a:p>
           <a:p>
             <a:pPr lvl="1"/>
             <a:r>
-              <a:rPr lang="pt-BR"/>
+              <a:rPr lang="pt-BR" smtClean="0"/>
               <a:t>Segundo nível</a:t>
             </a:r>
           </a:p>
           <a:p>
             <a:pPr lvl="2"/>
             <a:r>
-              <a:rPr lang="pt-BR"/>
+              <a:rPr lang="pt-BR" smtClean="0"/>
               <a:t>Terceiro nível</a:t>
             </a:r>
           </a:p>
           <a:p>
             <a:pPr lvl="3"/>
             <a:r>
-              <a:rPr lang="pt-BR"/>
+              <a:rPr lang="pt-BR" smtClean="0"/>
               <a:t>Quarto nível</a:t>
             </a:r>
           </a:p>
           <a:p>
             <a:pPr lvl="4"/>
             <a:r>
-              <a:rPr lang="pt-BR"/>
+              <a:rPr lang="pt-BR" smtClean="0"/>
               <a:t>Quinto nível</a:t>
             </a:r>
-          </a:p>
-        </p:txBody>
-      </p:sp>
-      <p:sp>
-        <p:nvSpPr>
-          <p:cNvPr id="5" name="Espaço Reservado para Data 4"/>
+            <a:endParaRPr lang="en-US" dirty="0"/>
+          </a:p>
+        </p:txBody>
+      </p:sp>
+      <p:sp>
+        <p:nvSpPr>
+          <p:cNvPr id="5" name="Date Placeholder 4"/>
           <p:cNvSpPr>
             <a:spLocks noGrp="1"/>
           </p:cNvSpPr>
@@ -1244,7 +4263,8 @@
           <a:p>
             <a:fld id="{1AAF2263-F9CA-460F-9828-4E79DFE3F165}" type="datetimeFigureOut">
               <a:rPr lang="pt-BR" smtClean="0"/>
-              <a:t>08/03/2017</a:t>
+              <a:pPr/>
+              <a:t>08/07/2019</a:t>
             </a:fld>
             <a:endParaRPr lang="pt-BR"/>
           </a:p>
@@ -1252,7 +4272,7 @@
       </p:sp>
       <p:sp>
         <p:nvSpPr>
-          <p:cNvPr id="6" name="Espaço Reservado para Rodapé 5"/>
+          <p:cNvPr id="6" name="Footer Placeholder 5"/>
           <p:cNvSpPr>
             <a:spLocks noGrp="1"/>
           </p:cNvSpPr>
@@ -1271,7 +4291,7 @@
       </p:sp>
       <p:sp>
         <p:nvSpPr>
-          <p:cNvPr id="7" name="Espaço Reservado para Número de Slide 6"/>
+          <p:cNvPr id="7" name="Slide Number Placeholder 6"/>
           <p:cNvSpPr>
             <a:spLocks noGrp="1"/>
           </p:cNvSpPr>
@@ -1286,6 +4306,7 @@
           <a:p>
             <a:fld id="{FAD15547-99B3-4101-AECC-00E7F2964613}" type="slidenum">
               <a:rPr lang="pt-BR" smtClean="0"/>
+              <a:pPr/>
               <a:t>‹nº›</a:t>
             </a:fld>
             <a:endParaRPr lang="pt-BR"/>
@@ -1295,7 +4316,7 @@
     </p:spTree>
     <p:extLst>
       <p:ext uri="{BB962C8B-B14F-4D97-AF65-F5344CB8AC3E}">
-        <p14:creationId xmlns:p14="http://schemas.microsoft.com/office/powerpoint/2010/main" val="3153063459"/>
+        <p14:creationId xmlns:p14="http://schemas.microsoft.com/office/powerpoint/2010/main" val="3379123079"/>
       </p:ext>
     </p:extLst>
   </p:cSld>
@@ -1306,7 +4327,7 @@
 </file>
 
 <file path=ppt/slideLayouts/slideLayout5.xml><?xml version="1.0" encoding="utf-8"?>
-<p:sldLayout xmlns:a="http://schemas.openxmlformats.org/drawingml/2006/main" xmlns:r="http://schemas.openxmlformats.org/officeDocument/2006/relationships" xmlns:p="http://schemas.openxmlformats.org/presentationml/2006/main" type="twoTxTwoObj" preserve="1">
+<p:sldLayout xmlns:a="http://schemas.openxmlformats.org/drawingml/2006/main" xmlns:r="http://schemas.openxmlformats.org/officeDocument/2006/relationships" xmlns:p="http://schemas.openxmlformats.org/presentationml/2006/main" preserve="1">
   <p:cSld name="Comparação">
     <p:spTree>
       <p:nvGrpSpPr>
@@ -1324,34 +4345,7 @@
       </p:grpSpPr>
       <p:sp>
         <p:nvSpPr>
-          <p:cNvPr id="2" name="Título 1"/>
-          <p:cNvSpPr>
-            <a:spLocks noGrp="1"/>
-          </p:cNvSpPr>
-          <p:nvPr>
-            <p:ph type="title"/>
-          </p:nvPr>
-        </p:nvSpPr>
-        <p:spPr>
-          <a:xfrm>
-            <a:off x="839788" y="365125"/>
-            <a:ext cx="10515600" cy="1325563"/>
-          </a:xfrm>
-        </p:spPr>
-        <p:txBody>
-          <a:bodyPr/>
-          <a:lstStyle/>
-          <a:p>
-            <a:r>
-              <a:rPr lang="pt-BR"/>
-              <a:t>Clique para editar o título mestre</a:t>
-            </a:r>
-          </a:p>
-        </p:txBody>
-      </p:sp>
-      <p:sp>
-        <p:nvSpPr>
-          <p:cNvPr id="3" name="Espaço Reservado para Texto 2"/>
+          <p:cNvPr id="3" name="Text Placeholder 2"/>
           <p:cNvSpPr>
             <a:spLocks noGrp="1"/>
           </p:cNvSpPr>
@@ -1361,14 +4355,144 @@
         </p:nvSpPr>
         <p:spPr>
           <a:xfrm>
-            <a:off x="839788" y="1681163"/>
-            <a:ext cx="5157787" cy="823912"/>
+            <a:off x="845127" y="1681850"/>
+            <a:ext cx="5156200" cy="825699"/>
+          </a:xfrm>
+        </p:spPr>
+        <p:txBody>
+          <a:bodyPr anchor="b">
+            <a:normAutofit/>
+          </a:bodyPr>
+          <a:lstStyle>
+            <a:lvl1pPr marL="0" indent="0">
+              <a:spcBef>
+                <a:spcPts val="0"/>
+              </a:spcBef>
+              <a:buNone/>
+              <a:defRPr sz="2400" b="1"/>
+            </a:lvl1pPr>
+            <a:lvl2pPr marL="457200" indent="0">
+              <a:buNone/>
+              <a:defRPr sz="2000" b="1"/>
+            </a:lvl2pPr>
+            <a:lvl3pPr marL="914400" indent="0">
+              <a:buNone/>
+              <a:defRPr sz="1800" b="1"/>
+            </a:lvl3pPr>
+            <a:lvl4pPr marL="1371600" indent="0">
+              <a:buNone/>
+              <a:defRPr sz="1600" b="1"/>
+            </a:lvl4pPr>
+            <a:lvl5pPr marL="1828800" indent="0">
+              <a:buNone/>
+              <a:defRPr sz="1600" b="1"/>
+            </a:lvl5pPr>
+            <a:lvl6pPr marL="2286000" indent="0">
+              <a:buNone/>
+              <a:defRPr sz="1600" b="1"/>
+            </a:lvl6pPr>
+            <a:lvl7pPr marL="2743200" indent="0">
+              <a:buNone/>
+              <a:defRPr sz="1600" b="1"/>
+            </a:lvl7pPr>
+            <a:lvl8pPr marL="3200400" indent="0">
+              <a:buNone/>
+              <a:defRPr sz="1600" b="1"/>
+            </a:lvl8pPr>
+            <a:lvl9pPr marL="3657600" indent="0">
+              <a:buNone/>
+              <a:defRPr sz="1600" b="1"/>
+            </a:lvl9pPr>
+          </a:lstStyle>
+          <a:p>
+            <a:pPr lvl="0"/>
+            <a:r>
+              <a:rPr lang="pt-BR" smtClean="0"/>
+              <a:t>Clique para editar o texto mestre</a:t>
+            </a:r>
+          </a:p>
+        </p:txBody>
+      </p:sp>
+      <p:sp>
+        <p:nvSpPr>
+          <p:cNvPr id="4" name="Content Placeholder 3"/>
+          <p:cNvSpPr>
+            <a:spLocks noGrp="1"/>
+          </p:cNvSpPr>
+          <p:nvPr>
+            <p:ph sz="half" idx="2"/>
+          </p:nvPr>
+        </p:nvSpPr>
+        <p:spPr>
+          <a:xfrm>
+            <a:off x="845127" y="2507550"/>
+            <a:ext cx="5156200" cy="3680525"/>
+          </a:xfrm>
+        </p:spPr>
+        <p:txBody>
+          <a:bodyPr/>
+          <a:lstStyle/>
+          <a:p>
+            <a:pPr lvl="0"/>
+            <a:r>
+              <a:rPr lang="pt-BR" smtClean="0"/>
+              <a:t>Clique para editar o texto mestre</a:t>
+            </a:r>
+          </a:p>
+          <a:p>
+            <a:pPr lvl="1"/>
+            <a:r>
+              <a:rPr lang="pt-BR" smtClean="0"/>
+              <a:t>Segundo nível</a:t>
+            </a:r>
+          </a:p>
+          <a:p>
+            <a:pPr lvl="2"/>
+            <a:r>
+              <a:rPr lang="pt-BR" smtClean="0"/>
+              <a:t>Terceiro nível</a:t>
+            </a:r>
+          </a:p>
+          <a:p>
+            <a:pPr lvl="3"/>
+            <a:r>
+              <a:rPr lang="pt-BR" smtClean="0"/>
+              <a:t>Quarto nível</a:t>
+            </a:r>
+          </a:p>
+          <a:p>
+            <a:pPr lvl="4"/>
+            <a:r>
+              <a:rPr lang="pt-BR" smtClean="0"/>
+              <a:t>Quinto nível</a:t>
+            </a:r>
+            <a:endParaRPr lang="en-US" dirty="0"/>
+          </a:p>
+        </p:txBody>
+      </p:sp>
+      <p:sp>
+        <p:nvSpPr>
+          <p:cNvPr id="5" name="Text Placeholder 4"/>
+          <p:cNvSpPr>
+            <a:spLocks noGrp="1"/>
+          </p:cNvSpPr>
+          <p:nvPr>
+            <p:ph type="body" sz="quarter" idx="3"/>
+          </p:nvPr>
+        </p:nvSpPr>
+        <p:spPr>
+          <a:xfrm>
+            <a:off x="6172200" y="1681851"/>
+            <a:ext cx="5181601" cy="825698"/>
           </a:xfrm>
         </p:spPr>
         <p:txBody>
           <a:bodyPr anchor="b"/>
           <a:lstStyle>
             <a:lvl1pPr marL="0" indent="0">
+              <a:spcBef>
+                <a:spcPts val="0"/>
+              </a:spcBef>
               <a:buNone/>
               <a:defRPr sz="2400" b="1"/>
             </a:lvl1pPr>
@@ -1408,26 +4532,26 @@
           <a:p>
             <a:pPr lvl="0"/>
             <a:r>
-              <a:rPr lang="pt-BR"/>
-              <a:t>Editar estilos de texto Mestre</a:t>
-            </a:r>
-          </a:p>
-        </p:txBody>
-      </p:sp>
-      <p:sp>
-        <p:nvSpPr>
-          <p:cNvPr id="4" name="Espaço Reservado para Conteúdo 3"/>
-          <p:cNvSpPr>
-            <a:spLocks noGrp="1"/>
-          </p:cNvSpPr>
-          <p:nvPr>
-            <p:ph sz="half" idx="2"/>
-          </p:nvPr>
-        </p:nvSpPr>
-        <p:spPr>
-          <a:xfrm>
-            <a:off x="839788" y="2505075"/>
-            <a:ext cx="5157787" cy="3684588"/>
+              <a:rPr lang="pt-BR" smtClean="0"/>
+              <a:t>Clique para editar o texto mestre</a:t>
+            </a:r>
+          </a:p>
+        </p:txBody>
+      </p:sp>
+      <p:sp>
+        <p:nvSpPr>
+          <p:cNvPr id="6" name="Content Placeholder 5"/>
+          <p:cNvSpPr>
+            <a:spLocks noGrp="1"/>
+          </p:cNvSpPr>
+          <p:nvPr>
+            <p:ph sz="quarter" idx="4"/>
+          </p:nvPr>
+        </p:nvSpPr>
+        <p:spPr>
+          <a:xfrm>
+            <a:off x="6172200" y="2507550"/>
+            <a:ext cx="5181601" cy="3680525"/>
           </a:xfrm>
         </p:spPr>
         <p:txBody>
@@ -1436,164 +4560,44 @@
           <a:p>
             <a:pPr lvl="0"/>
             <a:r>
-              <a:rPr lang="pt-BR"/>
-              <a:t>Editar estilos de texto Mestre</a:t>
+              <a:rPr lang="pt-BR" smtClean="0"/>
+              <a:t>Clique para editar o texto mestre</a:t>
             </a:r>
           </a:p>
           <a:p>
             <a:pPr lvl="1"/>
             <a:r>
-              <a:rPr lang="pt-BR"/>
+              <a:rPr lang="pt-BR" smtClean="0"/>
               <a:t>Segundo nível</a:t>
             </a:r>
           </a:p>
           <a:p>
             <a:pPr lvl="2"/>
             <a:r>
-              <a:rPr lang="pt-BR"/>
+              <a:rPr lang="pt-BR" smtClean="0"/>
               <a:t>Terceiro nível</a:t>
             </a:r>
           </a:p>
           <a:p>
             <a:pPr lvl="3"/>
             <a:r>
-              <a:rPr lang="pt-BR"/>
+              <a:rPr lang="pt-BR" smtClean="0"/>
               <a:t>Quarto nível</a:t>
             </a:r>
           </a:p>
           <a:p>
             <a:pPr lvl="4"/>
             <a:r>
-              <a:rPr lang="pt-BR"/>
+              <a:rPr lang="pt-BR" smtClean="0"/>
               <a:t>Quinto nível</a:t>
             </a:r>
-          </a:p>
-        </p:txBody>
-      </p:sp>
-      <p:sp>
-        <p:nvSpPr>
-          <p:cNvPr id="5" name="Espaço Reservado para Texto 4"/>
-          <p:cNvSpPr>
-            <a:spLocks noGrp="1"/>
-          </p:cNvSpPr>
-          <p:nvPr>
-            <p:ph type="body" sz="quarter" idx="3"/>
-          </p:nvPr>
-        </p:nvSpPr>
-        <p:spPr>
-          <a:xfrm>
-            <a:off x="6172200" y="1681163"/>
-            <a:ext cx="5183188" cy="823912"/>
-          </a:xfrm>
-        </p:spPr>
-        <p:txBody>
-          <a:bodyPr anchor="b"/>
-          <a:lstStyle>
-            <a:lvl1pPr marL="0" indent="0">
-              <a:buNone/>
-              <a:defRPr sz="2400" b="1"/>
-            </a:lvl1pPr>
-            <a:lvl2pPr marL="457200" indent="0">
-              <a:buNone/>
-              <a:defRPr sz="2000" b="1"/>
-            </a:lvl2pPr>
-            <a:lvl3pPr marL="914400" indent="0">
-              <a:buNone/>
-              <a:defRPr sz="1800" b="1"/>
-            </a:lvl3pPr>
-            <a:lvl4pPr marL="1371600" indent="0">
-              <a:buNone/>
-              <a:defRPr sz="1600" b="1"/>
-            </a:lvl4pPr>
-            <a:lvl5pPr marL="1828800" indent="0">
-              <a:buNone/>
-              <a:defRPr sz="1600" b="1"/>
-            </a:lvl5pPr>
-            <a:lvl6pPr marL="2286000" indent="0">
-              <a:buNone/>
-              <a:defRPr sz="1600" b="1"/>
-            </a:lvl6pPr>
-            <a:lvl7pPr marL="2743200" indent="0">
-              <a:buNone/>
-              <a:defRPr sz="1600" b="1"/>
-            </a:lvl7pPr>
-            <a:lvl8pPr marL="3200400" indent="0">
-              <a:buNone/>
-              <a:defRPr sz="1600" b="1"/>
-            </a:lvl8pPr>
-            <a:lvl9pPr marL="3657600" indent="0">
-              <a:buNone/>
-              <a:defRPr sz="1600" b="1"/>
-            </a:lvl9pPr>
-          </a:lstStyle>
-          <a:p>
-            <a:pPr lvl="0"/>
-            <a:r>
-              <a:rPr lang="pt-BR"/>
-              <a:t>Editar estilos de texto Mestre</a:t>
-            </a:r>
-          </a:p>
-        </p:txBody>
-      </p:sp>
-      <p:sp>
-        <p:nvSpPr>
-          <p:cNvPr id="6" name="Espaço Reservado para Conteúdo 5"/>
-          <p:cNvSpPr>
-            <a:spLocks noGrp="1"/>
-          </p:cNvSpPr>
-          <p:nvPr>
-            <p:ph sz="quarter" idx="4"/>
-          </p:nvPr>
-        </p:nvSpPr>
-        <p:spPr>
-          <a:xfrm>
-            <a:off x="6172200" y="2505075"/>
-            <a:ext cx="5183188" cy="3684588"/>
-          </a:xfrm>
-        </p:spPr>
-        <p:txBody>
-          <a:bodyPr/>
-          <a:lstStyle/>
-          <a:p>
-            <a:pPr lvl="0"/>
-            <a:r>
-              <a:rPr lang="pt-BR"/>
-              <a:t>Editar estilos de texto Mestre</a:t>
-            </a:r>
-          </a:p>
-          <a:p>
-            <a:pPr lvl="1"/>
-            <a:r>
-              <a:rPr lang="pt-BR"/>
-              <a:t>Segundo nível</a:t>
-            </a:r>
-          </a:p>
-          <a:p>
-            <a:pPr lvl="2"/>
-            <a:r>
-              <a:rPr lang="pt-BR"/>
-              <a:t>Terceiro nível</a:t>
-            </a:r>
-          </a:p>
-          <a:p>
-            <a:pPr lvl="3"/>
-            <a:r>
-              <a:rPr lang="pt-BR"/>
-              <a:t>Quarto nível</a:t>
-            </a:r>
-          </a:p>
-          <a:p>
-            <a:pPr lvl="4"/>
-            <a:r>
-              <a:rPr lang="pt-BR"/>
-              <a:t>Quinto nível</a:t>
-            </a:r>
-          </a:p>
-        </p:txBody>
-      </p:sp>
-      <p:sp>
-        <p:nvSpPr>
-          <p:cNvPr id="7" name="Espaço Reservado para Data 6"/>
+            <a:endParaRPr lang="en-US"/>
+          </a:p>
+        </p:txBody>
+      </p:sp>
+      <p:sp>
+        <p:nvSpPr>
+          <p:cNvPr id="7" name="Date Placeholder 6"/>
           <p:cNvSpPr>
             <a:spLocks noGrp="1"/>
           </p:cNvSpPr>
@@ -1608,7 +4612,8 @@
           <a:p>
             <a:fld id="{1AAF2263-F9CA-460F-9828-4E79DFE3F165}" type="datetimeFigureOut">
               <a:rPr lang="pt-BR" smtClean="0"/>
-              <a:t>08/03/2017</a:t>
+              <a:pPr/>
+              <a:t>08/07/2019</a:t>
             </a:fld>
             <a:endParaRPr lang="pt-BR"/>
           </a:p>
@@ -1616,7 +4621,7 @@
       </p:sp>
       <p:sp>
         <p:nvSpPr>
-          <p:cNvPr id="8" name="Espaço Reservado para Rodapé 7"/>
+          <p:cNvPr id="8" name="Footer Placeholder 7"/>
           <p:cNvSpPr>
             <a:spLocks noGrp="1"/>
           </p:cNvSpPr>
@@ -1635,7 +4640,7 @@
       </p:sp>
       <p:sp>
         <p:nvSpPr>
-          <p:cNvPr id="9" name="Espaço Reservado para Número de Slide 8"/>
+          <p:cNvPr id="9" name="Slide Number Placeholder 8"/>
           <p:cNvSpPr>
             <a:spLocks noGrp="1"/>
           </p:cNvSpPr>
@@ -1650,16 +4655,40 @@
           <a:p>
             <a:fld id="{FAD15547-99B3-4101-AECC-00E7F2964613}" type="slidenum">
               <a:rPr lang="pt-BR" smtClean="0"/>
+              <a:pPr/>
               <a:t>‹nº›</a:t>
             </a:fld>
             <a:endParaRPr lang="pt-BR"/>
           </a:p>
         </p:txBody>
       </p:sp>
+      <p:sp>
+        <p:nvSpPr>
+          <p:cNvPr id="10" name="Title 9"/>
+          <p:cNvSpPr>
+            <a:spLocks noGrp="1"/>
+          </p:cNvSpPr>
+          <p:nvPr>
+            <p:ph type="title"/>
+          </p:nvPr>
+        </p:nvSpPr>
+        <p:spPr/>
+        <p:txBody>
+          <a:bodyPr/>
+          <a:lstStyle/>
+          <a:p>
+            <a:r>
+              <a:rPr lang="pt-BR" smtClean="0"/>
+              <a:t>Clique para editar o título mestre</a:t>
+            </a:r>
+            <a:endParaRPr lang="en-US" dirty="0"/>
+          </a:p>
+        </p:txBody>
+      </p:sp>
     </p:spTree>
     <p:extLst>
       <p:ext uri="{BB962C8B-B14F-4D97-AF65-F5344CB8AC3E}">
-        <p14:creationId xmlns:p14="http://schemas.microsoft.com/office/powerpoint/2010/main" val="345556825"/>
+        <p14:creationId xmlns:p14="http://schemas.microsoft.com/office/powerpoint/2010/main" val="1255196745"/>
       </p:ext>
     </p:extLst>
   </p:cSld>
@@ -1670,8 +4699,8 @@
 </file>
 
 <file path=ppt/slideLayouts/slideLayout6.xml><?xml version="1.0" encoding="utf-8"?>
-<p:sldLayout xmlns:a="http://schemas.openxmlformats.org/drawingml/2006/main" xmlns:r="http://schemas.openxmlformats.org/officeDocument/2006/relationships" xmlns:p="http://schemas.openxmlformats.org/presentationml/2006/main" type="titleOnly" preserve="1">
-  <p:cSld name="Somente Título">
+<p:sldLayout xmlns:a="http://schemas.openxmlformats.org/drawingml/2006/main" xmlns:r="http://schemas.openxmlformats.org/officeDocument/2006/relationships" xmlns:p="http://schemas.openxmlformats.org/presentationml/2006/main" preserve="1">
+  <p:cSld name="Somente título">
     <p:spTree>
       <p:nvGrpSpPr>
         <p:cNvPr id="1" name=""/>
@@ -1688,12 +4717,12 @@
       </p:grpSpPr>
       <p:sp>
         <p:nvSpPr>
-          <p:cNvPr id="2" name="Título 1"/>
-          <p:cNvSpPr>
-            <a:spLocks noGrp="1"/>
-          </p:cNvSpPr>
-          <p:nvPr>
-            <p:ph type="title"/>
+          <p:cNvPr id="3" name="Date Placeholder 2"/>
+          <p:cNvSpPr>
+            <a:spLocks noGrp="1"/>
+          </p:cNvSpPr>
+          <p:nvPr>
+            <p:ph type="dt" sz="half" idx="10"/>
           </p:nvPr>
         </p:nvSpPr>
         <p:spPr/>
@@ -1701,31 +4730,10 @@
           <a:bodyPr/>
           <a:lstStyle/>
           <a:p>
-            <a:r>
-              <a:rPr lang="pt-BR"/>
-              <a:t>Clique para editar o título mestre</a:t>
-            </a:r>
-          </a:p>
-        </p:txBody>
-      </p:sp>
-      <p:sp>
-        <p:nvSpPr>
-          <p:cNvPr id="3" name="Espaço Reservado para Data 2"/>
-          <p:cNvSpPr>
-            <a:spLocks noGrp="1"/>
-          </p:cNvSpPr>
-          <p:nvPr>
-            <p:ph type="dt" sz="half" idx="10"/>
-          </p:nvPr>
-        </p:nvSpPr>
-        <p:spPr/>
-        <p:txBody>
-          <a:bodyPr/>
-          <a:lstStyle/>
-          <a:p>
             <a:fld id="{1AAF2263-F9CA-460F-9828-4E79DFE3F165}" type="datetimeFigureOut">
               <a:rPr lang="pt-BR" smtClean="0"/>
-              <a:t>08/03/2017</a:t>
+              <a:pPr/>
+              <a:t>08/07/2019</a:t>
             </a:fld>
             <a:endParaRPr lang="pt-BR"/>
           </a:p>
@@ -1733,7 +4741,7 @@
       </p:sp>
       <p:sp>
         <p:nvSpPr>
-          <p:cNvPr id="4" name="Espaço Reservado para Rodapé 3"/>
+          <p:cNvPr id="4" name="Footer Placeholder 3"/>
           <p:cNvSpPr>
             <a:spLocks noGrp="1"/>
           </p:cNvSpPr>
@@ -1752,7 +4760,7 @@
       </p:sp>
       <p:sp>
         <p:nvSpPr>
-          <p:cNvPr id="5" name="Espaço Reservado para Número de Slide 4"/>
+          <p:cNvPr id="5" name="Slide Number Placeholder 4"/>
           <p:cNvSpPr>
             <a:spLocks noGrp="1"/>
           </p:cNvSpPr>
@@ -1767,16 +4775,40 @@
           <a:p>
             <a:fld id="{FAD15547-99B3-4101-AECC-00E7F2964613}" type="slidenum">
               <a:rPr lang="pt-BR" smtClean="0"/>
+              <a:pPr/>
               <a:t>‹nº›</a:t>
             </a:fld>
             <a:endParaRPr lang="pt-BR"/>
           </a:p>
         </p:txBody>
       </p:sp>
+      <p:sp>
+        <p:nvSpPr>
+          <p:cNvPr id="6" name="Title 5"/>
+          <p:cNvSpPr>
+            <a:spLocks noGrp="1"/>
+          </p:cNvSpPr>
+          <p:nvPr>
+            <p:ph type="title"/>
+          </p:nvPr>
+        </p:nvSpPr>
+        <p:spPr/>
+        <p:txBody>
+          <a:bodyPr/>
+          <a:lstStyle/>
+          <a:p>
+            <a:r>
+              <a:rPr lang="pt-BR" smtClean="0"/>
+              <a:t>Clique para editar o título mestre</a:t>
+            </a:r>
+            <a:endParaRPr lang="en-US"/>
+          </a:p>
+        </p:txBody>
+      </p:sp>
     </p:spTree>
     <p:extLst>
       <p:ext uri="{BB962C8B-B14F-4D97-AF65-F5344CB8AC3E}">
-        <p14:creationId xmlns:p14="http://schemas.microsoft.com/office/powerpoint/2010/main" val="832327418"/>
+        <p14:creationId xmlns:p14="http://schemas.microsoft.com/office/powerpoint/2010/main" val="1340212827"/>
       </p:ext>
     </p:extLst>
   </p:cSld>
@@ -1805,7 +4837,7 @@
       </p:grpSpPr>
       <p:sp>
         <p:nvSpPr>
-          <p:cNvPr id="2" name="Espaço Reservado para Data 1"/>
+          <p:cNvPr id="2" name="Date Placeholder 1"/>
           <p:cNvSpPr>
             <a:spLocks noGrp="1"/>
           </p:cNvSpPr>
@@ -1820,7 +4852,8 @@
           <a:p>
             <a:fld id="{1AAF2263-F9CA-460F-9828-4E79DFE3F165}" type="datetimeFigureOut">
               <a:rPr lang="pt-BR" smtClean="0"/>
-              <a:t>08/03/2017</a:t>
+              <a:pPr/>
+              <a:t>08/07/2019</a:t>
             </a:fld>
             <a:endParaRPr lang="pt-BR"/>
           </a:p>
@@ -1828,7 +4861,7 @@
       </p:sp>
       <p:sp>
         <p:nvSpPr>
-          <p:cNvPr id="3" name="Espaço Reservado para Rodapé 2"/>
+          <p:cNvPr id="3" name="Footer Placeholder 2"/>
           <p:cNvSpPr>
             <a:spLocks noGrp="1"/>
           </p:cNvSpPr>
@@ -1847,7 +4880,7 @@
       </p:sp>
       <p:sp>
         <p:nvSpPr>
-          <p:cNvPr id="4" name="Espaço Reservado para Número de Slide 3"/>
+          <p:cNvPr id="4" name="Slide Number Placeholder 3"/>
           <p:cNvSpPr>
             <a:spLocks noGrp="1"/>
           </p:cNvSpPr>
@@ -1862,6 +4895,7 @@
           <a:p>
             <a:fld id="{FAD15547-99B3-4101-AECC-00E7F2964613}" type="slidenum">
               <a:rPr lang="pt-BR" smtClean="0"/>
+              <a:pPr/>
               <a:t>‹nº›</a:t>
             </a:fld>
             <a:endParaRPr lang="pt-BR"/>
@@ -1871,7 +4905,7 @@
     </p:spTree>
     <p:extLst>
       <p:ext uri="{BB962C8B-B14F-4D97-AF65-F5344CB8AC3E}">
-        <p14:creationId xmlns:p14="http://schemas.microsoft.com/office/powerpoint/2010/main" val="1560246614"/>
+        <p14:creationId xmlns:p14="http://schemas.microsoft.com/office/powerpoint/2010/main" val="3028629338"/>
       </p:ext>
     </p:extLst>
   </p:cSld>
@@ -1900,7 +4934,7 @@
       </p:grpSpPr>
       <p:sp>
         <p:nvSpPr>
-          <p:cNvPr id="2" name="Título 1"/>
+          <p:cNvPr id="2" name="Title 1"/>
           <p:cNvSpPr>
             <a:spLocks noGrp="1"/>
           </p:cNvSpPr>
@@ -1910,28 +4944,31 @@
         </p:nvSpPr>
         <p:spPr>
           <a:xfrm>
-            <a:off x="839788" y="457200"/>
-            <a:ext cx="3932237" cy="1600200"/>
-          </a:xfrm>
-        </p:spPr>
-        <p:txBody>
-          <a:bodyPr anchor="b"/>
+            <a:off x="841248" y="457200"/>
+            <a:ext cx="3931920" cy="1600197"/>
+          </a:xfrm>
+        </p:spPr>
+        <p:txBody>
+          <a:bodyPr anchor="b">
+            <a:normAutofit/>
+          </a:bodyPr>
           <a:lstStyle>
             <a:lvl1pPr>
-              <a:defRPr sz="3200"/>
+              <a:defRPr sz="3200" b="0"/>
             </a:lvl1pPr>
           </a:lstStyle>
           <a:p>
             <a:r>
-              <a:rPr lang="pt-BR"/>
+              <a:rPr lang="pt-BR" smtClean="0"/>
               <a:t>Clique para editar o título mestre</a:t>
             </a:r>
-          </a:p>
-        </p:txBody>
-      </p:sp>
-      <p:sp>
-        <p:nvSpPr>
-          <p:cNvPr id="3" name="Espaço Reservado para Conteúdo 2"/>
+            <a:endParaRPr lang="en-US" dirty="0"/>
+          </a:p>
+        </p:txBody>
+      </p:sp>
+      <p:sp>
+        <p:nvSpPr>
+          <p:cNvPr id="3" name="Content Placeholder 2"/>
           <p:cNvSpPr>
             <a:spLocks noGrp="1"/>
           </p:cNvSpPr>
@@ -1941,8 +4978,8 @@
         </p:nvSpPr>
         <p:spPr>
           <a:xfrm>
-            <a:off x="5183188" y="987425"/>
-            <a:ext cx="6172200" cy="4873625"/>
+            <a:off x="5181600" y="990600"/>
+            <a:ext cx="6172200" cy="4876800"/>
           </a:xfrm>
         </p:spPr>
         <p:txBody>
@@ -1979,43 +5016,44 @@
           <a:p>
             <a:pPr lvl="0"/>
             <a:r>
-              <a:rPr lang="pt-BR"/>
-              <a:t>Editar estilos de texto Mestre</a:t>
+              <a:rPr lang="pt-BR" smtClean="0"/>
+              <a:t>Clique para editar o texto mestre</a:t>
             </a:r>
           </a:p>
           <a:p>
             <a:pPr lvl="1"/>
             <a:r>
-              <a:rPr lang="pt-BR"/>
+              <a:rPr lang="pt-BR" smtClean="0"/>
               <a:t>Segundo nível</a:t>
             </a:r>
           </a:p>
           <a:p>
             <a:pPr lvl="2"/>
             <a:r>
-              <a:rPr lang="pt-BR"/>
+              <a:rPr lang="pt-BR" smtClean="0"/>
               <a:t>Terceiro nível</a:t>
             </a:r>
           </a:p>
           <a:p>
             <a:pPr lvl="3"/>
             <a:r>
-              <a:rPr lang="pt-BR"/>
+              <a:rPr lang="pt-BR" smtClean="0"/>
               <a:t>Quarto nível</a:t>
             </a:r>
           </a:p>
           <a:p>
             <a:pPr lvl="4"/>
             <a:r>
-              <a:rPr lang="pt-BR"/>
+              <a:rPr lang="pt-BR" smtClean="0"/>
               <a:t>Quinto nível</a:t>
             </a:r>
-          </a:p>
-        </p:txBody>
-      </p:sp>
-      <p:sp>
-        <p:nvSpPr>
-          <p:cNvPr id="4" name="Espaço Reservado para Texto 3"/>
+            <a:endParaRPr lang="en-US" dirty="0"/>
+          </a:p>
+        </p:txBody>
+      </p:sp>
+      <p:sp>
+        <p:nvSpPr>
+          <p:cNvPr id="4" name="Text Placeholder 3"/>
           <p:cNvSpPr>
             <a:spLocks noGrp="1"/>
           </p:cNvSpPr>
@@ -2025,62 +5063,67 @@
         </p:nvSpPr>
         <p:spPr>
           <a:xfrm>
-            <a:off x="839788" y="2057400"/>
-            <a:ext cx="3932237" cy="3811588"/>
-          </a:xfrm>
-        </p:spPr>
-        <p:txBody>
-          <a:bodyPr/>
+            <a:off x="841248" y="2057399"/>
+            <a:ext cx="3931920" cy="3810001"/>
+          </a:xfrm>
+        </p:spPr>
+        <p:txBody>
+          <a:bodyPr>
+            <a:normAutofit/>
+          </a:bodyPr>
           <a:lstStyle>
             <a:lvl1pPr marL="0" indent="0">
+              <a:lnSpc>
+                <a:spcPct val="90000"/>
+              </a:lnSpc>
               <a:buNone/>
               <a:defRPr sz="1600"/>
             </a:lvl1pPr>
             <a:lvl2pPr marL="457200" indent="0">
               <a:buNone/>
-              <a:defRPr sz="1400"/>
+              <a:defRPr sz="1200"/>
             </a:lvl2pPr>
             <a:lvl3pPr marL="914400" indent="0">
               <a:buNone/>
-              <a:defRPr sz="1200"/>
+              <a:defRPr sz="1000"/>
             </a:lvl3pPr>
             <a:lvl4pPr marL="1371600" indent="0">
               <a:buNone/>
-              <a:defRPr sz="1000"/>
+              <a:defRPr sz="900"/>
             </a:lvl4pPr>
             <a:lvl5pPr marL="1828800" indent="0">
               <a:buNone/>
-              <a:defRPr sz="1000"/>
+              <a:defRPr sz="900"/>
             </a:lvl5pPr>
             <a:lvl6pPr marL="2286000" indent="0">
               <a:buNone/>
-              <a:defRPr sz="1000"/>
+              <a:defRPr sz="900"/>
             </a:lvl6pPr>
             <a:lvl7pPr marL="2743200" indent="0">
               <a:buNone/>
-              <a:defRPr sz="1000"/>
+              <a:defRPr sz="900"/>
             </a:lvl7pPr>
             <a:lvl8pPr marL="3200400" indent="0">
               <a:buNone/>
-              <a:defRPr sz="1000"/>
+              <a:defRPr sz="900"/>
             </a:lvl8pPr>
             <a:lvl9pPr marL="3657600" indent="0">
               <a:buNone/>
-              <a:defRPr sz="1000"/>
+              <a:defRPr sz="900"/>
             </a:lvl9pPr>
           </a:lstStyle>
           <a:p>
             <a:pPr lvl="0"/>
             <a:r>
-              <a:rPr lang="pt-BR"/>
-              <a:t>Editar estilos de texto Mestre</a:t>
-            </a:r>
-          </a:p>
-        </p:txBody>
-      </p:sp>
-      <p:sp>
-        <p:nvSpPr>
-          <p:cNvPr id="5" name="Espaço Reservado para Data 4"/>
+              <a:rPr lang="pt-BR" smtClean="0"/>
+              <a:t>Clique para editar o texto mestre</a:t>
+            </a:r>
+          </a:p>
+        </p:txBody>
+      </p:sp>
+      <p:sp>
+        <p:nvSpPr>
+          <p:cNvPr id="5" name="Date Placeholder 4"/>
           <p:cNvSpPr>
             <a:spLocks noGrp="1"/>
           </p:cNvSpPr>
@@ -2095,7 +5138,8 @@
           <a:p>
             <a:fld id="{1AAF2263-F9CA-460F-9828-4E79DFE3F165}" type="datetimeFigureOut">
               <a:rPr lang="pt-BR" smtClean="0"/>
-              <a:t>08/03/2017</a:t>
+              <a:pPr/>
+              <a:t>08/07/2019</a:t>
             </a:fld>
             <a:endParaRPr lang="pt-BR"/>
           </a:p>
@@ -2103,7 +5147,7 @@
       </p:sp>
       <p:sp>
         <p:nvSpPr>
-          <p:cNvPr id="6" name="Espaço Reservado para Rodapé 5"/>
+          <p:cNvPr id="6" name="Footer Placeholder 5"/>
           <p:cNvSpPr>
             <a:spLocks noGrp="1"/>
           </p:cNvSpPr>
@@ -2122,7 +5166,7 @@
       </p:sp>
       <p:sp>
         <p:nvSpPr>
-          <p:cNvPr id="7" name="Espaço Reservado para Número de Slide 6"/>
+          <p:cNvPr id="7" name="Slide Number Placeholder 6"/>
           <p:cNvSpPr>
             <a:spLocks noGrp="1"/>
           </p:cNvSpPr>
@@ -2137,6 +5181,7 @@
           <a:p>
             <a:fld id="{FAD15547-99B3-4101-AECC-00E7F2964613}" type="slidenum">
               <a:rPr lang="pt-BR" smtClean="0"/>
+              <a:pPr/>
               <a:t>‹nº›</a:t>
             </a:fld>
             <a:endParaRPr lang="pt-BR"/>
@@ -2146,7 +5191,7 @@
     </p:spTree>
     <p:extLst>
       <p:ext uri="{BB962C8B-B14F-4D97-AF65-F5344CB8AC3E}">
-        <p14:creationId xmlns:p14="http://schemas.microsoft.com/office/powerpoint/2010/main" val="2795481236"/>
+        <p14:creationId xmlns:p14="http://schemas.microsoft.com/office/powerpoint/2010/main" val="3585177752"/>
       </p:ext>
     </p:extLst>
   </p:cSld>
@@ -2175,7 +5220,7 @@
       </p:grpSpPr>
       <p:sp>
         <p:nvSpPr>
-          <p:cNvPr id="2" name="Título 1"/>
+          <p:cNvPr id="2" name="Title 1"/>
           <p:cNvSpPr>
             <a:spLocks noGrp="1"/>
           </p:cNvSpPr>
@@ -2185,28 +5230,31 @@
         </p:nvSpPr>
         <p:spPr>
           <a:xfrm>
-            <a:off x="839788" y="457200"/>
-            <a:ext cx="3932237" cy="1600200"/>
-          </a:xfrm>
-        </p:spPr>
-        <p:txBody>
-          <a:bodyPr anchor="b"/>
+            <a:off x="841248" y="457200"/>
+            <a:ext cx="3931920" cy="1600200"/>
+          </a:xfrm>
+        </p:spPr>
+        <p:txBody>
+          <a:bodyPr anchor="b">
+            <a:normAutofit/>
+          </a:bodyPr>
           <a:lstStyle>
             <a:lvl1pPr>
-              <a:defRPr sz="3200"/>
+              <a:defRPr sz="3200" b="0"/>
             </a:lvl1pPr>
           </a:lstStyle>
           <a:p>
             <a:r>
-              <a:rPr lang="pt-BR"/>
+              <a:rPr lang="pt-BR" smtClean="0"/>
               <a:t>Clique para editar o título mestre</a:t>
             </a:r>
-          </a:p>
-        </p:txBody>
-      </p:sp>
-      <p:sp>
-        <p:nvSpPr>
-          <p:cNvPr id="3" name="Espaço Reservado para Imagem 2"/>
+            <a:endParaRPr lang="en-US" dirty="0"/>
+          </a:p>
+        </p:txBody>
+      </p:sp>
+      <p:sp>
+        <p:nvSpPr>
+          <p:cNvPr id="3" name="Picture Placeholder 2"/>
           <p:cNvSpPr>
             <a:spLocks noGrp="1"/>
           </p:cNvSpPr>
@@ -2216,8 +5264,8 @@
         </p:nvSpPr>
         <p:spPr>
           <a:xfrm>
-            <a:off x="5183188" y="987425"/>
-            <a:ext cx="6172200" cy="4873625"/>
+            <a:off x="5181600" y="990600"/>
+            <a:ext cx="6172200" cy="4876800"/>
           </a:xfrm>
         </p:spPr>
         <p:txBody>
@@ -2261,13 +5309,17 @@
             </a:lvl9pPr>
           </a:lstStyle>
           <a:p>
-            <a:endParaRPr lang="pt-BR"/>
-          </a:p>
-        </p:txBody>
-      </p:sp>
-      <p:sp>
-        <p:nvSpPr>
-          <p:cNvPr id="4" name="Espaço Reservado para Texto 3"/>
+            <a:r>
+              <a:rPr lang="pt-BR" smtClean="0"/>
+              <a:t>Clique no ícone para adicionar uma imagem</a:t>
+            </a:r>
+            <a:endParaRPr lang="en-US" dirty="0"/>
+          </a:p>
+        </p:txBody>
+      </p:sp>
+      <p:sp>
+        <p:nvSpPr>
+          <p:cNvPr id="4" name="Text Placeholder 3"/>
           <p:cNvSpPr>
             <a:spLocks noGrp="1"/>
           </p:cNvSpPr>
@@ -2277,62 +5329,67 @@
         </p:nvSpPr>
         <p:spPr>
           <a:xfrm>
-            <a:off x="839788" y="2057400"/>
-            <a:ext cx="3932237" cy="3811588"/>
-          </a:xfrm>
-        </p:spPr>
-        <p:txBody>
-          <a:bodyPr/>
+            <a:off x="841248" y="2057400"/>
+            <a:ext cx="3931920" cy="3810000"/>
+          </a:xfrm>
+        </p:spPr>
+        <p:txBody>
+          <a:bodyPr>
+            <a:normAutofit/>
+          </a:bodyPr>
           <a:lstStyle>
             <a:lvl1pPr marL="0" indent="0">
+              <a:lnSpc>
+                <a:spcPct val="90000"/>
+              </a:lnSpc>
               <a:buNone/>
               <a:defRPr sz="1600"/>
             </a:lvl1pPr>
             <a:lvl2pPr marL="457200" indent="0">
               <a:buNone/>
-              <a:defRPr sz="1400"/>
+              <a:defRPr sz="1200"/>
             </a:lvl2pPr>
             <a:lvl3pPr marL="914400" indent="0">
               <a:buNone/>
-              <a:defRPr sz="1200"/>
+              <a:defRPr sz="1000"/>
             </a:lvl3pPr>
             <a:lvl4pPr marL="1371600" indent="0">
               <a:buNone/>
-              <a:defRPr sz="1000"/>
+              <a:defRPr sz="900"/>
             </a:lvl4pPr>
             <a:lvl5pPr marL="1828800" indent="0">
               <a:buNone/>
-              <a:defRPr sz="1000"/>
+              <a:defRPr sz="900"/>
             </a:lvl5pPr>
             <a:lvl6pPr marL="2286000" indent="0">
               <a:buNone/>
-              <a:defRPr sz="1000"/>
+              <a:defRPr sz="900"/>
             </a:lvl6pPr>
             <a:lvl7pPr marL="2743200" indent="0">
               <a:buNone/>
-              <a:defRPr sz="1000"/>
+              <a:defRPr sz="900"/>
             </a:lvl7pPr>
             <a:lvl8pPr marL="3200400" indent="0">
               <a:buNone/>
-              <a:defRPr sz="1000"/>
+              <a:defRPr sz="900"/>
             </a:lvl8pPr>
             <a:lvl9pPr marL="3657600" indent="0">
               <a:buNone/>
-              <a:defRPr sz="1000"/>
+              <a:defRPr sz="900"/>
             </a:lvl9pPr>
           </a:lstStyle>
           <a:p>
             <a:pPr lvl="0"/>
             <a:r>
-              <a:rPr lang="pt-BR"/>
-              <a:t>Editar estilos de texto Mestre</a:t>
-            </a:r>
-          </a:p>
-        </p:txBody>
-      </p:sp>
-      <p:sp>
-        <p:nvSpPr>
-          <p:cNvPr id="5" name="Espaço Reservado para Data 4"/>
+              <a:rPr lang="pt-BR" smtClean="0"/>
+              <a:t>Clique para editar o texto mestre</a:t>
+            </a:r>
+          </a:p>
+        </p:txBody>
+      </p:sp>
+      <p:sp>
+        <p:nvSpPr>
+          <p:cNvPr id="5" name="Date Placeholder 4"/>
           <p:cNvSpPr>
             <a:spLocks noGrp="1"/>
           </p:cNvSpPr>
@@ -2347,7 +5404,8 @@
           <a:p>
             <a:fld id="{1AAF2263-F9CA-460F-9828-4E79DFE3F165}" type="datetimeFigureOut">
               <a:rPr lang="pt-BR" smtClean="0"/>
-              <a:t>08/03/2017</a:t>
+              <a:pPr/>
+              <a:t>08/07/2019</a:t>
             </a:fld>
             <a:endParaRPr lang="pt-BR"/>
           </a:p>
@@ -2355,7 +5413,7 @@
       </p:sp>
       <p:sp>
         <p:nvSpPr>
-          <p:cNvPr id="6" name="Espaço Reservado para Rodapé 5"/>
+          <p:cNvPr id="6" name="Footer Placeholder 5"/>
           <p:cNvSpPr>
             <a:spLocks noGrp="1"/>
           </p:cNvSpPr>
@@ -2374,7 +5432,7 @@
       </p:sp>
       <p:sp>
         <p:nvSpPr>
-          <p:cNvPr id="7" name="Espaço Reservado para Número de Slide 6"/>
+          <p:cNvPr id="7" name="Slide Number Placeholder 6"/>
           <p:cNvSpPr>
             <a:spLocks noGrp="1"/>
           </p:cNvSpPr>
@@ -2389,6 +5447,7 @@
           <a:p>
             <a:fld id="{FAD15547-99B3-4101-AECC-00E7F2964613}" type="slidenum">
               <a:rPr lang="pt-BR" smtClean="0"/>
+              <a:pPr/>
               <a:t>‹nº›</a:t>
             </a:fld>
             <a:endParaRPr lang="pt-BR"/>
@@ -2398,7 +5457,7 @@
     </p:spTree>
     <p:extLst>
       <p:ext uri="{BB962C8B-B14F-4D97-AF65-F5344CB8AC3E}">
-        <p14:creationId xmlns:p14="http://schemas.microsoft.com/office/powerpoint/2010/main" val="2228211250"/>
+        <p14:creationId xmlns:p14="http://schemas.microsoft.com/office/powerpoint/2010/main" val="2999587669"/>
       </p:ext>
     </p:extLst>
   </p:cSld>
@@ -2409,7 +5468,7 @@
 </file>
 
 <file path=ppt/slideMasters/slideMaster1.xml><?xml version="1.0" encoding="utf-8"?>
-<p:sldMaster xmlns:a="http://schemas.openxmlformats.org/drawingml/2006/main" xmlns:r="http://schemas.openxmlformats.org/officeDocument/2006/relationships" xmlns:p="http://schemas.openxmlformats.org/presentationml/2006/main">
+<p:sldMaster xmlns:a="http://schemas.openxmlformats.org/drawingml/2006/main" xmlns:r="http://schemas.openxmlformats.org/officeDocument/2006/relationships" xmlns:p="http://schemas.openxmlformats.org/presentationml/2006/main" preserve="1">
   <p:cSld>
     <p:bg>
       <p:bgRef idx="1001">
@@ -2432,7 +5491,7 @@
       </p:grpSpPr>
       <p:sp>
         <p:nvSpPr>
-          <p:cNvPr id="2" name="Espaço Reservado para Título 1"/>
+          <p:cNvPr id="2" name="Title Placeholder 1"/>
           <p:cNvSpPr>
             <a:spLocks noGrp="1"/>
           </p:cNvSpPr>
@@ -2442,8 +5501,8 @@
         </p:nvSpPr>
         <p:spPr>
           <a:xfrm>
-            <a:off x="838200" y="365125"/>
-            <a:ext cx="10515600" cy="1325563"/>
+            <a:off x="845127" y="365760"/>
+            <a:ext cx="10515600" cy="1325562"/>
           </a:xfrm>
           <a:prstGeom prst="rect">
             <a:avLst/>
@@ -2456,15 +5515,16 @@
           <a:lstStyle/>
           <a:p>
             <a:r>
-              <a:rPr lang="pt-BR"/>
+              <a:rPr lang="pt-BR" smtClean="0"/>
               <a:t>Clique para editar o título mestre</a:t>
             </a:r>
-          </a:p>
-        </p:txBody>
-      </p:sp>
-      <p:sp>
-        <p:nvSpPr>
-          <p:cNvPr id="3" name="Espaço Reservado para Texto 2"/>
+            <a:endParaRPr lang="en-US" dirty="0"/>
+          </a:p>
+        </p:txBody>
+      </p:sp>
+      <p:sp>
+        <p:nvSpPr>
+          <p:cNvPr id="3" name="Text Placeholder 2"/>
           <p:cNvSpPr>
             <a:spLocks noGrp="1"/>
           </p:cNvSpPr>
@@ -2474,8 +5534,8 @@
         </p:nvSpPr>
         <p:spPr>
           <a:xfrm>
-            <a:off x="838200" y="1825625"/>
-            <a:ext cx="10515600" cy="4351338"/>
+            <a:off x="845127" y="1828800"/>
+            <a:ext cx="10515600" cy="4351337"/>
           </a:xfrm>
           <a:prstGeom prst="rect">
             <a:avLst/>
@@ -2489,43 +5549,44 @@
           <a:p>
             <a:pPr lvl="0"/>
             <a:r>
-              <a:rPr lang="pt-BR"/>
-              <a:t>Editar estilos de texto Mestre</a:t>
+              <a:rPr lang="pt-BR" smtClean="0"/>
+              <a:t>Clique para editar o texto mestre</a:t>
             </a:r>
           </a:p>
           <a:p>
             <a:pPr lvl="1"/>
             <a:r>
-              <a:rPr lang="pt-BR"/>
+              <a:rPr lang="pt-BR" smtClean="0"/>
               <a:t>Segundo nível</a:t>
             </a:r>
           </a:p>
           <a:p>
             <a:pPr lvl="2"/>
             <a:r>
-              <a:rPr lang="pt-BR"/>
+              <a:rPr lang="pt-BR" smtClean="0"/>
               <a:t>Terceiro nível</a:t>
             </a:r>
           </a:p>
           <a:p>
             <a:pPr lvl="3"/>
             <a:r>
-              <a:rPr lang="pt-BR"/>
+              <a:rPr lang="pt-BR" smtClean="0"/>
               <a:t>Quarto nível</a:t>
             </a:r>
           </a:p>
           <a:p>
             <a:pPr lvl="4"/>
             <a:r>
-              <a:rPr lang="pt-BR"/>
+              <a:rPr lang="pt-BR" smtClean="0"/>
               <a:t>Quinto nível</a:t>
             </a:r>
-          </a:p>
-        </p:txBody>
-      </p:sp>
-      <p:sp>
-        <p:nvSpPr>
-          <p:cNvPr id="4" name="Espaço Reservado para Data 3"/>
+            <a:endParaRPr lang="en-US" dirty="0"/>
+          </a:p>
+        </p:txBody>
+      </p:sp>
+      <p:sp>
+        <p:nvSpPr>
+          <p:cNvPr id="4" name="Date Placeholder 3"/>
           <p:cNvSpPr>
             <a:spLocks noGrp="1"/>
           </p:cNvSpPr>
@@ -2546,7 +5607,88 @@
           <a:bodyPr vert="horz" lIns="91440" tIns="45720" rIns="91440" bIns="45720" rtlCol="0" anchor="ctr"/>
           <a:lstStyle>
             <a:lvl1pPr algn="l">
-              <a:defRPr sz="1200">
+              <a:defRPr sz="1100">
+                <a:solidFill>
+                  <a:schemeClr val="tx1">
+                    <a:lumMod val="65000"/>
+                    <a:lumOff val="35000"/>
+                  </a:schemeClr>
+                </a:solidFill>
+              </a:defRPr>
+            </a:lvl1pPr>
+          </a:lstStyle>
+          <a:p>
+            <a:fld id="{1AAF2263-F9CA-460F-9828-4E79DFE3F165}" type="datetimeFigureOut">
+              <a:rPr lang="pt-BR" smtClean="0"/>
+              <a:pPr/>
+              <a:t>08/07/2019</a:t>
+            </a:fld>
+            <a:endParaRPr lang="pt-BR"/>
+          </a:p>
+        </p:txBody>
+      </p:sp>
+      <p:sp>
+        <p:nvSpPr>
+          <p:cNvPr id="5" name="Footer Placeholder 4"/>
+          <p:cNvSpPr>
+            <a:spLocks noGrp="1"/>
+          </p:cNvSpPr>
+          <p:nvPr>
+            <p:ph type="ftr" sz="quarter" idx="3"/>
+          </p:nvPr>
+        </p:nvSpPr>
+        <p:spPr>
+          <a:xfrm>
+            <a:off x="4038600" y="6356350"/>
+            <a:ext cx="4114800" cy="365125"/>
+          </a:xfrm>
+          <a:prstGeom prst="rect">
+            <a:avLst/>
+          </a:prstGeom>
+        </p:spPr>
+        <p:txBody>
+          <a:bodyPr vert="horz" lIns="91440" tIns="45720" rIns="91440" bIns="45720" rtlCol="0" anchor="ctr"/>
+          <a:lstStyle>
+            <a:lvl1pPr algn="ctr">
+              <a:defRPr sz="1100">
+                <a:solidFill>
+                  <a:schemeClr val="tx1">
+                    <a:lumMod val="65000"/>
+                    <a:lumOff val="35000"/>
+                  </a:schemeClr>
+                </a:solidFill>
+              </a:defRPr>
+            </a:lvl1pPr>
+          </a:lstStyle>
+          <a:p>
+            <a:endParaRPr lang="pt-BR"/>
+          </a:p>
+        </p:txBody>
+      </p:sp>
+      <p:sp>
+        <p:nvSpPr>
+          <p:cNvPr id="6" name="Slide Number Placeholder 5"/>
+          <p:cNvSpPr>
+            <a:spLocks noGrp="1"/>
+          </p:cNvSpPr>
+          <p:nvPr>
+            <p:ph type="sldNum" sz="quarter" idx="4"/>
+          </p:nvPr>
+        </p:nvSpPr>
+        <p:spPr>
+          <a:xfrm>
+            <a:off x="8617527" y="6356350"/>
+            <a:ext cx="2743200" cy="365125"/>
+          </a:xfrm>
+          <a:prstGeom prst="rect">
+            <a:avLst/>
+          </a:prstGeom>
+        </p:spPr>
+        <p:txBody>
+          <a:bodyPr vert="horz" lIns="91440" tIns="45720" rIns="91440" bIns="45720" rtlCol="0" anchor="ctr"/>
+          <a:lstStyle>
+            <a:lvl1pPr algn="r">
+              <a:defRPr sz="1100">
                 <a:solidFill>
                   <a:schemeClr val="tx1">
                     <a:tint val="75000"/>
@@ -2556,86 +5698,9 @@
             </a:lvl1pPr>
           </a:lstStyle>
           <a:p>
-            <a:fld id="{1AAF2263-F9CA-460F-9828-4E79DFE3F165}" type="datetimeFigureOut">
-              <a:rPr lang="pt-BR" smtClean="0"/>
-              <a:t>08/03/2017</a:t>
-            </a:fld>
-            <a:endParaRPr lang="pt-BR"/>
-          </a:p>
-        </p:txBody>
-      </p:sp>
-      <p:sp>
-        <p:nvSpPr>
-          <p:cNvPr id="5" name="Espaço Reservado para Rodapé 4"/>
-          <p:cNvSpPr>
-            <a:spLocks noGrp="1"/>
-          </p:cNvSpPr>
-          <p:nvPr>
-            <p:ph type="ftr" sz="quarter" idx="3"/>
-          </p:nvPr>
-        </p:nvSpPr>
-        <p:spPr>
-          <a:xfrm>
-            <a:off x="4038600" y="6356350"/>
-            <a:ext cx="4114800" cy="365125"/>
-          </a:xfrm>
-          <a:prstGeom prst="rect">
-            <a:avLst/>
-          </a:prstGeom>
-        </p:spPr>
-        <p:txBody>
-          <a:bodyPr vert="horz" lIns="91440" tIns="45720" rIns="91440" bIns="45720" rtlCol="0" anchor="ctr"/>
-          <a:lstStyle>
-            <a:lvl1pPr algn="ctr">
-              <a:defRPr sz="1200">
-                <a:solidFill>
-                  <a:schemeClr val="tx1">
-                    <a:tint val="75000"/>
-                  </a:schemeClr>
-                </a:solidFill>
-              </a:defRPr>
-            </a:lvl1pPr>
-          </a:lstStyle>
-          <a:p>
-            <a:endParaRPr lang="pt-BR"/>
-          </a:p>
-        </p:txBody>
-      </p:sp>
-      <p:sp>
-        <p:nvSpPr>
-          <p:cNvPr id="6" name="Espaço Reservado para Número de Slide 5"/>
-          <p:cNvSpPr>
-            <a:spLocks noGrp="1"/>
-          </p:cNvSpPr>
-          <p:nvPr>
-            <p:ph type="sldNum" sz="quarter" idx="4"/>
-          </p:nvPr>
-        </p:nvSpPr>
-        <p:spPr>
-          <a:xfrm>
-            <a:off x="8610600" y="6356350"/>
-            <a:ext cx="2743200" cy="365125"/>
-          </a:xfrm>
-          <a:prstGeom prst="rect">
-            <a:avLst/>
-          </a:prstGeom>
-        </p:spPr>
-        <p:txBody>
-          <a:bodyPr vert="horz" lIns="91440" tIns="45720" rIns="91440" bIns="45720" rtlCol="0" anchor="ctr"/>
-          <a:lstStyle>
-            <a:lvl1pPr algn="r">
-              <a:defRPr sz="1200">
-                <a:solidFill>
-                  <a:schemeClr val="tx1">
-                    <a:tint val="75000"/>
-                  </a:schemeClr>
-                </a:solidFill>
-              </a:defRPr>
-            </a:lvl1pPr>
-          </a:lstStyle>
-          <a:p>
             <a:fld id="{FAD15547-99B3-4101-AECC-00E7F2964613}" type="slidenum">
               <a:rPr lang="pt-BR" smtClean="0"/>
+              <a:pPr/>
               <a:t>‹nº›</a:t>
             </a:fld>
             <a:endParaRPr lang="pt-BR"/>
@@ -2645,23 +5710,23 @@
     </p:spTree>
     <p:extLst>
       <p:ext uri="{BB962C8B-B14F-4D97-AF65-F5344CB8AC3E}">
-        <p14:creationId xmlns:p14="http://schemas.microsoft.com/office/powerpoint/2010/main" val="2963473576"/>
+        <p14:creationId xmlns:p14="http://schemas.microsoft.com/office/powerpoint/2010/main" val="2044544593"/>
       </p:ext>
     </p:extLst>
   </p:cSld>
   <p:clrMap bg1="lt1" tx1="dk1" bg2="lt2" tx2="dk2" accent1="accent1" accent2="accent2" accent3="accent3" accent4="accent4" accent5="accent5" accent6="accent6" hlink="hlink" folHlink="folHlink"/>
   <p:sldLayoutIdLst>
-    <p:sldLayoutId id="2147483649" r:id="rId1"/>
-    <p:sldLayoutId id="2147483650" r:id="rId2"/>
-    <p:sldLayoutId id="2147483651" r:id="rId3"/>
-    <p:sldLayoutId id="2147483652" r:id="rId4"/>
-    <p:sldLayoutId id="2147483653" r:id="rId5"/>
-    <p:sldLayoutId id="2147483654" r:id="rId6"/>
-    <p:sldLayoutId id="2147483655" r:id="rId7"/>
-    <p:sldLayoutId id="2147483656" r:id="rId8"/>
-    <p:sldLayoutId id="2147483657" r:id="rId9"/>
-    <p:sldLayoutId id="2147483658" r:id="rId10"/>
-    <p:sldLayoutId id="2147483659" r:id="rId11"/>
+    <p:sldLayoutId id="2147483703" r:id="rId1"/>
+    <p:sldLayoutId id="2147483704" r:id="rId2"/>
+    <p:sldLayoutId id="2147483705" r:id="rId3"/>
+    <p:sldLayoutId id="2147483706" r:id="rId4"/>
+    <p:sldLayoutId id="2147483707" r:id="rId5"/>
+    <p:sldLayoutId id="2147483708" r:id="rId6"/>
+    <p:sldLayoutId id="2147483709" r:id="rId7"/>
+    <p:sldLayoutId id="2147483710" r:id="rId8"/>
+    <p:sldLayoutId id="2147483711" r:id="rId9"/>
+    <p:sldLayoutId id="2147483712" r:id="rId10"/>
+    <p:sldLayoutId id="2147483713" r:id="rId11"/>
   </p:sldLayoutIdLst>
   <p:txStyles>
     <p:titleStyle>
@@ -2691,8 +5756,8 @@
         <a:spcBef>
           <a:spcPts val="1000"/>
         </a:spcBef>
-        <a:buFont typeface="Arial" panose="020B0604020202020204" pitchFamily="34" charset="0"/>
-        <a:buChar char="•"/>
+        <a:buFont typeface="Wingdings 2" pitchFamily="18" charset="2"/>
+        <a:buChar char=""/>
         <a:defRPr sz="2800" kern="1200">
           <a:solidFill>
             <a:schemeClr val="tx1"/>
@@ -2709,8 +5774,8 @@
         <a:spcBef>
           <a:spcPts val="500"/>
         </a:spcBef>
-        <a:buFont typeface="Arial" panose="020B0604020202020204" pitchFamily="34" charset="0"/>
-        <a:buChar char="•"/>
+        <a:buFont typeface="Wingdings 2" pitchFamily="18" charset="2"/>
+        <a:buChar char=""/>
         <a:defRPr sz="2400" kern="1200">
           <a:solidFill>
             <a:schemeClr val="tx1"/>
@@ -2727,8 +5792,8 @@
         <a:spcBef>
           <a:spcPts val="500"/>
         </a:spcBef>
-        <a:buFont typeface="Arial" panose="020B0604020202020204" pitchFamily="34" charset="0"/>
-        <a:buChar char="•"/>
+        <a:buFont typeface="Wingdings 2" pitchFamily="18" charset="2"/>
+        <a:buChar char=""/>
         <a:defRPr sz="2000" kern="1200">
           <a:solidFill>
             <a:schemeClr val="tx1"/>
@@ -2745,8 +5810,8 @@
         <a:spcBef>
           <a:spcPts val="500"/>
         </a:spcBef>
-        <a:buFont typeface="Arial" panose="020B0604020202020204" pitchFamily="34" charset="0"/>
-        <a:buChar char="•"/>
+        <a:buFont typeface="Wingdings 2" pitchFamily="18" charset="2"/>
+        <a:buChar char=""/>
         <a:defRPr sz="1800" kern="1200">
           <a:solidFill>
             <a:schemeClr val="tx1"/>
@@ -2763,8 +5828,8 @@
         <a:spcBef>
           <a:spcPts val="500"/>
         </a:spcBef>
-        <a:buFont typeface="Arial" panose="020B0604020202020204" pitchFamily="34" charset="0"/>
-        <a:buChar char="•"/>
+        <a:buFont typeface="Wingdings 2" pitchFamily="18" charset="2"/>
+        <a:buChar char=""/>
         <a:defRPr sz="1800" kern="1200">
           <a:solidFill>
             <a:schemeClr val="tx1"/>
@@ -2775,14 +5840,11 @@
         </a:defRPr>
       </a:lvl5pPr>
       <a:lvl6pPr marL="2514600" indent="-228600" algn="l" defTabSz="914400" rtl="0" eaLnBrk="1" latinLnBrk="0" hangingPunct="1">
-        <a:lnSpc>
-          <a:spcPct val="90000"/>
-        </a:lnSpc>
         <a:spcBef>
-          <a:spcPts val="500"/>
+          <a:spcPct val="20000"/>
         </a:spcBef>
-        <a:buFont typeface="Arial" panose="020B0604020202020204" pitchFamily="34" charset="0"/>
-        <a:buChar char="•"/>
+        <a:buFont typeface="Wingdings 2" pitchFamily="18" charset="2"/>
+        <a:buChar char=""/>
         <a:defRPr sz="1800" kern="1200">
           <a:solidFill>
             <a:schemeClr val="tx1"/>
@@ -2793,14 +5855,11 @@
         </a:defRPr>
       </a:lvl6pPr>
       <a:lvl7pPr marL="2971800" indent="-228600" algn="l" defTabSz="914400" rtl="0" eaLnBrk="1" latinLnBrk="0" hangingPunct="1">
-        <a:lnSpc>
-          <a:spcPct val="90000"/>
-        </a:lnSpc>
         <a:spcBef>
-          <a:spcPts val="500"/>
+          <a:spcPct val="20000"/>
         </a:spcBef>
-        <a:buFont typeface="Arial" panose="020B0604020202020204" pitchFamily="34" charset="0"/>
-        <a:buChar char="•"/>
+        <a:buFont typeface="Wingdings 2" pitchFamily="18" charset="2"/>
+        <a:buChar char=""/>
         <a:defRPr sz="1800" kern="1200">
           <a:solidFill>
             <a:schemeClr val="tx1"/>
@@ -2811,14 +5870,11 @@
         </a:defRPr>
       </a:lvl7pPr>
       <a:lvl8pPr marL="3429000" indent="-228600" algn="l" defTabSz="914400" rtl="0" eaLnBrk="1" latinLnBrk="0" hangingPunct="1">
-        <a:lnSpc>
-          <a:spcPct val="90000"/>
-        </a:lnSpc>
         <a:spcBef>
-          <a:spcPts val="500"/>
+          <a:spcPct val="20000"/>
         </a:spcBef>
-        <a:buFont typeface="Arial" panose="020B0604020202020204" pitchFamily="34" charset="0"/>
-        <a:buChar char="•"/>
+        <a:buFont typeface="Wingdings 2" pitchFamily="18" charset="2"/>
+        <a:buChar char=""/>
         <a:defRPr sz="1800" kern="1200">
           <a:solidFill>
             <a:schemeClr val="tx1"/>
@@ -2829,14 +5885,11 @@
         </a:defRPr>
       </a:lvl8pPr>
       <a:lvl9pPr marL="3886200" indent="-228600" algn="l" defTabSz="914400" rtl="0" eaLnBrk="1" latinLnBrk="0" hangingPunct="1">
-        <a:lnSpc>
-          <a:spcPct val="90000"/>
-        </a:lnSpc>
         <a:spcBef>
-          <a:spcPts val="500"/>
+          <a:spcPct val="20000"/>
         </a:spcBef>
-        <a:buFont typeface="Arial" panose="020B0604020202020204" pitchFamily="34" charset="0"/>
-        <a:buChar char="•"/>
+        <a:buFont typeface="Wingdings 2" pitchFamily="18" charset="2"/>
+        <a:buChar char=""/>
         <a:defRPr sz="1800" kern="1200">
           <a:solidFill>
             <a:schemeClr val="tx1"/>
@@ -2849,7 +5902,742 @@
     </p:bodyStyle>
     <p:otherStyle>
       <a:defPPr>
-        <a:defRPr lang="pt-BR"/>
+        <a:defRPr lang="en-US"/>
+      </a:defPPr>
+      <a:lvl1pPr marL="0" algn="l" defTabSz="914400" rtl="0" eaLnBrk="1" latinLnBrk="0" hangingPunct="1">
+        <a:defRPr sz="1800" kern="1200">
+          <a:solidFill>
+            <a:schemeClr val="tx1"/>
+          </a:solidFill>
+          <a:latin typeface="+mn-lt"/>
+          <a:ea typeface="+mn-ea"/>
+          <a:cs typeface="+mn-cs"/>
+        </a:defRPr>
+      </a:lvl1pPr>
+      <a:lvl2pPr marL="457200" algn="l" defTabSz="914400" rtl="0" eaLnBrk="1" latinLnBrk="0" hangingPunct="1">
+        <a:defRPr sz="1800" kern="1200">
+          <a:solidFill>
+            <a:schemeClr val="tx1"/>
+          </a:solidFill>
+          <a:latin typeface="+mn-lt"/>
+          <a:ea typeface="+mn-ea"/>
+          <a:cs typeface="+mn-cs"/>
+        </a:defRPr>
+      </a:lvl2pPr>
+      <a:lvl3pPr marL="914400" algn="l" defTabSz="914400" rtl="0" eaLnBrk="1" latinLnBrk="0" hangingPunct="1">
+        <a:defRPr sz="1800" kern="1200">
+          <a:solidFill>
+            <a:schemeClr val="tx1"/>
+          </a:solidFill>
+          <a:latin typeface="+mn-lt"/>
+          <a:ea typeface="+mn-ea"/>
+          <a:cs typeface="+mn-cs"/>
+        </a:defRPr>
+      </a:lvl3pPr>
+      <a:lvl4pPr marL="1371600" algn="l" defTabSz="914400" rtl="0" eaLnBrk="1" latinLnBrk="0" hangingPunct="1">
+        <a:defRPr sz="1800" kern="1200">
+          <a:solidFill>
+            <a:schemeClr val="tx1"/>
+          </a:solidFill>
+          <a:latin typeface="+mn-lt"/>
+          <a:ea typeface="+mn-ea"/>
+          <a:cs typeface="+mn-cs"/>
+        </a:defRPr>
+      </a:lvl4pPr>
+      <a:lvl5pPr marL="1828800" algn="l" defTabSz="914400" rtl="0" eaLnBrk="1" latinLnBrk="0" hangingPunct="1">
+        <a:defRPr sz="1800" kern="1200">
+          <a:solidFill>
+            <a:schemeClr val="tx1"/>
+          </a:solidFill>
+          <a:latin typeface="+mn-lt"/>
+          <a:ea typeface="+mn-ea"/>
+          <a:cs typeface="+mn-cs"/>
+        </a:defRPr>
+      </a:lvl5pPr>
+      <a:lvl6pPr marL="2286000" algn="l" defTabSz="914400" rtl="0" eaLnBrk="1" latinLnBrk="0" hangingPunct="1">
+        <a:defRPr sz="1800" kern="1200">
+          <a:solidFill>
+            <a:schemeClr val="tx1"/>
+          </a:solidFill>
+          <a:latin typeface="+mn-lt"/>
+          <a:ea typeface="+mn-ea"/>
+          <a:cs typeface="+mn-cs"/>
+        </a:defRPr>
+      </a:lvl6pPr>
+      <a:lvl7pPr marL="2743200" algn="l" defTabSz="914400" rtl="0" eaLnBrk="1" latinLnBrk="0" hangingPunct="1">
+        <a:defRPr sz="1800" kern="1200">
+          <a:solidFill>
+            <a:schemeClr val="tx1"/>
+          </a:solidFill>
+          <a:latin typeface="+mn-lt"/>
+          <a:ea typeface="+mn-ea"/>
+          <a:cs typeface="+mn-cs"/>
+        </a:defRPr>
+      </a:lvl7pPr>
+      <a:lvl8pPr marL="3200400" algn="l" defTabSz="914400" rtl="0" eaLnBrk="1" latinLnBrk="0" hangingPunct="1">
+        <a:defRPr sz="1800" kern="1200">
+          <a:solidFill>
+            <a:schemeClr val="tx1"/>
+          </a:solidFill>
+          <a:latin typeface="+mn-lt"/>
+          <a:ea typeface="+mn-ea"/>
+          <a:cs typeface="+mn-cs"/>
+        </a:defRPr>
+      </a:lvl8pPr>
+      <a:lvl9pPr marL="3657600" algn="l" defTabSz="914400" rtl="0" eaLnBrk="1" latinLnBrk="0" hangingPunct="1">
+        <a:defRPr sz="1800" kern="1200">
+          <a:solidFill>
+            <a:schemeClr val="tx1"/>
+          </a:solidFill>
+          <a:latin typeface="+mn-lt"/>
+          <a:ea typeface="+mn-ea"/>
+          <a:cs typeface="+mn-cs"/>
+        </a:defRPr>
+      </a:lvl9pPr>
+    </p:otherStyle>
+  </p:txStyles>
+</p:sldMaster>
+</file>
+
+<file path=ppt/slideMasters/slideMaster2.xml><?xml version="1.0" encoding="utf-8"?>
+<p:sldMaster xmlns:a="http://schemas.openxmlformats.org/drawingml/2006/main" xmlns:r="http://schemas.openxmlformats.org/officeDocument/2006/relationships" xmlns:p="http://schemas.openxmlformats.org/presentationml/2006/main">
+  <p:cSld>
+    <p:bg>
+      <p:bgRef idx="1001">
+        <a:schemeClr val="bg1"/>
+      </p:bgRef>
+    </p:bg>
+    <p:spTree>
+      <p:nvGrpSpPr>
+        <p:cNvPr id="1" name=""/>
+        <p:cNvGrpSpPr/>
+        <p:nvPr/>
+      </p:nvGrpSpPr>
+      <p:grpSpPr>
+        <a:xfrm>
+          <a:off x="0" y="0"/>
+          <a:ext cx="0" cy="0"/>
+          <a:chOff x="0" y="0"/>
+          <a:chExt cx="0" cy="0"/>
+        </a:xfrm>
+      </p:grpSpPr>
+      <p:sp>
+        <p:nvSpPr>
+          <p:cNvPr id="7" name="Rectangle 6"/>
+          <p:cNvSpPr/>
+          <p:nvPr/>
+        </p:nvSpPr>
+        <p:spPr>
+          <a:xfrm>
+            <a:off x="1" y="6400800"/>
+            <a:ext cx="12192000" cy="457200"/>
+          </a:xfrm>
+          <a:prstGeom prst="rect">
+            <a:avLst/>
+          </a:prstGeom>
+          <a:solidFill>
+            <a:schemeClr val="accent2"/>
+          </a:solidFill>
+          <a:ln>
+            <a:noFill/>
+          </a:ln>
+        </p:spPr>
+        <p:style>
+          <a:lnRef idx="2">
+            <a:schemeClr val="accent1">
+              <a:shade val="50000"/>
+            </a:schemeClr>
+          </a:lnRef>
+          <a:fillRef idx="1">
+            <a:schemeClr val="accent1"/>
+          </a:fillRef>
+          <a:effectRef idx="0">
+            <a:schemeClr val="accent1"/>
+          </a:effectRef>
+          <a:fontRef idx="minor">
+            <a:schemeClr val="lt1"/>
+          </a:fontRef>
+        </p:style>
+      </p:sp>
+      <p:sp>
+        <p:nvSpPr>
+          <p:cNvPr id="9" name="Rectangle 8"/>
+          <p:cNvSpPr/>
+          <p:nvPr/>
+        </p:nvSpPr>
+        <p:spPr>
+          <a:xfrm>
+            <a:off x="0" y="6334316"/>
+            <a:ext cx="12192001" cy="65998"/>
+          </a:xfrm>
+          <a:prstGeom prst="rect">
+            <a:avLst/>
+          </a:prstGeom>
+          <a:solidFill>
+            <a:schemeClr val="accent1"/>
+          </a:solidFill>
+          <a:ln>
+            <a:noFill/>
+          </a:ln>
+        </p:spPr>
+        <p:style>
+          <a:lnRef idx="2">
+            <a:schemeClr val="accent1">
+              <a:shade val="50000"/>
+            </a:schemeClr>
+          </a:lnRef>
+          <a:fillRef idx="1">
+            <a:schemeClr val="accent1"/>
+          </a:fillRef>
+          <a:effectRef idx="0">
+            <a:schemeClr val="accent1"/>
+          </a:effectRef>
+          <a:fontRef idx="minor">
+            <a:schemeClr val="lt1"/>
+          </a:fontRef>
+        </p:style>
+      </p:sp>
+      <p:sp>
+        <p:nvSpPr>
+          <p:cNvPr id="2" name="Title Placeholder 1"/>
+          <p:cNvSpPr>
+            <a:spLocks noGrp="1"/>
+          </p:cNvSpPr>
+          <p:nvPr>
+            <p:ph type="title"/>
+          </p:nvPr>
+        </p:nvSpPr>
+        <p:spPr>
+          <a:xfrm>
+            <a:off x="1097280" y="286603"/>
+            <a:ext cx="10058400" cy="1450757"/>
+          </a:xfrm>
+          <a:prstGeom prst="rect">
+            <a:avLst/>
+          </a:prstGeom>
+        </p:spPr>
+        <p:txBody>
+          <a:bodyPr vert="horz" lIns="91440" tIns="45720" rIns="91440" bIns="45720" rtlCol="0" anchor="b">
+            <a:normAutofit/>
+          </a:bodyPr>
+          <a:lstStyle/>
+          <a:p>
+            <a:r>
+              <a:rPr lang="pt-BR" smtClean="0"/>
+              <a:t>Clique para editar o título mestre</a:t>
+            </a:r>
+            <a:endParaRPr lang="en-US" dirty="0"/>
+          </a:p>
+        </p:txBody>
+      </p:sp>
+      <p:sp>
+        <p:nvSpPr>
+          <p:cNvPr id="3" name="Text Placeholder 2"/>
+          <p:cNvSpPr>
+            <a:spLocks noGrp="1"/>
+          </p:cNvSpPr>
+          <p:nvPr>
+            <p:ph type="body" idx="1"/>
+          </p:nvPr>
+        </p:nvSpPr>
+        <p:spPr>
+          <a:xfrm>
+            <a:off x="1097280" y="1845734"/>
+            <a:ext cx="10058400" cy="4023360"/>
+          </a:xfrm>
+          <a:prstGeom prst="rect">
+            <a:avLst/>
+          </a:prstGeom>
+        </p:spPr>
+        <p:txBody>
+          <a:bodyPr vert="horz" lIns="0" tIns="45720" rIns="0" bIns="45720" rtlCol="0">
+            <a:normAutofit/>
+          </a:bodyPr>
+          <a:lstStyle/>
+          <a:p>
+            <a:pPr lvl="0"/>
+            <a:r>
+              <a:rPr lang="pt-BR" smtClean="0"/>
+              <a:t>Clique para editar o texto mestre</a:t>
+            </a:r>
+          </a:p>
+          <a:p>
+            <a:pPr lvl="1"/>
+            <a:r>
+              <a:rPr lang="pt-BR" smtClean="0"/>
+              <a:t>Segundo nível</a:t>
+            </a:r>
+          </a:p>
+          <a:p>
+            <a:pPr lvl="2"/>
+            <a:r>
+              <a:rPr lang="pt-BR" smtClean="0"/>
+              <a:t>Terceiro nível</a:t>
+            </a:r>
+          </a:p>
+          <a:p>
+            <a:pPr lvl="3"/>
+            <a:r>
+              <a:rPr lang="pt-BR" smtClean="0"/>
+              <a:t>Quarto nível</a:t>
+            </a:r>
+          </a:p>
+          <a:p>
+            <a:pPr lvl="4"/>
+            <a:r>
+              <a:rPr lang="pt-BR" smtClean="0"/>
+              <a:t>Quinto nível</a:t>
+            </a:r>
+            <a:endParaRPr lang="en-US" dirty="0"/>
+          </a:p>
+        </p:txBody>
+      </p:sp>
+      <p:sp>
+        <p:nvSpPr>
+          <p:cNvPr id="4" name="Date Placeholder 3"/>
+          <p:cNvSpPr>
+            <a:spLocks noGrp="1"/>
+          </p:cNvSpPr>
+          <p:nvPr>
+            <p:ph type="dt" sz="half" idx="2"/>
+          </p:nvPr>
+        </p:nvSpPr>
+        <p:spPr>
+          <a:xfrm>
+            <a:off x="1097280" y="6459785"/>
+            <a:ext cx="2472271" cy="365125"/>
+          </a:xfrm>
+          <a:prstGeom prst="rect">
+            <a:avLst/>
+          </a:prstGeom>
+        </p:spPr>
+        <p:txBody>
+          <a:bodyPr vert="horz" lIns="91440" tIns="45720" rIns="91440" bIns="45720" rtlCol="0" anchor="ctr"/>
+          <a:lstStyle>
+            <a:lvl1pPr algn="l">
+              <a:defRPr sz="900">
+                <a:solidFill>
+                  <a:srgbClr val="FFFFFF"/>
+                </a:solidFill>
+              </a:defRPr>
+            </a:lvl1pPr>
+          </a:lstStyle>
+          <a:p>
+            <a:fld id="{1AAF2263-F9CA-460F-9828-4E79DFE3F165}" type="datetimeFigureOut">
+              <a:rPr lang="pt-BR" smtClean="0"/>
+              <a:pPr/>
+              <a:t>08/07/2019</a:t>
+            </a:fld>
+            <a:endParaRPr lang="pt-BR"/>
+          </a:p>
+        </p:txBody>
+      </p:sp>
+      <p:sp>
+        <p:nvSpPr>
+          <p:cNvPr id="5" name="Footer Placeholder 4"/>
+          <p:cNvSpPr>
+            <a:spLocks noGrp="1"/>
+          </p:cNvSpPr>
+          <p:nvPr>
+            <p:ph type="ftr" sz="quarter" idx="3"/>
+          </p:nvPr>
+        </p:nvSpPr>
+        <p:spPr>
+          <a:xfrm>
+            <a:off x="3686185" y="6459785"/>
+            <a:ext cx="4822804" cy="365125"/>
+          </a:xfrm>
+          <a:prstGeom prst="rect">
+            <a:avLst/>
+          </a:prstGeom>
+        </p:spPr>
+        <p:txBody>
+          <a:bodyPr vert="horz" lIns="91440" tIns="45720" rIns="91440" bIns="45720" rtlCol="0" anchor="ctr"/>
+          <a:lstStyle>
+            <a:lvl1pPr algn="ctr">
+              <a:defRPr sz="900" cap="all" baseline="0">
+                <a:solidFill>
+                  <a:srgbClr val="FFFFFF"/>
+                </a:solidFill>
+              </a:defRPr>
+            </a:lvl1pPr>
+          </a:lstStyle>
+          <a:p>
+            <a:endParaRPr lang="pt-BR"/>
+          </a:p>
+        </p:txBody>
+      </p:sp>
+      <p:sp>
+        <p:nvSpPr>
+          <p:cNvPr id="6" name="Slide Number Placeholder 5"/>
+          <p:cNvSpPr>
+            <a:spLocks noGrp="1"/>
+          </p:cNvSpPr>
+          <p:nvPr>
+            <p:ph type="sldNum" sz="quarter" idx="4"/>
+          </p:nvPr>
+        </p:nvSpPr>
+        <p:spPr>
+          <a:xfrm>
+            <a:off x="9900458" y="6459785"/>
+            <a:ext cx="1312025" cy="365125"/>
+          </a:xfrm>
+          <a:prstGeom prst="rect">
+            <a:avLst/>
+          </a:prstGeom>
+        </p:spPr>
+        <p:txBody>
+          <a:bodyPr vert="horz" lIns="91440" tIns="45720" rIns="91440" bIns="45720" rtlCol="0" anchor="ctr"/>
+          <a:lstStyle>
+            <a:lvl1pPr algn="r">
+              <a:defRPr sz="1050">
+                <a:solidFill>
+                  <a:srgbClr val="FFFFFF"/>
+                </a:solidFill>
+              </a:defRPr>
+            </a:lvl1pPr>
+          </a:lstStyle>
+          <a:p>
+            <a:fld id="{FAD15547-99B3-4101-AECC-00E7F2964613}" type="slidenum">
+              <a:rPr lang="pt-BR" smtClean="0"/>
+              <a:pPr/>
+              <a:t>‹nº›</a:t>
+            </a:fld>
+            <a:endParaRPr lang="pt-BR"/>
+          </a:p>
+        </p:txBody>
+      </p:sp>
+      <p:cxnSp>
+        <p:nvCxnSpPr>
+          <p:cNvPr id="10" name="Straight Connector 9"/>
+          <p:cNvCxnSpPr/>
+          <p:nvPr/>
+        </p:nvCxnSpPr>
+        <p:spPr>
+          <a:xfrm>
+            <a:off x="1193532" y="1737845"/>
+            <a:ext cx="9966960" cy="0"/>
+          </a:xfrm>
+          <a:prstGeom prst="line">
+            <a:avLst/>
+          </a:prstGeom>
+          <a:ln w="6350">
+            <a:solidFill>
+              <a:schemeClr val="tx1">
+                <a:lumMod val="50000"/>
+                <a:lumOff val="50000"/>
+              </a:schemeClr>
+            </a:solidFill>
+          </a:ln>
+        </p:spPr>
+        <p:style>
+          <a:lnRef idx="1">
+            <a:schemeClr val="accent1"/>
+          </a:lnRef>
+          <a:fillRef idx="0">
+            <a:schemeClr val="accent1"/>
+          </a:fillRef>
+          <a:effectRef idx="0">
+            <a:schemeClr val="accent1"/>
+          </a:effectRef>
+          <a:fontRef idx="minor">
+            <a:schemeClr val="tx1"/>
+          </a:fontRef>
+        </p:style>
+      </p:cxnSp>
+    </p:spTree>
+    <p:extLst>
+      <p:ext uri="{BB962C8B-B14F-4D97-AF65-F5344CB8AC3E}">
+        <p14:creationId xmlns:p14="http://schemas.microsoft.com/office/powerpoint/2010/main" val="3700023732"/>
+      </p:ext>
+    </p:extLst>
+  </p:cSld>
+  <p:clrMap bg1="lt1" tx1="dk1" bg2="lt2" tx2="dk2" accent1="accent1" accent2="accent2" accent3="accent3" accent4="accent4" accent5="accent5" accent6="accent6" hlink="hlink" folHlink="folHlink"/>
+  <p:sldLayoutIdLst>
+    <p:sldLayoutId id="2147483727" r:id="rId1"/>
+    <p:sldLayoutId id="2147483728" r:id="rId2"/>
+    <p:sldLayoutId id="2147483729" r:id="rId3"/>
+    <p:sldLayoutId id="2147483730" r:id="rId4"/>
+    <p:sldLayoutId id="2147483731" r:id="rId5"/>
+    <p:sldLayoutId id="2147483732" r:id="rId6"/>
+    <p:sldLayoutId id="2147483733" r:id="rId7"/>
+    <p:sldLayoutId id="2147483734" r:id="rId8"/>
+    <p:sldLayoutId id="2147483735" r:id="rId9"/>
+    <p:sldLayoutId id="2147483736" r:id="rId10"/>
+    <p:sldLayoutId id="2147483737" r:id="rId11"/>
+  </p:sldLayoutIdLst>
+  <p:txStyles>
+    <p:titleStyle>
+      <a:lvl1pPr algn="l" defTabSz="914400" rtl="0" eaLnBrk="1" latinLnBrk="0" hangingPunct="1">
+        <a:lnSpc>
+          <a:spcPct val="85000"/>
+        </a:lnSpc>
+        <a:spcBef>
+          <a:spcPct val="0"/>
+        </a:spcBef>
+        <a:buNone/>
+        <a:defRPr sz="4800" kern="1200" spc="-50" baseline="0">
+          <a:solidFill>
+            <a:schemeClr val="tx1">
+              <a:lumMod val="75000"/>
+              <a:lumOff val="25000"/>
+            </a:schemeClr>
+          </a:solidFill>
+          <a:latin typeface="+mj-lt"/>
+          <a:ea typeface="+mj-ea"/>
+          <a:cs typeface="+mj-cs"/>
+        </a:defRPr>
+      </a:lvl1pPr>
+    </p:titleStyle>
+    <p:bodyStyle>
+      <a:lvl1pPr marL="91440" indent="-91440" algn="l" defTabSz="914400" rtl="0" eaLnBrk="1" latinLnBrk="0" hangingPunct="1">
+        <a:lnSpc>
+          <a:spcPct val="90000"/>
+        </a:lnSpc>
+        <a:spcBef>
+          <a:spcPts val="1200"/>
+        </a:spcBef>
+        <a:spcAft>
+          <a:spcPts val="200"/>
+        </a:spcAft>
+        <a:buClr>
+          <a:schemeClr val="accent1"/>
+        </a:buClr>
+        <a:buSzPct val="100000"/>
+        <a:buFont typeface="Calibri" panose="020F0502020204030204" pitchFamily="34" charset="0"/>
+        <a:buChar char=" "/>
+        <a:defRPr sz="2000" kern="1200">
+          <a:solidFill>
+            <a:schemeClr val="tx1">
+              <a:lumMod val="75000"/>
+              <a:lumOff val="25000"/>
+            </a:schemeClr>
+          </a:solidFill>
+          <a:latin typeface="+mn-lt"/>
+          <a:ea typeface="+mn-ea"/>
+          <a:cs typeface="+mn-cs"/>
+        </a:defRPr>
+      </a:lvl1pPr>
+      <a:lvl2pPr marL="384048" indent="-182880" algn="l" defTabSz="914400" rtl="0" eaLnBrk="1" latinLnBrk="0" hangingPunct="1">
+        <a:lnSpc>
+          <a:spcPct val="90000"/>
+        </a:lnSpc>
+        <a:spcBef>
+          <a:spcPts val="200"/>
+        </a:spcBef>
+        <a:spcAft>
+          <a:spcPts val="400"/>
+        </a:spcAft>
+        <a:buClr>
+          <a:schemeClr val="accent1"/>
+        </a:buClr>
+        <a:buFont typeface="Calibri" pitchFamily="34" charset="0"/>
+        <a:buChar char="◦"/>
+        <a:defRPr sz="1800" kern="1200">
+          <a:solidFill>
+            <a:schemeClr val="tx1">
+              <a:lumMod val="75000"/>
+              <a:lumOff val="25000"/>
+            </a:schemeClr>
+          </a:solidFill>
+          <a:latin typeface="+mn-lt"/>
+          <a:ea typeface="+mn-ea"/>
+          <a:cs typeface="+mn-cs"/>
+        </a:defRPr>
+      </a:lvl2pPr>
+      <a:lvl3pPr marL="566928" indent="-182880" algn="l" defTabSz="914400" rtl="0" eaLnBrk="1" latinLnBrk="0" hangingPunct="1">
+        <a:lnSpc>
+          <a:spcPct val="90000"/>
+        </a:lnSpc>
+        <a:spcBef>
+          <a:spcPts val="200"/>
+        </a:spcBef>
+        <a:spcAft>
+          <a:spcPts val="400"/>
+        </a:spcAft>
+        <a:buClr>
+          <a:schemeClr val="accent1"/>
+        </a:buClr>
+        <a:buFont typeface="Calibri" pitchFamily="34" charset="0"/>
+        <a:buChar char="◦"/>
+        <a:defRPr sz="1400" kern="1200">
+          <a:solidFill>
+            <a:schemeClr val="tx1">
+              <a:lumMod val="75000"/>
+              <a:lumOff val="25000"/>
+            </a:schemeClr>
+          </a:solidFill>
+          <a:latin typeface="+mn-lt"/>
+          <a:ea typeface="+mn-ea"/>
+          <a:cs typeface="+mn-cs"/>
+        </a:defRPr>
+      </a:lvl3pPr>
+      <a:lvl4pPr marL="749808" indent="-182880" algn="l" defTabSz="914400" rtl="0" eaLnBrk="1" latinLnBrk="0" hangingPunct="1">
+        <a:lnSpc>
+          <a:spcPct val="90000"/>
+        </a:lnSpc>
+        <a:spcBef>
+          <a:spcPts val="200"/>
+        </a:spcBef>
+        <a:spcAft>
+          <a:spcPts val="400"/>
+        </a:spcAft>
+        <a:buClr>
+          <a:schemeClr val="accent1"/>
+        </a:buClr>
+        <a:buFont typeface="Calibri" pitchFamily="34" charset="0"/>
+        <a:buChar char="◦"/>
+        <a:defRPr sz="1400" kern="1200">
+          <a:solidFill>
+            <a:schemeClr val="tx1">
+              <a:lumMod val="75000"/>
+              <a:lumOff val="25000"/>
+            </a:schemeClr>
+          </a:solidFill>
+          <a:latin typeface="+mn-lt"/>
+          <a:ea typeface="+mn-ea"/>
+          <a:cs typeface="+mn-cs"/>
+        </a:defRPr>
+      </a:lvl4pPr>
+      <a:lvl5pPr marL="932688" indent="-182880" algn="l" defTabSz="914400" rtl="0" eaLnBrk="1" latinLnBrk="0" hangingPunct="1">
+        <a:lnSpc>
+          <a:spcPct val="90000"/>
+        </a:lnSpc>
+        <a:spcBef>
+          <a:spcPts val="200"/>
+        </a:spcBef>
+        <a:spcAft>
+          <a:spcPts val="400"/>
+        </a:spcAft>
+        <a:buClr>
+          <a:schemeClr val="accent1"/>
+        </a:buClr>
+        <a:buFont typeface="Calibri" pitchFamily="34" charset="0"/>
+        <a:buChar char="◦"/>
+        <a:defRPr sz="1400" kern="1200">
+          <a:solidFill>
+            <a:schemeClr val="tx1">
+              <a:lumMod val="75000"/>
+              <a:lumOff val="25000"/>
+            </a:schemeClr>
+          </a:solidFill>
+          <a:latin typeface="+mn-lt"/>
+          <a:ea typeface="+mn-ea"/>
+          <a:cs typeface="+mn-cs"/>
+        </a:defRPr>
+      </a:lvl5pPr>
+      <a:lvl6pPr marL="1100000" indent="-228600" algn="l" defTabSz="914400" rtl="0" eaLnBrk="1" latinLnBrk="0" hangingPunct="1">
+        <a:lnSpc>
+          <a:spcPct val="90000"/>
+        </a:lnSpc>
+        <a:spcBef>
+          <a:spcPts val="200"/>
+        </a:spcBef>
+        <a:spcAft>
+          <a:spcPts val="400"/>
+        </a:spcAft>
+        <a:buClr>
+          <a:schemeClr val="accent1"/>
+        </a:buClr>
+        <a:buFont typeface="Calibri" pitchFamily="34" charset="0"/>
+        <a:buChar char="◦"/>
+        <a:defRPr sz="1400" kern="1200">
+          <a:solidFill>
+            <a:schemeClr val="tx1">
+              <a:lumMod val="75000"/>
+              <a:lumOff val="25000"/>
+            </a:schemeClr>
+          </a:solidFill>
+          <a:latin typeface="+mn-lt"/>
+          <a:ea typeface="+mn-ea"/>
+          <a:cs typeface="+mn-cs"/>
+        </a:defRPr>
+      </a:lvl6pPr>
+      <a:lvl7pPr marL="1300000" indent="-228600" algn="l" defTabSz="914400" rtl="0" eaLnBrk="1" latinLnBrk="0" hangingPunct="1">
+        <a:lnSpc>
+          <a:spcPct val="90000"/>
+        </a:lnSpc>
+        <a:spcBef>
+          <a:spcPts val="200"/>
+        </a:spcBef>
+        <a:spcAft>
+          <a:spcPts val="400"/>
+        </a:spcAft>
+        <a:buClr>
+          <a:schemeClr val="accent1"/>
+        </a:buClr>
+        <a:buFont typeface="Calibri" pitchFamily="34" charset="0"/>
+        <a:buChar char="◦"/>
+        <a:defRPr sz="1400" kern="1200">
+          <a:solidFill>
+            <a:schemeClr val="tx1">
+              <a:lumMod val="75000"/>
+              <a:lumOff val="25000"/>
+            </a:schemeClr>
+          </a:solidFill>
+          <a:latin typeface="+mn-lt"/>
+          <a:ea typeface="+mn-ea"/>
+          <a:cs typeface="+mn-cs"/>
+        </a:defRPr>
+      </a:lvl7pPr>
+      <a:lvl8pPr marL="1500000" indent="-228600" algn="l" defTabSz="914400" rtl="0" eaLnBrk="1" latinLnBrk="0" hangingPunct="1">
+        <a:lnSpc>
+          <a:spcPct val="90000"/>
+        </a:lnSpc>
+        <a:spcBef>
+          <a:spcPts val="200"/>
+        </a:spcBef>
+        <a:spcAft>
+          <a:spcPts val="400"/>
+        </a:spcAft>
+        <a:buClr>
+          <a:schemeClr val="accent1"/>
+        </a:buClr>
+        <a:buFont typeface="Calibri" pitchFamily="34" charset="0"/>
+        <a:buChar char="◦"/>
+        <a:defRPr sz="1400" kern="1200">
+          <a:solidFill>
+            <a:schemeClr val="tx1">
+              <a:lumMod val="75000"/>
+              <a:lumOff val="25000"/>
+            </a:schemeClr>
+          </a:solidFill>
+          <a:latin typeface="+mn-lt"/>
+          <a:ea typeface="+mn-ea"/>
+          <a:cs typeface="+mn-cs"/>
+        </a:defRPr>
+      </a:lvl8pPr>
+      <a:lvl9pPr marL="1700000" indent="-228600" algn="l" defTabSz="914400" rtl="0" eaLnBrk="1" latinLnBrk="0" hangingPunct="1">
+        <a:lnSpc>
+          <a:spcPct val="90000"/>
+        </a:lnSpc>
+        <a:spcBef>
+          <a:spcPts val="200"/>
+        </a:spcBef>
+        <a:spcAft>
+          <a:spcPts val="400"/>
+        </a:spcAft>
+        <a:buClr>
+          <a:schemeClr val="accent1"/>
+        </a:buClr>
+        <a:buFont typeface="Calibri" pitchFamily="34" charset="0"/>
+        <a:buChar char="◦"/>
+        <a:defRPr sz="1400" kern="1200">
+          <a:solidFill>
+            <a:schemeClr val="tx1">
+              <a:lumMod val="75000"/>
+              <a:lumOff val="25000"/>
+            </a:schemeClr>
+          </a:solidFill>
+          <a:latin typeface="+mn-lt"/>
+          <a:ea typeface="+mn-ea"/>
+          <a:cs typeface="+mn-cs"/>
+        </a:defRPr>
+      </a:lvl9pPr>
+    </p:bodyStyle>
+    <p:otherStyle>
+      <a:defPPr>
+        <a:defRPr lang="en-US"/>
       </a:defPPr>
       <a:lvl1pPr marL="0" algn="l" defTabSz="914400" rtl="0" eaLnBrk="1" latinLnBrk="0" hangingPunct="1">
         <a:defRPr sz="1800" kern="1200">
@@ -2979,9 +6767,17 @@
           <a:lstStyle/>
           <a:p>
             <a:r>
-              <a:rPr lang="pt-BR" dirty="0"/>
-              <a:t>Requisitos Polimorfismo</a:t>
-            </a:r>
+              <a:rPr lang="pt-BR" dirty="0" smtClean="0"/>
+              <a:t>Leitor Digital</a:t>
+            </a:r>
+            <a:br>
+              <a:rPr lang="pt-BR" dirty="0" smtClean="0"/>
+            </a:br>
+            <a:r>
+              <a:rPr lang="pt-BR" dirty="0" smtClean="0"/>
+              <a:t>Polimorfismo</a:t>
+            </a:r>
+            <a:endParaRPr lang="pt-BR" dirty="0"/>
           </a:p>
         </p:txBody>
       </p:sp>
@@ -2995,12 +6791,29 @@
             <p:ph type="subTitle" idx="1"/>
           </p:nvPr>
         </p:nvSpPr>
-        <p:spPr/>
-        <p:txBody>
-          <a:bodyPr/>
-          <a:lstStyle/>
-          <a:p>
-            <a:endParaRPr lang="pt-BR"/>
+        <p:spPr>
+          <a:xfrm>
+            <a:off x="1524000" y="4524676"/>
+            <a:ext cx="9144000" cy="1655762"/>
+          </a:xfrm>
+        </p:spPr>
+        <p:txBody>
+          <a:bodyPr/>
+          <a:lstStyle/>
+          <a:p>
+            <a:r>
+              <a:rPr lang="pt-BR" dirty="0" smtClean="0"/>
+              <a:t>Aluno: </a:t>
+            </a:r>
+            <a:r>
+              <a:rPr lang="pt-BR" dirty="0" err="1" smtClean="0"/>
+              <a:t>Ronivaldo</a:t>
+            </a:r>
+            <a:r>
+              <a:rPr lang="pt-BR" dirty="0" smtClean="0"/>
+              <a:t> Ferreira Silva Júnior</a:t>
+            </a:r>
+            <a:endParaRPr lang="pt-BR" dirty="0"/>
           </a:p>
         </p:txBody>
       </p:sp>
@@ -3014,6 +6827,13 @@
   <p:clrMapOvr>
     <a:masterClrMapping/>
   </p:clrMapOvr>
+  <p:timing>
+    <p:tnLst>
+      <p:par>
+        <p:cTn id="1" dur="indefinite" restart="never" nodeType="tmRoot"/>
+      </p:par>
+    </p:tnLst>
+  </p:timing>
 </p:sld>
 </file>
 
@@ -3044,86 +6864,65 @@
             <p:ph type="title"/>
           </p:nvPr>
         </p:nvSpPr>
-        <p:spPr/>
-        <p:txBody>
-          <a:bodyPr/>
-          <a:lstStyle/>
-          <a:p>
-            <a:r>
-              <a:rPr lang="pt-BR" dirty="0"/>
-              <a:t>Criar um </a:t>
-            </a:r>
-            <a:r>
-              <a:rPr lang="pt-BR" dirty="0" err="1"/>
-              <a:t>main</a:t>
-            </a:r>
-            <a:r>
-              <a:rPr lang="pt-BR" dirty="0"/>
-              <a:t> semelhante ao do link</a:t>
-            </a:r>
-          </a:p>
-        </p:txBody>
-      </p:sp>
-      <p:sp>
-        <p:nvSpPr>
-          <p:cNvPr id="3" name="Espaço Reservado para Conteúdo 2"/>
-          <p:cNvSpPr>
-            <a:spLocks noGrp="1"/>
-          </p:cNvSpPr>
+        <p:spPr>
+          <a:xfrm>
+            <a:off x="838199" y="307460"/>
+            <a:ext cx="10515600" cy="1325563"/>
+          </a:xfrm>
+        </p:spPr>
+        <p:txBody>
+          <a:bodyPr/>
+          <a:lstStyle/>
+          <a:p>
+            <a:r>
+              <a:rPr lang="pt-BR" dirty="0" smtClean="0">
+                <a:solidFill>
+                  <a:srgbClr val="FF0000"/>
+                </a:solidFill>
+              </a:rPr>
+              <a:t>Construtor, Default, Copia, Destrutor (Lev)</a:t>
+            </a:r>
+            <a:endParaRPr lang="pt-BR" dirty="0">
+              <a:solidFill>
+                <a:srgbClr val="FF0000"/>
+              </a:solidFill>
+            </a:endParaRPr>
+          </a:p>
+        </p:txBody>
+      </p:sp>
+      <p:pic>
+        <p:nvPicPr>
+          <p:cNvPr id="4" name="Espaço Reservado para Conteúdo 3"/>
+          <p:cNvPicPr>
+            <a:picLocks noGrp="1" noChangeAspect="1"/>
+          </p:cNvPicPr>
           <p:nvPr>
             <p:ph idx="1"/>
           </p:nvPr>
-        </p:nvSpPr>
-        <p:spPr/>
-        <p:txBody>
-          <a:bodyPr/>
-          <a:lstStyle/>
-          <a:p>
-            <a:r>
-              <a:rPr lang="pt-BR" dirty="0">
-                <a:hlinkClick r:id="rId2"/>
-              </a:rPr>
-              <a:t>http://www.evernote.com/l/AD8wa73Ie8lHOq8yHg0n7GHhIkFHz6NjVIQ/</a:t>
-            </a:r>
-            <a:endParaRPr lang="pt-BR" dirty="0"/>
-          </a:p>
-          <a:p>
-            <a:r>
-              <a:rPr lang="pt-BR" dirty="0"/>
-              <a:t>Usar o vector</a:t>
-            </a:r>
-          </a:p>
-          <a:p>
-            <a:r>
-              <a:rPr lang="pt-BR" dirty="0"/>
-              <a:t>Usar o </a:t>
-            </a:r>
-            <a:r>
-              <a:rPr lang="pt-BR" dirty="0" err="1"/>
-              <a:t>dynamic_cast</a:t>
-            </a:r>
-            <a:r>
-              <a:rPr lang="pt-BR" dirty="0"/>
-              <a:t> uma da classe e fazer uma operação específica a essa classe</a:t>
-            </a:r>
-          </a:p>
-          <a:p>
-            <a:r>
-              <a:rPr lang="pt-BR" dirty="0"/>
-              <a:t>Usar o </a:t>
-            </a:r>
-            <a:r>
-              <a:rPr lang="pt-BR" dirty="0" err="1"/>
-              <a:t>typeid</a:t>
-            </a:r>
-            <a:endParaRPr lang="pt-BR" dirty="0"/>
-          </a:p>
-        </p:txBody>
-      </p:sp>
+        </p:nvPicPr>
+        <p:blipFill>
+          <a:blip r:embed="rId2">
+            <a:extLst>
+              <a:ext uri="{28A0092B-C50C-407E-A947-70E740481C1C}">
+                <a14:useLocalDpi xmlns:a14="http://schemas.microsoft.com/office/drawing/2010/main" val="0"/>
+              </a:ext>
+            </a:extLst>
+          </a:blip>
+          <a:stretch>
+            <a:fillRect/>
+          </a:stretch>
+        </p:blipFill>
+        <p:spPr>
+          <a:xfrm>
+            <a:off x="2111571" y="2042983"/>
+            <a:ext cx="7968855" cy="4032822"/>
+          </a:xfrm>
+        </p:spPr>
+      </p:pic>
     </p:spTree>
     <p:extLst>
       <p:ext uri="{BB962C8B-B14F-4D97-AF65-F5344CB8AC3E}">
-        <p14:creationId xmlns:p14="http://schemas.microsoft.com/office/powerpoint/2010/main" val="3554855480"/>
+        <p14:creationId xmlns:p14="http://schemas.microsoft.com/office/powerpoint/2010/main" val="3596016725"/>
       </p:ext>
     </p:extLst>
   </p:cSld>
@@ -3160,46 +6959,83 @@
             <p:ph type="title"/>
           </p:nvPr>
         </p:nvSpPr>
-        <p:spPr/>
-        <p:txBody>
-          <a:bodyPr/>
-          <a:lstStyle/>
-          <a:p>
-            <a:r>
-              <a:rPr lang="pt-BR" dirty="0"/>
-              <a:t>Atributo </a:t>
-            </a:r>
-            <a:r>
-              <a:rPr lang="pt-BR" dirty="0" err="1"/>
-              <a:t>static</a:t>
-            </a:r>
-            <a:endParaRPr lang="pt-BR" dirty="0"/>
-          </a:p>
-        </p:txBody>
-      </p:sp>
-      <p:sp>
-        <p:nvSpPr>
-          <p:cNvPr id="3" name="Espaço Reservado para Conteúdo 2"/>
-          <p:cNvSpPr>
-            <a:spLocks noGrp="1"/>
-          </p:cNvSpPr>
+        <p:spPr>
+          <a:xfrm>
+            <a:off x="838199" y="307460"/>
+            <a:ext cx="10515600" cy="1325563"/>
+          </a:xfrm>
+        </p:spPr>
+        <p:txBody>
+          <a:bodyPr>
+            <a:normAutofit fontScale="90000"/>
+          </a:bodyPr>
+          <a:lstStyle/>
+          <a:p>
+            <a:r>
+              <a:rPr lang="pt-BR" dirty="0" smtClean="0">
+                <a:solidFill>
+                  <a:srgbClr val="FF0000"/>
+                </a:solidFill>
+              </a:rPr>
+              <a:t>Construtor, Default, Copia, Destrutor (</a:t>
+            </a:r>
+            <a:r>
+              <a:rPr lang="pt-BR" dirty="0" err="1" smtClean="0">
+                <a:solidFill>
+                  <a:srgbClr val="FF0000"/>
+                </a:solidFill>
+              </a:rPr>
+              <a:t>Kobo</a:t>
+            </a:r>
+            <a:r>
+              <a:rPr lang="pt-BR" dirty="0" smtClean="0">
+                <a:solidFill>
+                  <a:srgbClr val="FF0000"/>
+                </a:solidFill>
+              </a:rPr>
+              <a:t>)</a:t>
+            </a:r>
+            <a:endParaRPr lang="pt-BR" dirty="0">
+              <a:solidFill>
+                <a:srgbClr val="FF0000"/>
+              </a:solidFill>
+            </a:endParaRPr>
+          </a:p>
+        </p:txBody>
+      </p:sp>
+      <p:pic>
+        <p:nvPicPr>
+          <p:cNvPr id="4" name="Espaço Reservado para Conteúdo 3"/>
+          <p:cNvPicPr>
+            <a:picLocks noGrp="1" noChangeAspect="1"/>
+          </p:cNvPicPr>
           <p:nvPr>
             <p:ph idx="1"/>
           </p:nvPr>
-        </p:nvSpPr>
-        <p:spPr/>
-        <p:txBody>
-          <a:bodyPr/>
-          <a:lstStyle/>
-          <a:p>
-            <a:endParaRPr lang="pt-BR"/>
-          </a:p>
-        </p:txBody>
-      </p:sp>
+        </p:nvPicPr>
+        <p:blipFill>
+          <a:blip r:embed="rId2">
+            <a:extLst>
+              <a:ext uri="{28A0092B-C50C-407E-A947-70E740481C1C}">
+                <a14:useLocalDpi xmlns:a14="http://schemas.microsoft.com/office/drawing/2010/main" val="0"/>
+              </a:ext>
+            </a:extLst>
+          </a:blip>
+          <a:stretch>
+            <a:fillRect/>
+          </a:stretch>
+        </p:blipFill>
+        <p:spPr>
+          <a:xfrm>
+            <a:off x="2410409" y="2010034"/>
+            <a:ext cx="7371180" cy="3985580"/>
+          </a:xfrm>
+        </p:spPr>
+      </p:pic>
     </p:spTree>
     <p:extLst>
       <p:ext uri="{BB962C8B-B14F-4D97-AF65-F5344CB8AC3E}">
-        <p14:creationId xmlns:p14="http://schemas.microsoft.com/office/powerpoint/2010/main" val="3798344294"/>
+        <p14:creationId xmlns:p14="http://schemas.microsoft.com/office/powerpoint/2010/main" val="2369747014"/>
       </p:ext>
     </p:extLst>
   </p:cSld>
@@ -3236,54 +7072,241 @@
             <p:ph type="title"/>
           </p:nvPr>
         </p:nvSpPr>
-        <p:spPr/>
-        <p:txBody>
-          <a:bodyPr/>
-          <a:lstStyle/>
-          <a:p>
-            <a:r>
-              <a:rPr lang="pt-BR" dirty="0"/>
-              <a:t>Atributo </a:t>
-            </a:r>
-            <a:r>
-              <a:rPr lang="pt-BR" dirty="0" err="1"/>
-              <a:t>static</a:t>
-            </a:r>
-            <a:r>
-              <a:rPr lang="pt-BR" dirty="0"/>
-              <a:t> </a:t>
-            </a:r>
-            <a:r>
-              <a:rPr lang="pt-BR" dirty="0" err="1"/>
-              <a:t>const</a:t>
-            </a:r>
-            <a:endParaRPr lang="pt-BR" dirty="0"/>
-          </a:p>
-        </p:txBody>
-      </p:sp>
-      <p:sp>
-        <p:nvSpPr>
-          <p:cNvPr id="3" name="Espaço Reservado para Conteúdo 2"/>
-          <p:cNvSpPr>
-            <a:spLocks noGrp="1"/>
-          </p:cNvSpPr>
+        <p:spPr>
+          <a:xfrm>
+            <a:off x="4562733" y="5346359"/>
+            <a:ext cx="1154329" cy="290255"/>
+          </a:xfrm>
+        </p:spPr>
+        <p:txBody>
+          <a:bodyPr>
+            <a:noAutofit/>
+          </a:bodyPr>
+          <a:lstStyle/>
+          <a:p>
+            <a:r>
+              <a:rPr lang="pt-BR" sz="2800" u="sng" dirty="0" err="1" smtClean="0">
+                <a:solidFill>
+                  <a:srgbClr val="FF0000"/>
+                </a:solidFill>
+              </a:rPr>
+              <a:t>TypeId</a:t>
+            </a:r>
+            <a:endParaRPr lang="pt-BR" sz="2800" u="sng" dirty="0">
+              <a:solidFill>
+                <a:srgbClr val="FF0000"/>
+              </a:solidFill>
+            </a:endParaRPr>
+          </a:p>
+        </p:txBody>
+      </p:sp>
+      <p:pic>
+        <p:nvPicPr>
+          <p:cNvPr id="7" name="Espaço Reservado para Conteúdo 6"/>
+          <p:cNvPicPr>
+            <a:picLocks noGrp="1" noChangeAspect="1"/>
+          </p:cNvPicPr>
           <p:nvPr>
             <p:ph idx="1"/>
           </p:nvPr>
-        </p:nvSpPr>
-        <p:spPr/>
-        <p:txBody>
-          <a:bodyPr/>
-          <a:lstStyle/>
-          <a:p>
-            <a:endParaRPr lang="pt-BR"/>
-          </a:p>
-        </p:txBody>
-      </p:sp>
+        </p:nvPicPr>
+        <p:blipFill>
+          <a:blip r:embed="rId2">
+            <a:extLst>
+              <a:ext uri="{28A0092B-C50C-407E-A947-70E740481C1C}">
+                <a14:useLocalDpi xmlns:a14="http://schemas.microsoft.com/office/drawing/2010/main" val="0"/>
+              </a:ext>
+            </a:extLst>
+          </a:blip>
+          <a:stretch>
+            <a:fillRect/>
+          </a:stretch>
+        </p:blipFill>
+        <p:spPr>
+          <a:xfrm>
+            <a:off x="3206913" y="5735467"/>
+            <a:ext cx="4410691" cy="933580"/>
+          </a:xfrm>
+        </p:spPr>
+      </p:pic>
+      <p:sp>
+        <p:nvSpPr>
+          <p:cNvPr id="8" name="Título 1"/>
+          <p:cNvSpPr txBox="1">
+            <a:spLocks/>
+          </p:cNvSpPr>
+          <p:nvPr/>
+        </p:nvSpPr>
+        <p:spPr>
+          <a:xfrm>
+            <a:off x="4586415" y="45574"/>
+            <a:ext cx="1134761" cy="388636"/>
+          </a:xfrm>
+          <a:prstGeom prst="rect">
+            <a:avLst/>
+          </a:prstGeom>
+        </p:spPr>
+        <p:txBody>
+          <a:bodyPr vert="horz" lIns="91440" tIns="45720" rIns="91440" bIns="45720" rtlCol="0" anchor="ctr">
+            <a:noAutofit/>
+          </a:bodyPr>
+          <a:lstStyle>
+            <a:lvl1pPr algn="l" defTabSz="914400" rtl="0" eaLnBrk="1" latinLnBrk="0" hangingPunct="1">
+              <a:lnSpc>
+                <a:spcPct val="90000"/>
+              </a:lnSpc>
+              <a:spcBef>
+                <a:spcPct val="0"/>
+              </a:spcBef>
+              <a:buNone/>
+              <a:defRPr sz="4400" kern="1200">
+                <a:solidFill>
+                  <a:schemeClr val="tx1"/>
+                </a:solidFill>
+                <a:latin typeface="+mj-lt"/>
+                <a:ea typeface="+mj-ea"/>
+                <a:cs typeface="+mj-cs"/>
+              </a:defRPr>
+            </a:lvl1pPr>
+          </a:lstStyle>
+          <a:p>
+            <a:r>
+              <a:rPr lang="pt-BR" sz="2800" u="sng" dirty="0" smtClean="0">
+                <a:solidFill>
+                  <a:srgbClr val="FF0000"/>
+                </a:solidFill>
+              </a:rPr>
+              <a:t>Vector</a:t>
+            </a:r>
+            <a:endParaRPr lang="pt-BR" sz="2800" u="sng" dirty="0">
+              <a:solidFill>
+                <a:srgbClr val="FF0000"/>
+              </a:solidFill>
+            </a:endParaRPr>
+          </a:p>
+        </p:txBody>
+      </p:sp>
+      <p:pic>
+        <p:nvPicPr>
+          <p:cNvPr id="10" name="Imagem 9"/>
+          <p:cNvPicPr>
+            <a:picLocks noChangeAspect="1"/>
+          </p:cNvPicPr>
+          <p:nvPr/>
+        </p:nvPicPr>
+        <p:blipFill>
+          <a:blip r:embed="rId3">
+            <a:extLst>
+              <a:ext uri="{28A0092B-C50C-407E-A947-70E740481C1C}">
+                <a14:useLocalDpi xmlns:a14="http://schemas.microsoft.com/office/drawing/2010/main" val="0"/>
+              </a:ext>
+            </a:extLst>
+          </a:blip>
+          <a:stretch>
+            <a:fillRect/>
+          </a:stretch>
+        </p:blipFill>
+        <p:spPr>
+          <a:xfrm>
+            <a:off x="1925621" y="500111"/>
+            <a:ext cx="6973273" cy="1810003"/>
+          </a:xfrm>
+          <a:prstGeom prst="rect">
+            <a:avLst/>
+          </a:prstGeom>
+        </p:spPr>
+      </p:pic>
+      <p:sp>
+        <p:nvSpPr>
+          <p:cNvPr id="11" name="Título 1"/>
+          <p:cNvSpPr txBox="1">
+            <a:spLocks/>
+          </p:cNvSpPr>
+          <p:nvPr/>
+        </p:nvSpPr>
+        <p:spPr>
+          <a:xfrm>
+            <a:off x="4076697" y="2534934"/>
+            <a:ext cx="2472383" cy="494272"/>
+          </a:xfrm>
+          <a:prstGeom prst="rect">
+            <a:avLst/>
+          </a:prstGeom>
+        </p:spPr>
+        <p:txBody>
+          <a:bodyPr vert="horz" lIns="91440" tIns="45720" rIns="91440" bIns="45720" rtlCol="0" anchor="ctr">
+            <a:normAutofit/>
+          </a:bodyPr>
+          <a:lstStyle>
+            <a:lvl1pPr algn="l" defTabSz="914400" rtl="0" eaLnBrk="1" latinLnBrk="0" hangingPunct="1">
+              <a:lnSpc>
+                <a:spcPct val="90000"/>
+              </a:lnSpc>
+              <a:spcBef>
+                <a:spcPct val="0"/>
+              </a:spcBef>
+              <a:buNone/>
+              <a:defRPr sz="4400" kern="1200">
+                <a:solidFill>
+                  <a:schemeClr val="tx1"/>
+                </a:solidFill>
+                <a:latin typeface="+mj-lt"/>
+                <a:ea typeface="+mj-ea"/>
+                <a:cs typeface="+mj-cs"/>
+              </a:defRPr>
+            </a:lvl1pPr>
+          </a:lstStyle>
+          <a:p>
+            <a:r>
+              <a:rPr lang="pt-BR" sz="2800" u="sng" dirty="0" err="1" smtClean="0">
+                <a:solidFill>
+                  <a:srgbClr val="FF0000"/>
+                </a:solidFill>
+              </a:rPr>
+              <a:t>Dynamic_cast</a:t>
+            </a:r>
+            <a:endParaRPr lang="pt-BR" sz="1200" u="sng" dirty="0">
+              <a:solidFill>
+                <a:srgbClr val="FF0000"/>
+              </a:solidFill>
+            </a:endParaRPr>
+          </a:p>
+        </p:txBody>
+      </p:sp>
+      <p:pic>
+        <p:nvPicPr>
+          <p:cNvPr id="12" name="Imagem 11"/>
+          <p:cNvPicPr>
+            <a:picLocks noChangeAspect="1"/>
+          </p:cNvPicPr>
+          <p:nvPr/>
+        </p:nvPicPr>
+        <p:blipFill>
+          <a:blip r:embed="rId4">
+            <a:extLst>
+              <a:ext uri="{28A0092B-C50C-407E-A947-70E740481C1C}">
+                <a14:useLocalDpi xmlns:a14="http://schemas.microsoft.com/office/drawing/2010/main" val="0"/>
+              </a:ext>
+            </a:extLst>
+          </a:blip>
+          <a:stretch>
+            <a:fillRect/>
+          </a:stretch>
+        </p:blipFill>
+        <p:spPr>
+          <a:xfrm>
+            <a:off x="2534053" y="3024862"/>
+            <a:ext cx="5970598" cy="2097111"/>
+          </a:xfrm>
+          <a:prstGeom prst="rect">
+            <a:avLst/>
+          </a:prstGeom>
+        </p:spPr>
+      </p:pic>
     </p:spTree>
     <p:extLst>
       <p:ext uri="{BB962C8B-B14F-4D97-AF65-F5344CB8AC3E}">
-        <p14:creationId xmlns:p14="http://schemas.microsoft.com/office/powerpoint/2010/main" val="1257106307"/>
+        <p14:creationId xmlns:p14="http://schemas.microsoft.com/office/powerpoint/2010/main" val="135073244"/>
       </p:ext>
     </p:extLst>
   </p:cSld>
@@ -3320,46 +7343,73 @@
             <p:ph type="title"/>
           </p:nvPr>
         </p:nvSpPr>
-        <p:spPr/>
-        <p:txBody>
-          <a:bodyPr/>
-          <a:lstStyle/>
-          <a:p>
-            <a:r>
-              <a:rPr lang="pt-BR" dirty="0"/>
-              <a:t>Atributo </a:t>
-            </a:r>
-            <a:r>
-              <a:rPr lang="pt-BR" dirty="0" err="1"/>
-              <a:t>const</a:t>
-            </a:r>
-            <a:endParaRPr lang="pt-BR" dirty="0"/>
-          </a:p>
-        </p:txBody>
-      </p:sp>
-      <p:sp>
-        <p:nvSpPr>
-          <p:cNvPr id="3" name="Espaço Reservado para Conteúdo 2"/>
-          <p:cNvSpPr>
-            <a:spLocks noGrp="1"/>
-          </p:cNvSpPr>
+        <p:spPr>
+          <a:xfrm>
+            <a:off x="838199" y="307460"/>
+            <a:ext cx="10515600" cy="1325563"/>
+          </a:xfrm>
+        </p:spPr>
+        <p:txBody>
+          <a:bodyPr/>
+          <a:lstStyle/>
+          <a:p>
+            <a:r>
+              <a:rPr lang="pt-BR" dirty="0" smtClean="0">
+                <a:solidFill>
+                  <a:srgbClr val="FF0000"/>
+                </a:solidFill>
+              </a:rPr>
+              <a:t>Composição – </a:t>
+            </a:r>
+            <a:r>
+              <a:rPr lang="pt-BR" dirty="0" err="1" smtClean="0">
+                <a:solidFill>
+                  <a:srgbClr val="FF0000"/>
+                </a:solidFill>
+              </a:rPr>
+              <a:t>Biblioteca.h</a:t>
+            </a:r>
+            <a:endParaRPr lang="pt-BR" dirty="0">
+              <a:solidFill>
+                <a:srgbClr val="FF0000"/>
+              </a:solidFill>
+            </a:endParaRPr>
+          </a:p>
+        </p:txBody>
+      </p:sp>
+      <p:pic>
+        <p:nvPicPr>
+          <p:cNvPr id="5" name="Espaço Reservado para Conteúdo 4"/>
+          <p:cNvPicPr>
+            <a:picLocks noGrp="1" noChangeAspect="1"/>
+          </p:cNvPicPr>
           <p:nvPr>
             <p:ph idx="1"/>
           </p:nvPr>
-        </p:nvSpPr>
-        <p:spPr/>
-        <p:txBody>
-          <a:bodyPr/>
-          <a:lstStyle/>
-          <a:p>
-            <a:endParaRPr lang="pt-BR"/>
-          </a:p>
-        </p:txBody>
-      </p:sp>
+        </p:nvPicPr>
+        <p:blipFill>
+          <a:blip r:embed="rId2">
+            <a:extLst>
+              <a:ext uri="{28A0092B-C50C-407E-A947-70E740481C1C}">
+                <a14:useLocalDpi xmlns:a14="http://schemas.microsoft.com/office/drawing/2010/main" val="0"/>
+              </a:ext>
+            </a:extLst>
+          </a:blip>
+          <a:stretch>
+            <a:fillRect/>
+          </a:stretch>
+        </p:blipFill>
+        <p:spPr>
+          <a:xfrm>
+            <a:off x="3403416" y="1994544"/>
+            <a:ext cx="5385165" cy="4022725"/>
+          </a:xfrm>
+        </p:spPr>
+      </p:pic>
     </p:spTree>
     <p:extLst>
       <p:ext uri="{BB962C8B-B14F-4D97-AF65-F5344CB8AC3E}">
-        <p14:creationId xmlns:p14="http://schemas.microsoft.com/office/powerpoint/2010/main" val="2818820988"/>
+        <p14:creationId xmlns:p14="http://schemas.microsoft.com/office/powerpoint/2010/main" val="778835058"/>
       </p:ext>
     </p:extLst>
   </p:cSld>
@@ -3396,41 +7446,66 @@
             <p:ph type="title"/>
           </p:nvPr>
         </p:nvSpPr>
-        <p:spPr/>
-        <p:txBody>
-          <a:bodyPr/>
-          <a:lstStyle/>
-          <a:p>
-            <a:r>
-              <a:rPr lang="pt-BR" dirty="0"/>
-              <a:t>Uma atributo do tipo Data</a:t>
-            </a:r>
-          </a:p>
-        </p:txBody>
-      </p:sp>
-      <p:sp>
-        <p:nvSpPr>
-          <p:cNvPr id="3" name="Espaço Reservado para Conteúdo 2"/>
-          <p:cNvSpPr>
-            <a:spLocks noGrp="1"/>
-          </p:cNvSpPr>
-          <p:nvPr>
-            <p:ph idx="1"/>
-          </p:nvPr>
-        </p:nvSpPr>
-        <p:spPr/>
-        <p:txBody>
-          <a:bodyPr/>
-          <a:lstStyle/>
-          <a:p>
-            <a:endParaRPr lang="pt-BR"/>
-          </a:p>
-        </p:txBody>
-      </p:sp>
+        <p:spPr>
+          <a:xfrm>
+            <a:off x="838199" y="307460"/>
+            <a:ext cx="10515600" cy="1325563"/>
+          </a:xfrm>
+        </p:spPr>
+        <p:txBody>
+          <a:bodyPr/>
+          <a:lstStyle/>
+          <a:p>
+            <a:r>
+              <a:rPr lang="pt-BR" dirty="0" smtClean="0">
+                <a:solidFill>
+                  <a:srgbClr val="FF0000"/>
+                </a:solidFill>
+              </a:rPr>
+              <a:t>Composição – Biblioteca.cpp</a:t>
+            </a:r>
+            <a:endParaRPr lang="pt-BR" dirty="0">
+              <a:solidFill>
+                <a:srgbClr val="FF0000"/>
+              </a:solidFill>
+            </a:endParaRPr>
+          </a:p>
+        </p:txBody>
+      </p:sp>
+      <p:pic>
+        <p:nvPicPr>
+          <p:cNvPr id="3" name="Imagem 2"/>
+          <p:cNvPicPr>
+            <a:picLocks noChangeAspect="1"/>
+          </p:cNvPicPr>
+          <p:nvPr/>
+        </p:nvPicPr>
+        <p:blipFill>
+          <a:blip r:embed="rId2">
+            <a:extLst>
+              <a:ext uri="{28A0092B-C50C-407E-A947-70E740481C1C}">
+                <a14:useLocalDpi xmlns:a14="http://schemas.microsoft.com/office/drawing/2010/main" val="0"/>
+              </a:ext>
+            </a:extLst>
+          </a:blip>
+          <a:stretch>
+            <a:fillRect/>
+          </a:stretch>
+        </p:blipFill>
+        <p:spPr>
+          <a:xfrm>
+            <a:off x="3057033" y="1980379"/>
+            <a:ext cx="6077931" cy="4124069"/>
+          </a:xfrm>
+          <a:prstGeom prst="rect">
+            <a:avLst/>
+          </a:prstGeom>
+        </p:spPr>
+      </p:pic>
     </p:spTree>
     <p:extLst>
       <p:ext uri="{BB962C8B-B14F-4D97-AF65-F5344CB8AC3E}">
-        <p14:creationId xmlns:p14="http://schemas.microsoft.com/office/powerpoint/2010/main" val="2320669404"/>
+        <p14:creationId xmlns:p14="http://schemas.microsoft.com/office/powerpoint/2010/main" val="2746943463"/>
       </p:ext>
     </p:extLst>
   </p:cSld>
@@ -3467,50 +7542,86 @@
             <p:ph type="title"/>
           </p:nvPr>
         </p:nvSpPr>
-        <p:spPr/>
-        <p:txBody>
-          <a:bodyPr/>
-          <a:lstStyle/>
-          <a:p>
-            <a:r>
-              <a:rPr lang="pt-BR" dirty="0"/>
-              <a:t>Composição com outra classe criada por vocês </a:t>
-            </a:r>
-          </a:p>
-        </p:txBody>
-      </p:sp>
-      <p:sp>
-        <p:nvSpPr>
-          <p:cNvPr id="3" name="Espaço Reservado para Conteúdo 2"/>
-          <p:cNvSpPr>
-            <a:spLocks noGrp="1"/>
-          </p:cNvSpPr>
+        <p:spPr>
+          <a:xfrm>
+            <a:off x="838199" y="307460"/>
+            <a:ext cx="10515600" cy="1325563"/>
+          </a:xfrm>
+        </p:spPr>
+        <p:txBody>
+          <a:bodyPr/>
+          <a:lstStyle/>
+          <a:p>
+            <a:r>
+              <a:rPr lang="pt-BR" dirty="0" smtClean="0">
+                <a:solidFill>
+                  <a:srgbClr val="FF0000"/>
+                </a:solidFill>
+              </a:rPr>
+              <a:t>Composição – </a:t>
+            </a:r>
+            <a:r>
+              <a:rPr lang="pt-BR" dirty="0" err="1" smtClean="0">
+                <a:solidFill>
+                  <a:srgbClr val="FF0000"/>
+                </a:solidFill>
+              </a:rPr>
+              <a:t>Livro.h</a:t>
+            </a:r>
+            <a:endParaRPr lang="pt-BR" dirty="0">
+              <a:solidFill>
+                <a:srgbClr val="FF0000"/>
+              </a:solidFill>
+            </a:endParaRPr>
+          </a:p>
+        </p:txBody>
+      </p:sp>
+      <p:pic>
+        <p:nvPicPr>
+          <p:cNvPr id="5" name="Espaço Reservado para Conteúdo 4"/>
+          <p:cNvPicPr>
+            <a:picLocks noGrp="1" noChangeAspect="1"/>
+          </p:cNvPicPr>
           <p:nvPr>
             <p:ph idx="1"/>
           </p:nvPr>
-        </p:nvSpPr>
-        <p:spPr/>
-        <p:txBody>
-          <a:bodyPr/>
-          <a:lstStyle/>
-          <a:p>
-            <a:r>
-              <a:rPr lang="pt-BR" dirty="0"/>
-              <a:t>A classe deve ser relacionada</a:t>
-            </a:r>
-          </a:p>
-        </p:txBody>
-      </p:sp>
+        </p:nvPicPr>
+        <p:blipFill>
+          <a:blip r:embed="rId2">
+            <a:extLst>
+              <a:ext uri="{28A0092B-C50C-407E-A947-70E740481C1C}">
+                <a14:useLocalDpi xmlns:a14="http://schemas.microsoft.com/office/drawing/2010/main" val="0"/>
+              </a:ext>
+            </a:extLst>
+          </a:blip>
+          <a:stretch>
+            <a:fillRect/>
+          </a:stretch>
+        </p:blipFill>
+        <p:spPr>
+          <a:xfrm>
+            <a:off x="3403416" y="2052209"/>
+            <a:ext cx="5385165" cy="4022725"/>
+          </a:xfrm>
+        </p:spPr>
+      </p:pic>
     </p:spTree>
     <p:extLst>
       <p:ext uri="{BB962C8B-B14F-4D97-AF65-F5344CB8AC3E}">
-        <p14:creationId xmlns:p14="http://schemas.microsoft.com/office/powerpoint/2010/main" val="135073244"/>
+        <p14:creationId xmlns:p14="http://schemas.microsoft.com/office/powerpoint/2010/main" val="3899645039"/>
       </p:ext>
     </p:extLst>
   </p:cSld>
   <p:clrMapOvr>
     <a:masterClrMapping/>
   </p:clrMapOvr>
+  <p:timing>
+    <p:tnLst>
+      <p:par>
+        <p:cTn id="1" dur="indefinite" restart="never" nodeType="tmRoot"/>
+      </p:par>
+    </p:tnLst>
+  </p:timing>
 </p:sld>
 </file>
 
@@ -3541,61 +7652,65 @@
             <p:ph type="title"/>
           </p:nvPr>
         </p:nvSpPr>
-        <p:spPr/>
-        <p:txBody>
-          <a:bodyPr/>
-          <a:lstStyle/>
-          <a:p>
-            <a:r>
-              <a:rPr lang="pt-BR" dirty="0"/>
-              <a:t>Mostra uso da classe de composição</a:t>
-            </a:r>
-          </a:p>
-        </p:txBody>
-      </p:sp>
-      <p:sp>
-        <p:nvSpPr>
-          <p:cNvPr id="3" name="Espaço Reservado para Conteúdo 2"/>
-          <p:cNvSpPr>
-            <a:spLocks noGrp="1"/>
-          </p:cNvSpPr>
+        <p:spPr>
+          <a:xfrm>
+            <a:off x="838199" y="307460"/>
+            <a:ext cx="10515600" cy="1325563"/>
+          </a:xfrm>
+        </p:spPr>
+        <p:txBody>
+          <a:bodyPr/>
+          <a:lstStyle/>
+          <a:p>
+            <a:r>
+              <a:rPr lang="pt-BR" dirty="0" smtClean="0">
+                <a:solidFill>
+                  <a:srgbClr val="FF0000"/>
+                </a:solidFill>
+              </a:rPr>
+              <a:t>Composição – Livro.cpp</a:t>
+            </a:r>
+            <a:endParaRPr lang="pt-BR" dirty="0">
+              <a:solidFill>
+                <a:srgbClr val="FF0000"/>
+              </a:solidFill>
+            </a:endParaRPr>
+          </a:p>
+        </p:txBody>
+      </p:sp>
+      <p:pic>
+        <p:nvPicPr>
+          <p:cNvPr id="4" name="Espaço Reservado para Conteúdo 3"/>
+          <p:cNvPicPr>
+            <a:picLocks noGrp="1" noChangeAspect="1"/>
+          </p:cNvPicPr>
           <p:nvPr>
             <p:ph idx="1"/>
           </p:nvPr>
-        </p:nvSpPr>
-        <p:spPr/>
-        <p:txBody>
-          <a:bodyPr/>
-          <a:lstStyle/>
-          <a:p>
-            <a:r>
-              <a:rPr lang="pt-BR" dirty="0"/>
-              <a:t>No .h da outra classe</a:t>
-            </a:r>
-          </a:p>
-          <a:p>
-            <a:r>
-              <a:rPr lang="pt-BR" dirty="0"/>
-              <a:t>No construtor</a:t>
-            </a:r>
-          </a:p>
-          <a:p>
-            <a:r>
-              <a:rPr lang="pt-BR" dirty="0"/>
-              <a:t>Em outras partes </a:t>
-            </a:r>
-            <a:r>
-              <a:rPr lang="pt-BR"/>
-              <a:t>no código</a:t>
-            </a:r>
-            <a:endParaRPr lang="pt-BR"/>
-          </a:p>
-        </p:txBody>
-      </p:sp>
+        </p:nvPicPr>
+        <p:blipFill>
+          <a:blip r:embed="rId2">
+            <a:extLst>
+              <a:ext uri="{28A0092B-C50C-407E-A947-70E740481C1C}">
+                <a14:useLocalDpi xmlns:a14="http://schemas.microsoft.com/office/drawing/2010/main" val="0"/>
+              </a:ext>
+            </a:extLst>
+          </a:blip>
+          <a:stretch>
+            <a:fillRect/>
+          </a:stretch>
+        </p:blipFill>
+        <p:spPr>
+          <a:xfrm>
+            <a:off x="3846110" y="2109874"/>
+            <a:ext cx="4499778" cy="4022725"/>
+          </a:xfrm>
+        </p:spPr>
+      </p:pic>
     </p:spTree>
     <p:extLst>
       <p:ext uri="{BB962C8B-B14F-4D97-AF65-F5344CB8AC3E}">
-        <p14:creationId xmlns:p14="http://schemas.microsoft.com/office/powerpoint/2010/main" val="2441954703"/>
+        <p14:creationId xmlns:p14="http://schemas.microsoft.com/office/powerpoint/2010/main" val="1387947359"/>
       </p:ext>
     </p:extLst>
   </p:cSld>
@@ -3632,258 +7747,21 @@
             <p:ph type="title"/>
           </p:nvPr>
         </p:nvSpPr>
-        <p:spPr/>
-        <p:txBody>
-          <a:bodyPr/>
+        <p:spPr>
+          <a:xfrm>
+            <a:off x="838200" y="-112675"/>
+            <a:ext cx="10515600" cy="1325563"/>
+          </a:xfrm>
+        </p:spPr>
+        <p:txBody>
+          <a:bodyPr>
+            <a:normAutofit fontScale="90000"/>
+          </a:bodyPr>
           <a:lstStyle/>
           <a:p>
             <a:r>
               <a:rPr lang="pt-BR" dirty="0"/>
               <a:t>Hierarquia como três classes no mesmo nível</a:t>
-            </a:r>
-          </a:p>
-        </p:txBody>
-      </p:sp>
-      <p:sp>
-        <p:nvSpPr>
-          <p:cNvPr id="4" name="Retângulo 3"/>
-          <p:cNvSpPr/>
-          <p:nvPr/>
-        </p:nvSpPr>
-        <p:spPr>
-          <a:xfrm>
-            <a:off x="5118682" y="1690688"/>
-            <a:ext cx="1954635" cy="666618"/>
-          </a:xfrm>
-          <a:prstGeom prst="rect">
-            <a:avLst/>
-          </a:prstGeom>
-        </p:spPr>
-        <p:style>
-          <a:lnRef idx="2">
-            <a:schemeClr val="accent1">
-              <a:shade val="50000"/>
-            </a:schemeClr>
-          </a:lnRef>
-          <a:fillRef idx="1">
-            <a:schemeClr val="accent1"/>
-          </a:fillRef>
-          <a:effectRef idx="0">
-            <a:schemeClr val="accent1"/>
-          </a:effectRef>
-          <a:fontRef idx="minor">
-            <a:schemeClr val="lt1"/>
-          </a:fontRef>
-        </p:style>
-        <p:txBody>
-          <a:bodyPr rtlCol="0" anchor="ctr"/>
-          <a:lstStyle/>
-          <a:p>
-            <a:pPr algn="ctr"/>
-            <a:r>
-              <a:rPr lang="pt-BR" dirty="0"/>
-              <a:t>Classe - Abstrata</a:t>
-            </a:r>
-          </a:p>
-        </p:txBody>
-      </p:sp>
-      <p:sp>
-        <p:nvSpPr>
-          <p:cNvPr id="8" name="Retângulo 7"/>
-          <p:cNvSpPr/>
-          <p:nvPr/>
-        </p:nvSpPr>
-        <p:spPr>
-          <a:xfrm>
-            <a:off x="2374084" y="3349560"/>
-            <a:ext cx="1954635" cy="666618"/>
-          </a:xfrm>
-          <a:prstGeom prst="rect">
-            <a:avLst/>
-          </a:prstGeom>
-        </p:spPr>
-        <p:style>
-          <a:lnRef idx="2">
-            <a:schemeClr val="accent1">
-              <a:shade val="50000"/>
-            </a:schemeClr>
-          </a:lnRef>
-          <a:fillRef idx="1">
-            <a:schemeClr val="accent1"/>
-          </a:fillRef>
-          <a:effectRef idx="0">
-            <a:schemeClr val="accent1"/>
-          </a:effectRef>
-          <a:fontRef idx="minor">
-            <a:schemeClr val="lt1"/>
-          </a:fontRef>
-        </p:style>
-        <p:txBody>
-          <a:bodyPr rtlCol="0" anchor="ctr"/>
-          <a:lstStyle/>
-          <a:p>
-            <a:pPr algn="ctr"/>
-            <a:r>
-              <a:rPr lang="pt-BR" dirty="0"/>
-              <a:t>Classe - concreta</a:t>
-            </a:r>
-          </a:p>
-        </p:txBody>
-      </p:sp>
-      <p:sp>
-        <p:nvSpPr>
-          <p:cNvPr id="9" name="Retângulo 8"/>
-          <p:cNvSpPr/>
-          <p:nvPr/>
-        </p:nvSpPr>
-        <p:spPr>
-          <a:xfrm>
-            <a:off x="5118682" y="3349560"/>
-            <a:ext cx="1954635" cy="666618"/>
-          </a:xfrm>
-          <a:prstGeom prst="rect">
-            <a:avLst/>
-          </a:prstGeom>
-        </p:spPr>
-        <p:style>
-          <a:lnRef idx="2">
-            <a:schemeClr val="accent1">
-              <a:shade val="50000"/>
-            </a:schemeClr>
-          </a:lnRef>
-          <a:fillRef idx="1">
-            <a:schemeClr val="accent1"/>
-          </a:fillRef>
-          <a:effectRef idx="0">
-            <a:schemeClr val="accent1"/>
-          </a:effectRef>
-          <a:fontRef idx="minor">
-            <a:schemeClr val="lt1"/>
-          </a:fontRef>
-        </p:style>
-        <p:txBody>
-          <a:bodyPr rtlCol="0" anchor="ctr"/>
-          <a:lstStyle/>
-          <a:p>
-            <a:pPr algn="ctr"/>
-            <a:r>
-              <a:rPr lang="pt-BR" dirty="0"/>
-              <a:t>Classe - concreta</a:t>
-            </a:r>
-          </a:p>
-        </p:txBody>
-      </p:sp>
-      <p:sp>
-        <p:nvSpPr>
-          <p:cNvPr id="10" name="Retângulo 9"/>
-          <p:cNvSpPr/>
-          <p:nvPr/>
-        </p:nvSpPr>
-        <p:spPr>
-          <a:xfrm>
-            <a:off x="7779390" y="3349560"/>
-            <a:ext cx="1954635" cy="666618"/>
-          </a:xfrm>
-          <a:prstGeom prst="rect">
-            <a:avLst/>
-          </a:prstGeom>
-        </p:spPr>
-        <p:style>
-          <a:lnRef idx="2">
-            <a:schemeClr val="accent1">
-              <a:shade val="50000"/>
-            </a:schemeClr>
-          </a:lnRef>
-          <a:fillRef idx="1">
-            <a:schemeClr val="accent1"/>
-          </a:fillRef>
-          <a:effectRef idx="0">
-            <a:schemeClr val="accent1"/>
-          </a:effectRef>
-          <a:fontRef idx="minor">
-            <a:schemeClr val="lt1"/>
-          </a:fontRef>
-        </p:style>
-        <p:txBody>
-          <a:bodyPr rtlCol="0" anchor="ctr"/>
-          <a:lstStyle/>
-          <a:p>
-            <a:pPr algn="ctr"/>
-            <a:r>
-              <a:rPr lang="pt-BR" dirty="0"/>
-              <a:t>Classe - concreta</a:t>
-            </a:r>
-          </a:p>
-        </p:txBody>
-      </p:sp>
-      <p:sp>
-        <p:nvSpPr>
-          <p:cNvPr id="11" name="CaixaDeTexto 10"/>
-          <p:cNvSpPr txBox="1"/>
-          <p:nvPr/>
-        </p:nvSpPr>
-        <p:spPr>
-          <a:xfrm>
-            <a:off x="7628388" y="1839331"/>
-            <a:ext cx="2773067" cy="369332"/>
-          </a:xfrm>
-          <a:prstGeom prst="rect">
-            <a:avLst/>
-          </a:prstGeom>
-          <a:noFill/>
-        </p:spPr>
-        <p:txBody>
-          <a:bodyPr wrap="none" rtlCol="0">
-            <a:spAutoFit/>
-          </a:bodyPr>
-          <a:lstStyle/>
-          <a:p>
-            <a:r>
-              <a:rPr lang="pt-BR" dirty="0"/>
-              <a:t>Três métodos virtuais puros</a:t>
-            </a:r>
-          </a:p>
-        </p:txBody>
-      </p:sp>
-      <p:sp>
-        <p:nvSpPr>
-          <p:cNvPr id="13" name="Retângulo 12"/>
-          <p:cNvSpPr/>
-          <p:nvPr/>
-        </p:nvSpPr>
-        <p:spPr>
-          <a:xfrm>
-            <a:off x="2374084" y="4793864"/>
-            <a:ext cx="1954635" cy="666618"/>
-          </a:xfrm>
-          <a:prstGeom prst="rect">
-            <a:avLst/>
-          </a:prstGeom>
-        </p:spPr>
-        <p:style>
-          <a:lnRef idx="2">
-            <a:schemeClr val="accent1">
-              <a:shade val="50000"/>
-            </a:schemeClr>
-          </a:lnRef>
-          <a:fillRef idx="1">
-            <a:schemeClr val="accent1"/>
-          </a:fillRef>
-          <a:effectRef idx="0">
-            <a:schemeClr val="accent1"/>
-          </a:effectRef>
-          <a:fontRef idx="minor">
-            <a:schemeClr val="lt1"/>
-          </a:fontRef>
-        </p:style>
-        <p:txBody>
-          <a:bodyPr rtlCol="0" anchor="ctr"/>
-          <a:lstStyle/>
-          <a:p>
-            <a:pPr algn="ctr"/>
-            <a:r>
-              <a:rPr lang="pt-BR" dirty="0"/>
-              <a:t>Classe - concreta</a:t>
             </a:r>
           </a:p>
         </p:txBody>
@@ -3963,7 +7841,7 @@
         <p:spPr>
           <a:xfrm>
             <a:off x="1057013" y="1839331"/>
-            <a:ext cx="826829" cy="369332"/>
+            <a:ext cx="841384" cy="369332"/>
           </a:xfrm>
           <a:prstGeom prst="rect">
             <a:avLst/>
@@ -3977,7 +7855,11 @@
           <a:lstStyle/>
           <a:p>
             <a:r>
-              <a:rPr lang="pt-BR" dirty="0"/>
+              <a:rPr lang="pt-BR" b="1" dirty="0">
+                <a:solidFill>
+                  <a:schemeClr val="accent1"/>
+                </a:solidFill>
+              </a:rPr>
               <a:t>Nível 1</a:t>
             </a:r>
           </a:p>
@@ -3992,7 +7874,7 @@
         <p:spPr>
           <a:xfrm>
             <a:off x="976148" y="3350242"/>
-            <a:ext cx="826829" cy="369332"/>
+            <a:ext cx="841384" cy="369332"/>
           </a:xfrm>
           <a:prstGeom prst="rect">
             <a:avLst/>
@@ -4006,7 +7888,11 @@
           <a:lstStyle/>
           <a:p>
             <a:r>
-              <a:rPr lang="pt-BR" dirty="0"/>
+              <a:rPr lang="pt-BR" b="1" dirty="0">
+                <a:solidFill>
+                  <a:schemeClr val="accent1"/>
+                </a:solidFill>
+              </a:rPr>
               <a:t>Nível 2</a:t>
             </a:r>
           </a:p>
@@ -4021,7 +7907,7 @@
         <p:spPr>
           <a:xfrm>
             <a:off x="976148" y="4942507"/>
-            <a:ext cx="826829" cy="369332"/>
+            <a:ext cx="841384" cy="369332"/>
           </a:xfrm>
           <a:prstGeom prst="rect">
             <a:avLst/>
@@ -4035,22 +7921,242 @@
           <a:lstStyle/>
           <a:p>
             <a:r>
-              <a:rPr lang="pt-BR" dirty="0"/>
+              <a:rPr lang="pt-BR" b="1" dirty="0">
+                <a:solidFill>
+                  <a:schemeClr val="accent1"/>
+                </a:solidFill>
+              </a:rPr>
               <a:t>Nível 3</a:t>
             </a:r>
           </a:p>
         </p:txBody>
       </p:sp>
-      <p:sp>
-        <p:nvSpPr>
-          <p:cNvPr id="20" name="CaixaDeTexto 19"/>
+      <p:pic>
+        <p:nvPicPr>
+          <p:cNvPr id="26" name="Imagem 25" descr="1111.png"/>
+          <p:cNvPicPr>
+            <a:picLocks noChangeAspect="1"/>
+          </p:cNvPicPr>
+          <p:nvPr/>
+        </p:nvPicPr>
+        <p:blipFill>
+          <a:blip r:embed="rId2"/>
+          <a:stretch>
+            <a:fillRect/>
+          </a:stretch>
+        </p:blipFill>
+        <p:spPr>
+          <a:xfrm>
+            <a:off x="3703691" y="1277611"/>
+            <a:ext cx="4209425" cy="1224776"/>
+          </a:xfrm>
+          <a:prstGeom prst="rect">
+            <a:avLst/>
+          </a:prstGeom>
+        </p:spPr>
+      </p:pic>
+      <p:pic>
+        <p:nvPicPr>
+          <p:cNvPr id="29" name="Imagem 28" descr="222222222.png"/>
+          <p:cNvPicPr>
+            <a:picLocks noChangeAspect="1"/>
+          </p:cNvPicPr>
+          <p:nvPr/>
+        </p:nvPicPr>
+        <p:blipFill>
+          <a:blip r:embed="rId3"/>
+          <a:stretch>
+            <a:fillRect/>
+          </a:stretch>
+        </p:blipFill>
+        <p:spPr>
+          <a:xfrm>
+            <a:off x="2046779" y="2931789"/>
+            <a:ext cx="2166393" cy="1041305"/>
+          </a:xfrm>
+          <a:prstGeom prst="rect">
+            <a:avLst/>
+          </a:prstGeom>
+        </p:spPr>
+      </p:pic>
+      <p:pic>
+        <p:nvPicPr>
+          <p:cNvPr id="30" name="Imagem 29" descr="333333333.png"/>
+          <p:cNvPicPr>
+            <a:picLocks noChangeAspect="1"/>
+          </p:cNvPicPr>
+          <p:nvPr/>
+        </p:nvPicPr>
+        <p:blipFill>
+          <a:blip r:embed="rId4"/>
+          <a:stretch>
+            <a:fillRect/>
+          </a:stretch>
+        </p:blipFill>
+        <p:spPr>
+          <a:xfrm>
+            <a:off x="4539498" y="2920219"/>
+            <a:ext cx="2897759" cy="951340"/>
+          </a:xfrm>
+          <a:prstGeom prst="rect">
+            <a:avLst/>
+          </a:prstGeom>
+        </p:spPr>
+      </p:pic>
+      <p:pic>
+        <p:nvPicPr>
+          <p:cNvPr id="31" name="Imagem 30" descr="4444444444444.png"/>
+          <p:cNvPicPr>
+            <a:picLocks noChangeAspect="1"/>
+          </p:cNvPicPr>
+          <p:nvPr/>
+        </p:nvPicPr>
+        <p:blipFill>
+          <a:blip r:embed="rId5"/>
+          <a:stretch>
+            <a:fillRect/>
+          </a:stretch>
+        </p:blipFill>
+        <p:spPr>
+          <a:xfrm>
+            <a:off x="8032854" y="2961632"/>
+            <a:ext cx="2655645" cy="856659"/>
+          </a:xfrm>
+          <a:prstGeom prst="rect">
+            <a:avLst/>
+          </a:prstGeom>
+        </p:spPr>
+      </p:pic>
+      <p:pic>
+        <p:nvPicPr>
+          <p:cNvPr id="32" name="Imagem 31" descr="55555555.png"/>
+          <p:cNvPicPr>
+            <a:picLocks noChangeAspect="1"/>
+          </p:cNvPicPr>
+          <p:nvPr/>
+        </p:nvPicPr>
+        <p:blipFill>
+          <a:blip r:embed="rId6"/>
+          <a:stretch>
+            <a:fillRect/>
+          </a:stretch>
+        </p:blipFill>
+        <p:spPr>
+          <a:xfrm>
+            <a:off x="1971337" y="4782160"/>
+            <a:ext cx="2356038" cy="980686"/>
+          </a:xfrm>
+          <a:prstGeom prst="rect">
+            <a:avLst/>
+          </a:prstGeom>
+        </p:spPr>
+      </p:pic>
+      <p:pic>
+        <p:nvPicPr>
+          <p:cNvPr id="33" name="Imagem 32" descr="6666666666.png"/>
+          <p:cNvPicPr>
+            <a:picLocks noChangeAspect="1"/>
+          </p:cNvPicPr>
+          <p:nvPr/>
+        </p:nvPicPr>
+        <p:blipFill>
+          <a:blip r:embed="rId7"/>
+          <a:stretch>
+            <a:fillRect/>
+          </a:stretch>
+        </p:blipFill>
+        <p:spPr>
+          <a:xfrm>
+            <a:off x="2165927" y="3774523"/>
+            <a:ext cx="1925051" cy="584826"/>
+          </a:xfrm>
+          <a:prstGeom prst="rect">
+            <a:avLst/>
+          </a:prstGeom>
+        </p:spPr>
+      </p:pic>
+      <p:pic>
+        <p:nvPicPr>
+          <p:cNvPr id="34" name="Imagem 33" descr="777777777777.png"/>
+          <p:cNvPicPr>
+            <a:picLocks noChangeAspect="1"/>
+          </p:cNvPicPr>
+          <p:nvPr/>
+        </p:nvPicPr>
+        <p:blipFill>
+          <a:blip r:embed="rId8"/>
+          <a:stretch>
+            <a:fillRect/>
+          </a:stretch>
+        </p:blipFill>
+        <p:spPr>
+          <a:xfrm>
+            <a:off x="4564167" y="3711681"/>
+            <a:ext cx="1787060" cy="618165"/>
+          </a:xfrm>
+          <a:prstGeom prst="rect">
+            <a:avLst/>
+          </a:prstGeom>
+        </p:spPr>
+      </p:pic>
+      <p:pic>
+        <p:nvPicPr>
+          <p:cNvPr id="35" name="Imagem 34" descr="88888888888.png"/>
+          <p:cNvPicPr>
+            <a:picLocks noChangeAspect="1"/>
+          </p:cNvPicPr>
+          <p:nvPr/>
+        </p:nvPicPr>
+        <p:blipFill>
+          <a:blip r:embed="rId9"/>
+          <a:stretch>
+            <a:fillRect/>
+          </a:stretch>
+        </p:blipFill>
+        <p:spPr>
+          <a:xfrm>
+            <a:off x="7941778" y="3691893"/>
+            <a:ext cx="1962593" cy="606620"/>
+          </a:xfrm>
+          <a:prstGeom prst="rect">
+            <a:avLst/>
+          </a:prstGeom>
+        </p:spPr>
+      </p:pic>
+      <p:pic>
+        <p:nvPicPr>
+          <p:cNvPr id="36" name="Imagem 35" descr="999999999999.png"/>
+          <p:cNvPicPr>
+            <a:picLocks noChangeAspect="1"/>
+          </p:cNvPicPr>
+          <p:nvPr/>
+        </p:nvPicPr>
+        <p:blipFill>
+          <a:blip r:embed="rId10"/>
+          <a:stretch>
+            <a:fillRect/>
+          </a:stretch>
+        </p:blipFill>
+        <p:spPr>
+          <a:xfrm>
+            <a:off x="2055564" y="5592725"/>
+            <a:ext cx="1889013" cy="609745"/>
+          </a:xfrm>
+          <a:prstGeom prst="rect">
+            <a:avLst/>
+          </a:prstGeom>
+        </p:spPr>
+      </p:pic>
+      <p:sp>
+        <p:nvSpPr>
+          <p:cNvPr id="3" name="CaixaDeTexto 2"/>
           <p:cNvSpPr txBox="1"/>
           <p:nvPr/>
         </p:nvSpPr>
         <p:spPr>
           <a:xfrm>
-            <a:off x="7628388" y="1469999"/>
-            <a:ext cx="1493166" cy="369332"/>
+            <a:off x="4685986" y="939111"/>
+            <a:ext cx="2274991" cy="369332"/>
           </a:xfrm>
           <a:prstGeom prst="rect">
             <a:avLst/>
@@ -4058,28 +8164,37 @@
           <a:noFill/>
         </p:spPr>
         <p:txBody>
-          <a:bodyPr wrap="none" rtlCol="0">
+          <a:bodyPr wrap="square" rtlCol="0">
             <a:spAutoFit/>
           </a:bodyPr>
           <a:lstStyle/>
           <a:p>
             <a:r>
-              <a:rPr lang="pt-BR" dirty="0"/>
-              <a:t>Dois atributos</a:t>
-            </a:r>
-          </a:p>
-        </p:txBody>
-      </p:sp>
-      <p:sp>
-        <p:nvSpPr>
-          <p:cNvPr id="21" name="CaixaDeTexto 20"/>
+              <a:rPr lang="pt-BR" u="sng" dirty="0" smtClean="0">
+                <a:solidFill>
+                  <a:srgbClr val="FF0000"/>
+                </a:solidFill>
+              </a:rPr>
+              <a:t>LeitorDigital.h</a:t>
+            </a:r>
+            <a:endParaRPr lang="pt-BR" u="sng" dirty="0">
+              <a:solidFill>
+                <a:srgbClr val="FF0000"/>
+              </a:solidFill>
+            </a:endParaRPr>
+          </a:p>
+        </p:txBody>
+      </p:sp>
+      <p:sp>
+        <p:nvSpPr>
+          <p:cNvPr id="4" name="CaixaDeTexto 3"/>
           <p:cNvSpPr txBox="1"/>
           <p:nvPr/>
         </p:nvSpPr>
         <p:spPr>
           <a:xfrm>
-            <a:off x="10023073" y="3756876"/>
-            <a:ext cx="2168927" cy="369332"/>
+            <a:off x="2422146" y="2681800"/>
+            <a:ext cx="1408670" cy="369332"/>
           </a:xfrm>
           <a:prstGeom prst="rect">
             <a:avLst/>
@@ -4087,28 +8202,37 @@
           <a:noFill/>
         </p:spPr>
         <p:txBody>
-          <a:bodyPr wrap="none" rtlCol="0">
+          <a:bodyPr wrap="square" rtlCol="0">
             <a:spAutoFit/>
           </a:bodyPr>
           <a:lstStyle/>
           <a:p>
             <a:r>
-              <a:rPr lang="pt-BR" dirty="0"/>
-              <a:t>2 métodos adicionais</a:t>
-            </a:r>
-          </a:p>
-        </p:txBody>
-      </p:sp>
-      <p:sp>
-        <p:nvSpPr>
-          <p:cNvPr id="22" name="CaixaDeTexto 21"/>
+              <a:rPr lang="pt-BR" u="sng" dirty="0" err="1" smtClean="0">
+                <a:solidFill>
+                  <a:srgbClr val="FF0000"/>
+                </a:solidFill>
+              </a:rPr>
+              <a:t>Kindle.h</a:t>
+            </a:r>
+            <a:endParaRPr lang="pt-BR" u="sng" dirty="0">
+              <a:solidFill>
+                <a:srgbClr val="FF0000"/>
+              </a:solidFill>
+            </a:endParaRPr>
+          </a:p>
+        </p:txBody>
+      </p:sp>
+      <p:sp>
+        <p:nvSpPr>
+          <p:cNvPr id="5" name="CaixaDeTexto 4"/>
           <p:cNvSpPr txBox="1"/>
           <p:nvPr/>
         </p:nvSpPr>
         <p:spPr>
           <a:xfrm>
-            <a:off x="10226217" y="3440613"/>
-            <a:ext cx="1493166" cy="369332"/>
+            <a:off x="5067559" y="2676824"/>
+            <a:ext cx="1482812" cy="369332"/>
           </a:xfrm>
           <a:prstGeom prst="rect">
             <a:avLst/>
@@ -4116,28 +8240,37 @@
           <a:noFill/>
         </p:spPr>
         <p:txBody>
-          <a:bodyPr wrap="none" rtlCol="0">
+          <a:bodyPr wrap="square" rtlCol="0">
             <a:spAutoFit/>
           </a:bodyPr>
           <a:lstStyle/>
           <a:p>
             <a:r>
-              <a:rPr lang="pt-BR" dirty="0"/>
-              <a:t>Dois atributos</a:t>
-            </a:r>
-          </a:p>
-        </p:txBody>
-      </p:sp>
-      <p:sp>
-        <p:nvSpPr>
-          <p:cNvPr id="23" name="CaixaDeTexto 22"/>
+              <a:rPr lang="pt-BR" u="sng" dirty="0" err="1" smtClean="0">
+                <a:solidFill>
+                  <a:srgbClr val="FF0000"/>
+                </a:solidFill>
+              </a:rPr>
+              <a:t>Lev.h</a:t>
+            </a:r>
+            <a:endParaRPr lang="pt-BR" u="sng" dirty="0">
+              <a:solidFill>
+                <a:srgbClr val="FF0000"/>
+              </a:solidFill>
+            </a:endParaRPr>
+          </a:p>
+        </p:txBody>
+      </p:sp>
+      <p:sp>
+        <p:nvSpPr>
+          <p:cNvPr id="6" name="CaixaDeTexto 5"/>
           <p:cNvSpPr txBox="1"/>
           <p:nvPr/>
         </p:nvSpPr>
         <p:spPr>
           <a:xfrm>
-            <a:off x="10319736" y="2772418"/>
-            <a:ext cx="1306127" cy="646331"/>
+            <a:off x="8674447" y="2681800"/>
+            <a:ext cx="1598140" cy="369332"/>
           </a:xfrm>
           <a:prstGeom prst="rect">
             <a:avLst/>
@@ -4145,34 +8278,37 @@
           <a:noFill/>
         </p:spPr>
         <p:txBody>
-          <a:bodyPr wrap="none" rtlCol="0">
+          <a:bodyPr wrap="square" rtlCol="0">
             <a:spAutoFit/>
           </a:bodyPr>
           <a:lstStyle/>
           <a:p>
             <a:r>
-              <a:rPr lang="pt-BR" dirty="0"/>
-              <a:t>Em todas as</a:t>
-            </a:r>
-          </a:p>
-          <a:p>
-            <a:r>
-              <a:rPr lang="pt-BR" dirty="0"/>
-              <a:t>Classes:</a:t>
-            </a:r>
-          </a:p>
-        </p:txBody>
-      </p:sp>
-      <p:sp>
-        <p:nvSpPr>
-          <p:cNvPr id="24" name="CaixaDeTexto 23"/>
+              <a:rPr lang="pt-BR" u="sng" dirty="0" err="1" smtClean="0">
+                <a:solidFill>
+                  <a:srgbClr val="FF0000"/>
+                </a:solidFill>
+              </a:rPr>
+              <a:t>Kobo.h</a:t>
+            </a:r>
+            <a:endParaRPr lang="pt-BR" u="sng" dirty="0">
+              <a:solidFill>
+                <a:srgbClr val="FF0000"/>
+              </a:solidFill>
+            </a:endParaRPr>
+          </a:p>
+        </p:txBody>
+      </p:sp>
+      <p:sp>
+        <p:nvSpPr>
+          <p:cNvPr id="7" name="CaixaDeTexto 6"/>
           <p:cNvSpPr txBox="1"/>
           <p:nvPr/>
         </p:nvSpPr>
         <p:spPr>
           <a:xfrm>
-            <a:off x="9398769" y="4870354"/>
-            <a:ext cx="1493166" cy="369332"/>
+            <a:off x="2479591" y="4489622"/>
+            <a:ext cx="1380621" cy="369332"/>
           </a:xfrm>
           <a:prstGeom prst="rect">
             <a:avLst/>
@@ -4180,44 +8316,24 @@
           <a:noFill/>
         </p:spPr>
         <p:txBody>
-          <a:bodyPr wrap="none" rtlCol="0">
+          <a:bodyPr wrap="square" rtlCol="0">
             <a:spAutoFit/>
           </a:bodyPr>
           <a:lstStyle/>
           <a:p>
             <a:r>
-              <a:rPr lang="pt-BR" dirty="0"/>
-              <a:t>Dois atributos</a:t>
-            </a:r>
-          </a:p>
-        </p:txBody>
-      </p:sp>
-      <p:sp>
-        <p:nvSpPr>
-          <p:cNvPr id="25" name="CaixaDeTexto 24"/>
-          <p:cNvSpPr txBox="1"/>
-          <p:nvPr/>
-        </p:nvSpPr>
-        <p:spPr>
-          <a:xfrm>
-            <a:off x="9374885" y="5275816"/>
-            <a:ext cx="2168927" cy="369332"/>
-          </a:xfrm>
-          <a:prstGeom prst="rect">
-            <a:avLst/>
-          </a:prstGeom>
-          <a:noFill/>
-        </p:spPr>
-        <p:txBody>
-          <a:bodyPr wrap="none" rtlCol="0">
-            <a:spAutoFit/>
-          </a:bodyPr>
-          <a:lstStyle/>
-          <a:p>
-            <a:r>
-              <a:rPr lang="pt-BR" dirty="0"/>
-              <a:t>2 métodos adicionais</a:t>
-            </a:r>
+              <a:rPr lang="pt-BR" u="sng" dirty="0" err="1" smtClean="0">
+                <a:solidFill>
+                  <a:srgbClr val="FF0000"/>
+                </a:solidFill>
+              </a:rPr>
+              <a:t>Plus.h</a:t>
+            </a:r>
+            <a:endParaRPr lang="pt-BR" u="sng" dirty="0">
+              <a:solidFill>
+                <a:srgbClr val="FF0000"/>
+              </a:solidFill>
+            </a:endParaRPr>
           </a:p>
         </p:txBody>
       </p:sp>
@@ -4231,6 +8347,13 @@
   <p:clrMapOvr>
     <a:masterClrMapping/>
   </p:clrMapOvr>
+  <p:timing>
+    <p:tnLst>
+      <p:par>
+        <p:cTn id="1" dur="indefinite" restart="never" nodeType="tmRoot"/>
+      </p:par>
+    </p:tnLst>
+  </p:timing>
 </p:sld>
 </file>
 
@@ -4302,6 +8425,13 @@
   <p:clrMapOvr>
     <a:masterClrMapping/>
   </p:clrMapOvr>
+  <p:timing>
+    <p:tnLst>
+      <p:par>
+        <p:cTn id="1" dur="indefinite" restart="never" nodeType="tmRoot"/>
+      </p:par>
+    </p:tnLst>
+  </p:timing>
 </p:sld>
 </file>
 
@@ -4338,31 +8468,36 @@
           <a:lstStyle/>
           <a:p>
             <a:r>
-              <a:rPr lang="pt-BR" dirty="0"/>
-              <a:t>Mostra .h da classe abstrata - visível</a:t>
-            </a:r>
-          </a:p>
-        </p:txBody>
-      </p:sp>
-      <p:sp>
-        <p:nvSpPr>
-          <p:cNvPr id="3" name="Espaço Reservado para Conteúdo 2"/>
-          <p:cNvSpPr>
-            <a:spLocks noGrp="1"/>
-          </p:cNvSpPr>
+              <a:rPr lang="pt-BR" dirty="0" smtClean="0"/>
+              <a:t>Leitor Digitral (Classe Abstrata)</a:t>
+            </a:r>
+            <a:endParaRPr lang="pt-BR" dirty="0"/>
+          </a:p>
+        </p:txBody>
+      </p:sp>
+      <p:pic>
+        <p:nvPicPr>
+          <p:cNvPr id="4" name="Espaço Reservado para Conteúdo 3" descr="10101010.png"/>
+          <p:cNvPicPr>
+            <a:picLocks noGrp="1" noChangeAspect="1"/>
+          </p:cNvPicPr>
           <p:nvPr>
             <p:ph idx="1"/>
           </p:nvPr>
-        </p:nvSpPr>
-        <p:spPr/>
-        <p:txBody>
-          <a:bodyPr/>
-          <a:lstStyle/>
-          <a:p>
-            <a:endParaRPr lang="pt-BR"/>
-          </a:p>
-        </p:txBody>
-      </p:sp>
+        </p:nvPicPr>
+        <p:blipFill>
+          <a:blip r:embed="rId2"/>
+          <a:stretch>
+            <a:fillRect/>
+          </a:stretch>
+        </p:blipFill>
+        <p:spPr>
+          <a:xfrm>
+            <a:off x="1613235" y="1784940"/>
+            <a:ext cx="8287510" cy="4458205"/>
+          </a:xfrm>
+        </p:spPr>
+      </p:pic>
     </p:spTree>
     <p:extLst>
       <p:ext uri="{BB962C8B-B14F-4D97-AF65-F5344CB8AC3E}">
@@ -4373,6 +8508,13 @@
   <p:clrMapOvr>
     <a:masterClrMapping/>
   </p:clrMapOvr>
+  <p:timing>
+    <p:tnLst>
+      <p:par>
+        <p:cTn id="1" dur="indefinite" restart="never" nodeType="tmRoot"/>
+      </p:par>
+    </p:tnLst>
+  </p:timing>
 </p:sld>
 </file>
 
@@ -4409,9 +8551,10 @@
           <a:lstStyle/>
           <a:p>
             <a:r>
-              <a:rPr lang="pt-BR" dirty="0"/>
-              <a:t>Mostrar métodos virtuais puro </a:t>
-            </a:r>
+              <a:rPr lang="pt-BR" dirty="0" smtClean="0"/>
+              <a:t>Métodos virtuais Puros</a:t>
+            </a:r>
+            <a:endParaRPr lang="pt-BR" dirty="0"/>
           </a:p>
         </p:txBody>
       </p:sp>
@@ -4430,13 +8573,41 @@
           <a:bodyPr/>
           <a:lstStyle/>
           <a:p>
-            <a:r>
-              <a:rPr lang="pt-BR" dirty="0"/>
-              <a:t>Justificar por que foram escolhidos para serem virtuais puros.</a:t>
-            </a:r>
-          </a:p>
-        </p:txBody>
-      </p:sp>
+            <a:pPr>
+              <a:buNone/>
+            </a:pPr>
+            <a:r>
+              <a:rPr lang="pt-BR" dirty="0" smtClean="0"/>
+              <a:t>Esses metos puros foram necessários para trabalhar os serviços de todas as classes que derivam a classe abstrata.</a:t>
+            </a:r>
+            <a:endParaRPr lang="pt-BR" dirty="0"/>
+          </a:p>
+        </p:txBody>
+      </p:sp>
+      <p:pic>
+        <p:nvPicPr>
+          <p:cNvPr id="4" name="Imagem 3" descr="110110.png"/>
+          <p:cNvPicPr>
+            <a:picLocks noChangeAspect="1"/>
+          </p:cNvPicPr>
+          <p:nvPr/>
+        </p:nvPicPr>
+        <p:blipFill>
+          <a:blip r:embed="rId2"/>
+          <a:stretch>
+            <a:fillRect/>
+          </a:stretch>
+        </p:blipFill>
+        <p:spPr>
+          <a:xfrm>
+            <a:off x="1000966" y="3342393"/>
+            <a:ext cx="9435833" cy="1607979"/>
+          </a:xfrm>
+          <a:prstGeom prst="rect">
+            <a:avLst/>
+          </a:prstGeom>
+        </p:spPr>
+      </p:pic>
     </p:spTree>
     <p:extLst>
       <p:ext uri="{BB962C8B-B14F-4D97-AF65-F5344CB8AC3E}">
@@ -4447,6 +8618,13 @@
   <p:clrMapOvr>
     <a:masterClrMapping/>
   </p:clrMapOvr>
+  <p:timing>
+    <p:tnLst>
+      <p:par>
+        <p:cTn id="1" dur="indefinite" restart="never" nodeType="tmRoot"/>
+      </p:par>
+    </p:tnLst>
+  </p:timing>
 </p:sld>
 </file>
 
@@ -4479,12 +8657,18 @@
         </p:nvSpPr>
         <p:spPr/>
         <p:txBody>
-          <a:bodyPr/>
-          <a:lstStyle/>
-          <a:p>
+          <a:bodyPr>
+            <a:normAutofit/>
+          </a:bodyPr>
+          <a:lstStyle/>
+          <a:p>
+            <a:r>
+              <a:rPr lang="pt-BR" dirty="0" smtClean="0"/>
+              <a:t>Implementação </a:t>
+            </a:r>
             <a:r>
               <a:rPr lang="pt-BR" dirty="0"/>
-              <a:t>Mostrar implementação dos virtuais puros </a:t>
+              <a:t>dos virtuais puros </a:t>
             </a:r>
             <a:br>
               <a:rPr lang="pt-BR" dirty="0"/>
@@ -4496,39 +8680,102 @@
           </a:p>
         </p:txBody>
       </p:sp>
-      <p:sp>
-        <p:nvSpPr>
-          <p:cNvPr id="3" name="Espaço Reservado para Conteúdo 2"/>
-          <p:cNvSpPr>
-            <a:spLocks noGrp="1"/>
-          </p:cNvSpPr>
-          <p:nvPr>
-            <p:ph idx="1"/>
-          </p:nvPr>
-        </p:nvSpPr>
-        <p:spPr/>
-        <p:txBody>
-          <a:bodyPr/>
-          <a:lstStyle/>
-          <a:p>
-            <a:r>
-              <a:rPr lang="pt-BR" dirty="0"/>
-              <a:t>Mostrar a definição no .h</a:t>
-            </a:r>
-          </a:p>
-          <a:p>
-            <a:r>
-              <a:rPr lang="pt-BR" dirty="0"/>
-              <a:t>E a implementação no </a:t>
-            </a:r>
-            <a:r>
-              <a:rPr lang="pt-BR" dirty="0" err="1"/>
-              <a:t>cpp</a:t>
-            </a:r>
-            <a:endParaRPr lang="pt-BR" dirty="0"/>
-          </a:p>
-        </p:txBody>
-      </p:sp>
+      <p:pic>
+        <p:nvPicPr>
+          <p:cNvPr id="4" name="Imagem 3" descr="1110.png"/>
+          <p:cNvPicPr>
+            <a:picLocks noChangeAspect="1"/>
+          </p:cNvPicPr>
+          <p:nvPr/>
+        </p:nvPicPr>
+        <p:blipFill>
+          <a:blip r:embed="rId2"/>
+          <a:stretch>
+            <a:fillRect/>
+          </a:stretch>
+        </p:blipFill>
+        <p:spPr>
+          <a:xfrm>
+            <a:off x="3609593" y="1870111"/>
+            <a:ext cx="4646882" cy="900181"/>
+          </a:xfrm>
+          <a:prstGeom prst="rect">
+            <a:avLst/>
+          </a:prstGeom>
+        </p:spPr>
+      </p:pic>
+      <p:pic>
+        <p:nvPicPr>
+          <p:cNvPr id="6" name="Imagem 5" descr="123123.png"/>
+          <p:cNvPicPr>
+            <a:picLocks noChangeAspect="1"/>
+          </p:cNvPicPr>
+          <p:nvPr/>
+        </p:nvPicPr>
+        <p:blipFill>
+          <a:blip r:embed="rId3"/>
+          <a:stretch>
+            <a:fillRect/>
+          </a:stretch>
+        </p:blipFill>
+        <p:spPr>
+          <a:xfrm>
+            <a:off x="235772" y="3420812"/>
+            <a:ext cx="3059363" cy="1818450"/>
+          </a:xfrm>
+          <a:prstGeom prst="rect">
+            <a:avLst/>
+          </a:prstGeom>
+        </p:spPr>
+      </p:pic>
+      <p:pic>
+        <p:nvPicPr>
+          <p:cNvPr id="7" name="Imagem 6" descr="321321.png"/>
+          <p:cNvPicPr>
+            <a:picLocks noChangeAspect="1"/>
+          </p:cNvPicPr>
+          <p:nvPr/>
+        </p:nvPicPr>
+        <p:blipFill>
+          <a:blip r:embed="rId4"/>
+          <a:stretch>
+            <a:fillRect/>
+          </a:stretch>
+        </p:blipFill>
+        <p:spPr>
+          <a:xfrm>
+            <a:off x="3422870" y="3013819"/>
+            <a:ext cx="4041747" cy="2917423"/>
+          </a:xfrm>
+          <a:prstGeom prst="rect">
+            <a:avLst/>
+          </a:prstGeom>
+        </p:spPr>
+      </p:pic>
+      <p:pic>
+        <p:nvPicPr>
+          <p:cNvPr id="8" name="Imagem 7" descr="441441.png"/>
+          <p:cNvPicPr>
+            <a:picLocks noChangeAspect="1"/>
+          </p:cNvPicPr>
+          <p:nvPr/>
+        </p:nvPicPr>
+        <p:blipFill>
+          <a:blip r:embed="rId5"/>
+          <a:stretch>
+            <a:fillRect/>
+          </a:stretch>
+        </p:blipFill>
+        <p:spPr>
+          <a:xfrm>
+            <a:off x="7735330" y="2904391"/>
+            <a:ext cx="4069492" cy="2898672"/>
+          </a:xfrm>
+          <a:prstGeom prst="rect">
+            <a:avLst/>
+          </a:prstGeom>
+        </p:spPr>
+      </p:pic>
     </p:spTree>
     <p:extLst>
       <p:ext uri="{BB962C8B-B14F-4D97-AF65-F5344CB8AC3E}">
@@ -4539,6 +8786,13 @@
   <p:clrMapOvr>
     <a:masterClrMapping/>
   </p:clrMapOvr>
+  <p:timing>
+    <p:tnLst>
+      <p:par>
+        <p:cTn id="1" dur="indefinite" restart="never" nodeType="tmRoot"/>
+      </p:par>
+    </p:tnLst>
+  </p:timing>
 </p:sld>
 </file>
 
@@ -4686,41 +8940,83 @@
             <p:ph type="title"/>
           </p:nvPr>
         </p:nvSpPr>
-        <p:spPr/>
-        <p:txBody>
-          <a:bodyPr/>
-          <a:lstStyle/>
-          <a:p>
-            <a:r>
-              <a:rPr lang="pt-BR" dirty="0"/>
-              <a:t>Alocação dinâmica em todas as classes do segundo nível</a:t>
-            </a:r>
-          </a:p>
-        </p:txBody>
-      </p:sp>
-      <p:sp>
-        <p:nvSpPr>
-          <p:cNvPr id="3" name="Espaço Reservado para Conteúdo 2"/>
-          <p:cNvSpPr>
-            <a:spLocks noGrp="1"/>
-          </p:cNvSpPr>
+        <p:spPr>
+          <a:xfrm>
+            <a:off x="838199" y="307460"/>
+            <a:ext cx="10515600" cy="1325563"/>
+          </a:xfrm>
+        </p:spPr>
+        <p:txBody>
+          <a:bodyPr>
+            <a:normAutofit fontScale="90000"/>
+          </a:bodyPr>
+          <a:lstStyle/>
+          <a:p>
+            <a:r>
+              <a:rPr lang="pt-BR" dirty="0" smtClean="0">
+                <a:solidFill>
+                  <a:srgbClr val="FF0000"/>
+                </a:solidFill>
+              </a:rPr>
+              <a:t>Construtor, Default, Copia, Destrutor (</a:t>
+            </a:r>
+            <a:r>
+              <a:rPr lang="pt-BR" dirty="0" err="1" smtClean="0">
+                <a:solidFill>
+                  <a:srgbClr val="FF0000"/>
+                </a:solidFill>
+              </a:rPr>
+              <a:t>Kindle</a:t>
+            </a:r>
+            <a:r>
+              <a:rPr lang="pt-BR" dirty="0" smtClean="0">
+                <a:solidFill>
+                  <a:srgbClr val="FF0000"/>
+                </a:solidFill>
+              </a:rPr>
+              <a:t>)</a:t>
+            </a:r>
+            <a:endParaRPr lang="pt-BR" dirty="0">
+              <a:solidFill>
+                <a:srgbClr val="FF0000"/>
+              </a:solidFill>
+            </a:endParaRPr>
+          </a:p>
+        </p:txBody>
+      </p:sp>
+      <p:pic>
+        <p:nvPicPr>
+          <p:cNvPr id="4" name="Espaço Reservado para Conteúdo 3"/>
+          <p:cNvPicPr>
+            <a:picLocks noGrp="1" noChangeAspect="1"/>
+          </p:cNvPicPr>
           <p:nvPr>
             <p:ph idx="1"/>
           </p:nvPr>
-        </p:nvSpPr>
-        <p:spPr/>
-        <p:txBody>
-          <a:bodyPr/>
-          <a:lstStyle/>
-          <a:p>
-            <a:endParaRPr lang="pt-BR" dirty="0"/>
-          </a:p>
-        </p:txBody>
-      </p:sp>
+        </p:nvPicPr>
+        <p:blipFill>
+          <a:blip r:embed="rId2">
+            <a:extLst>
+              <a:ext uri="{28A0092B-C50C-407E-A947-70E740481C1C}">
+                <a14:useLocalDpi xmlns:a14="http://schemas.microsoft.com/office/drawing/2010/main" val="0"/>
+              </a:ext>
+            </a:extLst>
+          </a:blip>
+          <a:stretch>
+            <a:fillRect/>
+          </a:stretch>
+        </p:blipFill>
+        <p:spPr>
+          <a:xfrm>
+            <a:off x="1066799" y="2056328"/>
+            <a:ext cx="10058400" cy="3948583"/>
+          </a:xfrm>
+        </p:spPr>
+      </p:pic>
     </p:spTree>
     <p:extLst>
       <p:ext uri="{BB962C8B-B14F-4D97-AF65-F5344CB8AC3E}">
-        <p14:creationId xmlns:p14="http://schemas.microsoft.com/office/powerpoint/2010/main" val="1990171782"/>
+        <p14:creationId xmlns:p14="http://schemas.microsoft.com/office/powerpoint/2010/main" val="589999718"/>
       </p:ext>
     </p:extLst>
   </p:cSld>
@@ -4757,41 +9053,65 @@
             <p:ph type="title"/>
           </p:nvPr>
         </p:nvSpPr>
-        <p:spPr/>
-        <p:txBody>
-          <a:bodyPr/>
-          <a:lstStyle/>
-          <a:p>
-            <a:r>
-              <a:rPr lang="pt-BR" dirty="0"/>
-              <a:t>Um atributo do tipo vector&lt; &gt; em um das classes concretas</a:t>
-            </a:r>
-          </a:p>
-        </p:txBody>
-      </p:sp>
-      <p:sp>
-        <p:nvSpPr>
-          <p:cNvPr id="3" name="Espaço Reservado para Conteúdo 2"/>
-          <p:cNvSpPr>
-            <a:spLocks noGrp="1"/>
-          </p:cNvSpPr>
+        <p:spPr>
+          <a:xfrm>
+            <a:off x="838199" y="307460"/>
+            <a:ext cx="10515600" cy="1325563"/>
+          </a:xfrm>
+        </p:spPr>
+        <p:txBody>
+          <a:bodyPr/>
+          <a:lstStyle/>
+          <a:p>
+            <a:r>
+              <a:rPr lang="pt-BR" dirty="0" smtClean="0">
+                <a:solidFill>
+                  <a:srgbClr val="FF0000"/>
+                </a:solidFill>
+              </a:rPr>
+              <a:t>Construtor, Default, Copia, Destrutor (Plus)</a:t>
+            </a:r>
+            <a:endParaRPr lang="pt-BR" dirty="0">
+              <a:solidFill>
+                <a:srgbClr val="FF0000"/>
+              </a:solidFill>
+            </a:endParaRPr>
+          </a:p>
+        </p:txBody>
+      </p:sp>
+      <p:pic>
+        <p:nvPicPr>
+          <p:cNvPr id="4" name="Espaço Reservado para Conteúdo 3"/>
+          <p:cNvPicPr>
+            <a:picLocks noGrp="1" noChangeAspect="1"/>
+          </p:cNvPicPr>
           <p:nvPr>
             <p:ph idx="1"/>
           </p:nvPr>
-        </p:nvSpPr>
-        <p:spPr/>
-        <p:txBody>
-          <a:bodyPr/>
-          <a:lstStyle/>
-          <a:p>
-            <a:endParaRPr lang="pt-BR" dirty="0"/>
-          </a:p>
-        </p:txBody>
-      </p:sp>
+        </p:nvPicPr>
+        <p:blipFill>
+          <a:blip r:embed="rId2">
+            <a:extLst>
+              <a:ext uri="{28A0092B-C50C-407E-A947-70E740481C1C}">
+                <a14:useLocalDpi xmlns:a14="http://schemas.microsoft.com/office/drawing/2010/main" val="0"/>
+              </a:ext>
+            </a:extLst>
+          </a:blip>
+          <a:stretch>
+            <a:fillRect/>
+          </a:stretch>
+        </p:blipFill>
+        <p:spPr>
+          <a:xfrm>
+            <a:off x="2375632" y="2026509"/>
+            <a:ext cx="7440733" cy="3986868"/>
+          </a:xfrm>
+        </p:spPr>
+      </p:pic>
     </p:spTree>
     <p:extLst>
       <p:ext uri="{BB962C8B-B14F-4D97-AF65-F5344CB8AC3E}">
-        <p14:creationId xmlns:p14="http://schemas.microsoft.com/office/powerpoint/2010/main" val="3129516863"/>
+        <p14:creationId xmlns:p14="http://schemas.microsoft.com/office/powerpoint/2010/main" val="2817549411"/>
       </p:ext>
     </p:extLst>
   </p:cSld>
@@ -4802,9 +9122,9 @@
 </file>
 
 <file path=ppt/theme/theme1.xml><?xml version="1.0" encoding="utf-8"?>
-<a:theme xmlns:a="http://schemas.openxmlformats.org/drawingml/2006/main" name="Tema do Office">
+<a:theme xmlns:a="http://schemas.openxmlformats.org/drawingml/2006/main" name="HDOfficeLightV0">
   <a:themeElements>
-    <a:clrScheme name="Office">
+    <a:clrScheme name="Escritório">
       <a:dk1>
         <a:sysClr val="windowText" lastClr="000000"/>
       </a:dk1>
@@ -4818,7 +9138,7 @@
         <a:srgbClr val="E7E6E6"/>
       </a:lt2>
       <a:accent1>
-        <a:srgbClr val="4472C4"/>
+        <a:srgbClr val="5B9BD5"/>
       </a:accent1>
       <a:accent2>
         <a:srgbClr val="ED7D31"/>
@@ -4830,7 +9150,7 @@
         <a:srgbClr val="FFC000"/>
       </a:accent4>
       <a:accent5>
-        <a:srgbClr val="5B9BD5"/>
+        <a:srgbClr val="4472C4"/>
       </a:accent5>
       <a:accent6>
         <a:srgbClr val="70AD47"/>
@@ -4842,14 +9162,14 @@
         <a:srgbClr val="954F72"/>
       </a:folHlink>
     </a:clrScheme>
-    <a:fontScheme name="Office">
+    <a:fontScheme name="Escritório">
       <a:majorFont>
-        <a:latin typeface="Calibri Light" panose="020F0302020204030204"/>
+        <a:latin typeface="Calibri Light"/>
         <a:ea typeface=""/>
         <a:cs typeface=""/>
-        <a:font script="Jpan" typeface="游ゴシック Light"/>
+        <a:font script="Jpan" typeface="ＭＳ Ｐゴシック"/>
         <a:font script="Hang" typeface="맑은 고딕"/>
-        <a:font script="Hans" typeface="等线 Light"/>
+        <a:font script="Hans" typeface="宋体"/>
         <a:font script="Hant" typeface="新細明體"/>
         <a:font script="Arab" typeface="Times New Roman"/>
         <a:font script="Hebr" typeface="Times New Roman"/>
@@ -4877,31 +9197,14 @@
         <a:font script="Viet" typeface="Times New Roman"/>
         <a:font script="Uigh" typeface="Microsoft Uighur"/>
         <a:font script="Geor" typeface="Sylfaen"/>
-        <a:font script="Armn" typeface="Arial"/>
-        <a:font script="Bugi" typeface="Leelawadee UI"/>
-        <a:font script="Bopo" typeface="Microsoft JhengHei"/>
-        <a:font script="Java" typeface="Javanese Text"/>
-        <a:font script="Lisu" typeface="Segoe UI"/>
-        <a:font script="Mymr" typeface="Myanmar Text"/>
-        <a:font script="Nkoo" typeface="Ebrima"/>
-        <a:font script="Olck" typeface="Nirmala UI"/>
-        <a:font script="Osma" typeface="Ebrima"/>
-        <a:font script="Phag" typeface="Phagspa"/>
-        <a:font script="Syrn" typeface="Estrangelo Edessa"/>
-        <a:font script="Syrj" typeface="Estrangelo Edessa"/>
-        <a:font script="Syre" typeface="Estrangelo Edessa"/>
-        <a:font script="Sora" typeface="Nirmala UI"/>
-        <a:font script="Tale" typeface="Microsoft Tai Le"/>
-        <a:font script="Talu" typeface="Microsoft New Tai Lue"/>
-        <a:font script="Tfng" typeface="Ebrima"/>
       </a:majorFont>
       <a:minorFont>
-        <a:latin typeface="Calibri" panose="020F0502020204030204"/>
+        <a:latin typeface="Calibri"/>
         <a:ea typeface=""/>
         <a:cs typeface=""/>
-        <a:font script="Jpan" typeface="游ゴシック"/>
+        <a:font script="Jpan" typeface="ＭＳ Ｐゴシック"/>
         <a:font script="Hang" typeface="맑은 고딕"/>
-        <a:font script="Hans" typeface="等线"/>
+        <a:font script="Hans" typeface="宋体"/>
         <a:font script="Hant" typeface="新細明體"/>
         <a:font script="Arab" typeface="Arial"/>
         <a:font script="Hebr" typeface="Arial"/>
@@ -4929,26 +9232,9 @@
         <a:font script="Viet" typeface="Arial"/>
         <a:font script="Uigh" typeface="Microsoft Uighur"/>
         <a:font script="Geor" typeface="Sylfaen"/>
-        <a:font script="Armn" typeface="Arial"/>
-        <a:font script="Bugi" typeface="Leelawadee UI"/>
-        <a:font script="Bopo" typeface="Microsoft JhengHei"/>
-        <a:font script="Java" typeface="Javanese Text"/>
-        <a:font script="Lisu" typeface="Segoe UI"/>
-        <a:font script="Mymr" typeface="Myanmar Text"/>
-        <a:font script="Nkoo" typeface="Ebrima"/>
-        <a:font script="Olck" typeface="Nirmala UI"/>
-        <a:font script="Osma" typeface="Ebrima"/>
-        <a:font script="Phag" typeface="Phagspa"/>
-        <a:font script="Syrn" typeface="Estrangelo Edessa"/>
-        <a:font script="Syrj" typeface="Estrangelo Edessa"/>
-        <a:font script="Syre" typeface="Estrangelo Edessa"/>
-        <a:font script="Sora" typeface="Nirmala UI"/>
-        <a:font script="Tale" typeface="Microsoft Tai Le"/>
-        <a:font script="Talu" typeface="Microsoft New Tai Lue"/>
-        <a:font script="Tfng" typeface="Ebrima"/>
       </a:minorFont>
     </a:fontScheme>
-    <a:fmtScheme name="Office">
+    <a:fmtScheme name="Escritório">
       <a:fillStyleLst>
         <a:solidFill>
           <a:schemeClr val="phClr"/>
@@ -4957,23 +9243,23 @@
           <a:gsLst>
             <a:gs pos="0">
               <a:schemeClr val="phClr">
+                <a:tint val="67000"/>
+                <a:satMod val="105000"/>
                 <a:lumMod val="110000"/>
-                <a:satMod val="105000"/>
-                <a:tint val="67000"/>
               </a:schemeClr>
             </a:gs>
             <a:gs pos="50000">
               <a:schemeClr val="phClr">
+                <a:tint val="73000"/>
+                <a:satMod val="103000"/>
                 <a:lumMod val="105000"/>
-                <a:satMod val="103000"/>
-                <a:tint val="73000"/>
               </a:schemeClr>
             </a:gs>
             <a:gs pos="100000">
               <a:schemeClr val="phClr">
+                <a:tint val="81000"/>
+                <a:satMod val="109000"/>
                 <a:lumMod val="105000"/>
-                <a:satMod val="109000"/>
-                <a:tint val="81000"/>
               </a:schemeClr>
             </a:gs>
           </a:gsLst>
@@ -4983,23 +9269,23 @@
           <a:gsLst>
             <a:gs pos="0">
               <a:schemeClr val="phClr">
+                <a:tint val="94000"/>
                 <a:satMod val="103000"/>
                 <a:lumMod val="102000"/>
-                <a:tint val="94000"/>
               </a:schemeClr>
             </a:gs>
             <a:gs pos="50000">
               <a:schemeClr val="phClr">
+                <a:shade val="100000"/>
                 <a:satMod val="110000"/>
                 <a:lumMod val="100000"/>
-                <a:shade val="100000"/>
               </a:schemeClr>
             </a:gs>
             <a:gs pos="100000">
               <a:schemeClr val="phClr">
+                <a:shade val="78000"/>
+                <a:satMod val="120000"/>
                 <a:lumMod val="99000"/>
-                <a:satMod val="120000"/>
-                <a:shade val="78000"/>
               </a:schemeClr>
             </a:gs>
           </a:gsLst>
@@ -5012,21 +9298,18 @@
             <a:schemeClr val="phClr"/>
           </a:solidFill>
           <a:prstDash val="solid"/>
-          <a:miter lim="800000"/>
         </a:ln>
         <a:ln w="12700" cap="flat" cmpd="sng" algn="ctr">
           <a:solidFill>
             <a:schemeClr val="phClr"/>
           </a:solidFill>
           <a:prstDash val="solid"/>
-          <a:miter lim="800000"/>
         </a:ln>
         <a:ln w="19050" cap="flat" cmpd="sng" algn="ctr">
           <a:solidFill>
             <a:schemeClr val="phClr"/>
           </a:solidFill>
           <a:prstDash val="solid"/>
-          <a:miter lim="800000"/>
         </a:ln>
       </a:lnStyleLst>
       <a:effectStyleLst>
@@ -5061,16 +9344,16 @@
             <a:gs pos="0">
               <a:schemeClr val="phClr">
                 <a:tint val="93000"/>
+                <a:shade val="98000"/>
                 <a:satMod val="150000"/>
-                <a:shade val="98000"/>
                 <a:lumMod val="102000"/>
               </a:schemeClr>
             </a:gs>
             <a:gs pos="50000">
               <a:schemeClr val="phClr">
                 <a:tint val="98000"/>
+                <a:shade val="90000"/>
                 <a:satMod val="130000"/>
-                <a:shade val="90000"/>
                 <a:lumMod val="103000"/>
               </a:schemeClr>
             </a:gs>
@@ -5088,9 +9371,287 @@
   </a:themeElements>
   <a:objectDefaults/>
   <a:extraClrSchemeLst/>
+</a:theme>
+</file>
+
+<file path=ppt/theme/theme2.xml><?xml version="1.0" encoding="utf-8"?>
+<a:theme xmlns:a="http://schemas.openxmlformats.org/drawingml/2006/main" name="Retrospectiva">
+  <a:themeElements>
+    <a:clrScheme name="Retrospectiva">
+      <a:dk1>
+        <a:srgbClr val="000000"/>
+      </a:dk1>
+      <a:lt1>
+        <a:sysClr val="window" lastClr="FFFFFF"/>
+      </a:lt1>
+      <a:dk2>
+        <a:srgbClr val="637052"/>
+      </a:dk2>
+      <a:lt2>
+        <a:srgbClr val="CCDDEA"/>
+      </a:lt2>
+      <a:accent1>
+        <a:srgbClr val="E48312"/>
+      </a:accent1>
+      <a:accent2>
+        <a:srgbClr val="BD582C"/>
+      </a:accent2>
+      <a:accent3>
+        <a:srgbClr val="865640"/>
+      </a:accent3>
+      <a:accent4>
+        <a:srgbClr val="9B8357"/>
+      </a:accent4>
+      <a:accent5>
+        <a:srgbClr val="C2BC80"/>
+      </a:accent5>
+      <a:accent6>
+        <a:srgbClr val="94A088"/>
+      </a:accent6>
+      <a:hlink>
+        <a:srgbClr val="2998E3"/>
+      </a:hlink>
+      <a:folHlink>
+        <a:srgbClr val="8C8C8C"/>
+      </a:folHlink>
+    </a:clrScheme>
+    <a:fontScheme name="Retrospectiva">
+      <a:majorFont>
+        <a:latin typeface="Calibri Light" panose="020F0302020204030204"/>
+        <a:ea typeface=""/>
+        <a:cs typeface=""/>
+        <a:font script="Jpan" typeface="ＭＳ Ｐゴシック"/>
+        <a:font script="Hang" typeface="맑은 고딕"/>
+        <a:font script="Hans" typeface="宋体"/>
+        <a:font script="Hant" typeface="新細明體"/>
+        <a:font script="Arab" typeface="Times New Roman"/>
+        <a:font script="Hebr" typeface="Times New Roman"/>
+        <a:font script="Thai" typeface="Angsana New"/>
+        <a:font script="Ethi" typeface="Nyala"/>
+        <a:font script="Beng" typeface="Vrinda"/>
+        <a:font script="Gujr" typeface="Shruti"/>
+        <a:font script="Khmr" typeface="MoolBoran"/>
+        <a:font script="Knda" typeface="Tunga"/>
+        <a:font script="Guru" typeface="Raavi"/>
+        <a:font script="Cans" typeface="Euphemia"/>
+        <a:font script="Cher" typeface="Plantagenet Cherokee"/>
+        <a:font script="Yiii" typeface="Microsoft Yi Baiti"/>
+        <a:font script="Tibt" typeface="Microsoft Himalaya"/>
+        <a:font script="Thaa" typeface="MV Boli"/>
+        <a:font script="Deva" typeface="Mangal"/>
+        <a:font script="Telu" typeface="Gautami"/>
+        <a:font script="Taml" typeface="Latha"/>
+        <a:font script="Syrc" typeface="Estrangelo Edessa"/>
+        <a:font script="Orya" typeface="Kalinga"/>
+        <a:font script="Mlym" typeface="Kartika"/>
+        <a:font script="Laoo" typeface="DokChampa"/>
+        <a:font script="Sinh" typeface="Iskoola Pota"/>
+        <a:font script="Mong" typeface="Mongolian Baiti"/>
+        <a:font script="Viet" typeface="Times New Roman"/>
+        <a:font script="Uigh" typeface="Microsoft Uighur"/>
+        <a:font script="Geor" typeface="Sylfaen"/>
+      </a:majorFont>
+      <a:minorFont>
+        <a:latin typeface="Calibri" panose="020F0502020204030204"/>
+        <a:ea typeface=""/>
+        <a:cs typeface=""/>
+        <a:font script="Jpan" typeface="ＭＳ Ｐゴシック"/>
+        <a:font script="Hang" typeface="맑은 고딕"/>
+        <a:font script="Hans" typeface="宋体"/>
+        <a:font script="Hant" typeface="新細明體"/>
+        <a:font script="Arab" typeface="Arial"/>
+        <a:font script="Hebr" typeface="Arial"/>
+        <a:font script="Thai" typeface="Cordia New"/>
+        <a:font script="Ethi" typeface="Nyala"/>
+        <a:font script="Beng" typeface="Vrinda"/>
+        <a:font script="Gujr" typeface="Shruti"/>
+        <a:font script="Khmr" typeface="DaunPenh"/>
+        <a:font script="Knda" typeface="Tunga"/>
+        <a:font script="Guru" typeface="Raavi"/>
+        <a:font script="Cans" typeface="Euphemia"/>
+        <a:font script="Cher" typeface="Plantagenet Cherokee"/>
+        <a:font script="Yiii" typeface="Microsoft Yi Baiti"/>
+        <a:font script="Tibt" typeface="Microsoft Himalaya"/>
+        <a:font script="Thaa" typeface="MV Boli"/>
+        <a:font script="Deva" typeface="Mangal"/>
+        <a:font script="Telu" typeface="Gautami"/>
+        <a:font script="Taml" typeface="Latha"/>
+        <a:font script="Syrc" typeface="Estrangelo Edessa"/>
+        <a:font script="Orya" typeface="Kalinga"/>
+        <a:font script="Mlym" typeface="Kartika"/>
+        <a:font script="Laoo" typeface="DokChampa"/>
+        <a:font script="Sinh" typeface="Iskoola Pota"/>
+        <a:font script="Mong" typeface="Mongolian Baiti"/>
+        <a:font script="Viet" typeface="Arial"/>
+        <a:font script="Uigh" typeface="Microsoft Uighur"/>
+        <a:font script="Geor" typeface="Sylfaen"/>
+      </a:minorFont>
+    </a:fontScheme>
+    <a:fmtScheme name="Retrospectiva">
+      <a:fillStyleLst>
+        <a:solidFill>
+          <a:schemeClr val="phClr"/>
+        </a:solidFill>
+        <a:gradFill rotWithShape="1">
+          <a:gsLst>
+            <a:gs pos="0">
+              <a:schemeClr val="phClr">
+                <a:tint val="65000"/>
+                <a:shade val="92000"/>
+                <a:satMod val="130000"/>
+              </a:schemeClr>
+            </a:gs>
+            <a:gs pos="45000">
+              <a:schemeClr val="phClr">
+                <a:tint val="60000"/>
+                <a:shade val="99000"/>
+                <a:satMod val="120000"/>
+              </a:schemeClr>
+            </a:gs>
+            <a:gs pos="100000">
+              <a:schemeClr val="phClr">
+                <a:tint val="55000"/>
+                <a:satMod val="140000"/>
+              </a:schemeClr>
+            </a:gs>
+          </a:gsLst>
+          <a:path path="circle">
+            <a:fillToRect l="100000" t="100000" r="100000" b="100000"/>
+          </a:path>
+        </a:gradFill>
+        <a:gradFill rotWithShape="1">
+          <a:gsLst>
+            <a:gs pos="0">
+              <a:schemeClr val="phClr">
+                <a:shade val="85000"/>
+                <a:satMod val="130000"/>
+              </a:schemeClr>
+            </a:gs>
+            <a:gs pos="34000">
+              <a:schemeClr val="phClr">
+                <a:shade val="87000"/>
+                <a:satMod val="125000"/>
+              </a:schemeClr>
+            </a:gs>
+            <a:gs pos="70000">
+              <a:schemeClr val="phClr">
+                <a:tint val="100000"/>
+                <a:shade val="90000"/>
+                <a:satMod val="130000"/>
+              </a:schemeClr>
+            </a:gs>
+            <a:gs pos="100000">
+              <a:schemeClr val="phClr">
+                <a:tint val="100000"/>
+                <a:shade val="100000"/>
+                <a:satMod val="110000"/>
+              </a:schemeClr>
+            </a:gs>
+          </a:gsLst>
+          <a:path path="circle">
+            <a:fillToRect l="100000" t="100000" r="100000" b="100000"/>
+          </a:path>
+        </a:gradFill>
+      </a:fillStyleLst>
+      <a:lnStyleLst>
+        <a:ln w="12700" cap="flat" cmpd="sng" algn="ctr">
+          <a:solidFill>
+            <a:schemeClr val="phClr"/>
+          </a:solidFill>
+          <a:prstDash val="solid"/>
+        </a:ln>
+        <a:ln w="15875" cap="flat" cmpd="sng" algn="ctr">
+          <a:solidFill>
+            <a:schemeClr val="phClr"/>
+          </a:solidFill>
+          <a:prstDash val="solid"/>
+        </a:ln>
+        <a:ln w="25400" cap="flat" cmpd="sng" algn="ctr">
+          <a:solidFill>
+            <a:schemeClr val="phClr"/>
+          </a:solidFill>
+          <a:prstDash val="solid"/>
+        </a:ln>
+      </a:lnStyleLst>
+      <a:effectStyleLst>
+        <a:effectStyle>
+          <a:effectLst/>
+        </a:effectStyle>
+        <a:effectStyle>
+          <a:effectLst>
+            <a:outerShdw blurRad="38100" dist="25400" dir="2700000" algn="br" rotWithShape="0">
+              <a:srgbClr val="000000">
+                <a:alpha val="60000"/>
+              </a:srgbClr>
+            </a:outerShdw>
+          </a:effectLst>
+        </a:effectStyle>
+        <a:effectStyle>
+          <a:effectLst>
+            <a:outerShdw blurRad="44450" dist="25400" dir="2700000" algn="br" rotWithShape="0">
+              <a:srgbClr val="000000">
+                <a:alpha val="60000"/>
+              </a:srgbClr>
+            </a:outerShdw>
+          </a:effectLst>
+          <a:scene3d>
+            <a:camera prst="orthographicFront">
+              <a:rot lat="0" lon="0" rev="0"/>
+            </a:camera>
+            <a:lightRig rig="threePt" dir="t">
+              <a:rot lat="0" lon="0" rev="19800000"/>
+            </a:lightRig>
+          </a:scene3d>
+          <a:sp3d prstMaterial="flat">
+            <a:bevelT w="25400" h="31750"/>
+          </a:sp3d>
+        </a:effectStyle>
+      </a:effectStyleLst>
+      <a:bgFillStyleLst>
+        <a:solidFill>
+          <a:schemeClr val="phClr"/>
+        </a:solidFill>
+        <a:solidFill>
+          <a:schemeClr val="phClr">
+            <a:tint val="90000"/>
+            <a:shade val="97000"/>
+            <a:satMod val="130000"/>
+          </a:schemeClr>
+        </a:solidFill>
+        <a:gradFill rotWithShape="1">
+          <a:gsLst>
+            <a:gs pos="0">
+              <a:schemeClr val="phClr">
+                <a:tint val="96000"/>
+                <a:shade val="99000"/>
+                <a:satMod val="140000"/>
+              </a:schemeClr>
+            </a:gs>
+            <a:gs pos="65000">
+              <a:schemeClr val="phClr">
+                <a:tint val="100000"/>
+                <a:shade val="80000"/>
+                <a:satMod val="130000"/>
+              </a:schemeClr>
+            </a:gs>
+            <a:gs pos="100000">
+              <a:schemeClr val="phClr">
+                <a:tint val="100000"/>
+                <a:shade val="48000"/>
+                <a:satMod val="120000"/>
+              </a:schemeClr>
+            </a:gs>
+          </a:gsLst>
+          <a:lin ang="16200000" scaled="0"/>
+        </a:gradFill>
+      </a:bgFillStyleLst>
+    </a:fmtScheme>
+  </a:themeElements>
+  <a:objectDefaults/>
+  <a:extraClrSchemeLst/>
   <a:extLst>
     <a:ext uri="{05A4C25C-085E-4340-85A3-A5531E510DB2}">
-      <thm15:themeFamily xmlns:thm15="http://schemas.microsoft.com/office/thememl/2012/main" name="Office Theme" id="{62F939B6-93AF-4DB8-9C6B-D6C7DFDC589F}" vid="{4A3C46E8-61CC-4603-A589-7422A47A8E4A}"/>
+      <thm15:themeFamily xmlns:thm15="http://schemas.microsoft.com/office/thememl/2012/main" name="Retrospect" id="{5F128B03-DCCA-4EEB-AB3B-CF2899314A46}" vid="{3F1AAB62-24C6-49D2-8E01-B56FAC9A3DCD}"/>
     </a:ext>
   </a:extLst>
 </a:theme>
